--- a/Project/DA_미니프로젝트.pptx
+++ b/Project/DA_미니프로젝트.pptx
@@ -2370,53 +2370,14 @@
           </a:lstStyle>
           <a:p>
             <a:r>
-              <a:rPr lang="en-US" altLang="ko-KR"/>
-              <a:t>20XX</a:t>
-            </a:r>
-            <a:r>
-              <a:rPr lang="ko-KR" altLang="en-US"/>
+              <a:rPr lang="en-US" altLang="ko-KR" dirty="0"/>
+              <a:t>2024</a:t>
+            </a:r>
+            <a:r>
+              <a:rPr lang="ko-KR" altLang="en-US" dirty="0"/>
               <a:t>년</a:t>
             </a:r>
-            <a:endParaRPr lang="ko-KR" altLang="en-US">
-              <a:latin typeface="맑은 고딕" panose="020B0503020000020004" pitchFamily="50" charset="-127"/>
-              <a:ea typeface="맑은 고딕" panose="020B0503020000020004" pitchFamily="50" charset="-127"/>
-            </a:endParaRPr>
-          </a:p>
-        </p:txBody>
-      </p:sp>
-      <p:sp>
-        <p:nvSpPr>
-          <p:cNvPr id="5" name="바닥글 개체 틀 4">
-            <a:extLst>
-              <a:ext uri="{FF2B5EF4-FFF2-40B4-BE49-F238E27FC236}">
-                <a16:creationId xmlns:a16="http://schemas.microsoft.com/office/drawing/2014/main" id="{FE209C12-0CED-4CD5-B463-885A793CC25E}"/>
-              </a:ext>
-            </a:extLst>
-          </p:cNvPr>
-          <p:cNvSpPr>
-            <a:spLocks noGrp="1"/>
-          </p:cNvSpPr>
-          <p:nvPr>
-            <p:ph type="ftr" sz="quarter" idx="11"/>
-          </p:nvPr>
-        </p:nvSpPr>
-        <p:spPr/>
-        <p:txBody>
-          <a:bodyPr rtlCol="0"/>
-          <a:lstStyle>
-            <a:lvl1pPr>
-              <a:defRPr>
-                <a:latin typeface="맑은 고딕" panose="020B0503020000020004" pitchFamily="50" charset="-127"/>
-                <a:ea typeface="맑은 고딕" panose="020B0503020000020004" pitchFamily="50" charset="-127"/>
-              </a:defRPr>
-            </a:lvl1pPr>
-          </a:lstStyle>
-          <a:p>
-            <a:r>
-              <a:rPr lang="ko-KR" altLang="en-US"/>
-              <a:t>설명 자료 제목</a:t>
-            </a:r>
-            <a:endParaRPr lang="ko-KR" altLang="en-US">
+            <a:endParaRPr lang="ko-KR" altLang="en-US" dirty="0">
               <a:latin typeface="맑은 고딕" panose="020B0503020000020004" pitchFamily="50" charset="-127"/>
               <a:ea typeface="맑은 고딕" panose="020B0503020000020004" pitchFamily="50" charset="-127"/>
             </a:endParaRPr>
@@ -2869,7 +2830,15 @@
             <p:ph type="ftr" sz="quarter" idx="21"/>
           </p:nvPr>
         </p:nvSpPr>
-        <p:spPr/>
+        <p:spPr>
+          <a:xfrm>
+            <a:off x="4038600" y="6356350"/>
+            <a:ext cx="4114800" cy="365125"/>
+          </a:xfrm>
+          <a:prstGeom prst="rect">
+            <a:avLst/>
+          </a:prstGeom>
+        </p:spPr>
         <p:txBody>
           <a:bodyPr rtlCol="0"/>
           <a:lstStyle>
@@ -3895,59 +3864,14 @@
           </a:lstStyle>
           <a:p>
             <a:r>
-              <a:rPr lang="en-US" altLang="ko-KR"/>
-              <a:t>20XX</a:t>
-            </a:r>
-            <a:r>
-              <a:rPr lang="ko-KR" altLang="en-US"/>
+              <a:rPr lang="en-US" altLang="ko-KR" dirty="0"/>
+              <a:t>2024</a:t>
+            </a:r>
+            <a:r>
+              <a:rPr lang="ko-KR" altLang="en-US" dirty="0"/>
               <a:t>년</a:t>
             </a:r>
-            <a:endParaRPr lang="ko-KR" altLang="en-US">
-              <a:latin typeface="맑은 고딕" panose="020B0503020000020004" pitchFamily="50" charset="-127"/>
-              <a:ea typeface="맑은 고딕" panose="020B0503020000020004" pitchFamily="50" charset="-127"/>
-            </a:endParaRPr>
-          </a:p>
-        </p:txBody>
-      </p:sp>
-      <p:sp>
-        <p:nvSpPr>
-          <p:cNvPr id="6" name="바닥글 개체 틀 5">
-            <a:extLst>
-              <a:ext uri="{FF2B5EF4-FFF2-40B4-BE49-F238E27FC236}">
-                <a16:creationId xmlns:a16="http://schemas.microsoft.com/office/drawing/2014/main" id="{29E5E346-F307-4307-949D-77CDB6E6577A}"/>
-              </a:ext>
-            </a:extLst>
-          </p:cNvPr>
-          <p:cNvSpPr>
-            <a:spLocks noGrp="1"/>
-          </p:cNvSpPr>
-          <p:nvPr>
-            <p:ph type="ftr" sz="quarter" idx="10"/>
-          </p:nvPr>
-        </p:nvSpPr>
-        <p:spPr/>
-        <p:txBody>
-          <a:bodyPr rtlCol="0"/>
-          <a:lstStyle>
-            <a:lvl1pPr>
-              <a:defRPr>
-                <a:solidFill>
-                  <a:schemeClr val="tx1">
-                    <a:lumMod val="75000"/>
-                    <a:lumOff val="25000"/>
-                  </a:schemeClr>
-                </a:solidFill>
-                <a:latin typeface="맑은 고딕" panose="020B0503020000020004" pitchFamily="50" charset="-127"/>
-                <a:ea typeface="맑은 고딕" panose="020B0503020000020004" pitchFamily="50" charset="-127"/>
-              </a:defRPr>
-            </a:lvl1pPr>
-          </a:lstStyle>
-          <a:p>
-            <a:r>
-              <a:rPr lang="ko-KR" altLang="en-US"/>
-              <a:t>설명 자료 제목</a:t>
-            </a:r>
-            <a:endParaRPr lang="ko-KR" altLang="en-US">
+            <a:endParaRPr lang="ko-KR" altLang="en-US" dirty="0">
               <a:latin typeface="맑은 고딕" panose="020B0503020000020004" pitchFamily="50" charset="-127"/>
               <a:ea typeface="맑은 고딕" panose="020B0503020000020004" pitchFamily="50" charset="-127"/>
             </a:endParaRPr>
@@ -4919,59 +4843,14 @@
           </a:lstStyle>
           <a:p>
             <a:r>
-              <a:rPr lang="en-US" altLang="ko-KR"/>
-              <a:t>20XX</a:t>
-            </a:r>
-            <a:r>
-              <a:rPr lang="ko-KR" altLang="en-US"/>
+              <a:rPr lang="en-US" altLang="ko-KR" dirty="0"/>
+              <a:t>2024</a:t>
+            </a:r>
+            <a:r>
+              <a:rPr lang="ko-KR" altLang="en-US" dirty="0"/>
               <a:t>년</a:t>
             </a:r>
-            <a:endParaRPr lang="ko-KR" altLang="en-US">
-              <a:latin typeface="맑은 고딕" panose="020B0503020000020004" pitchFamily="50" charset="-127"/>
-              <a:ea typeface="맑은 고딕" panose="020B0503020000020004" pitchFamily="50" charset="-127"/>
-            </a:endParaRPr>
-          </a:p>
-        </p:txBody>
-      </p:sp>
-      <p:sp>
-        <p:nvSpPr>
-          <p:cNvPr id="6" name="바닥글 개체 틀 5">
-            <a:extLst>
-              <a:ext uri="{FF2B5EF4-FFF2-40B4-BE49-F238E27FC236}">
-                <a16:creationId xmlns:a16="http://schemas.microsoft.com/office/drawing/2014/main" id="{29E5E346-F307-4307-949D-77CDB6E6577A}"/>
-              </a:ext>
-            </a:extLst>
-          </p:cNvPr>
-          <p:cNvSpPr>
-            <a:spLocks noGrp="1"/>
-          </p:cNvSpPr>
-          <p:nvPr>
-            <p:ph type="ftr" sz="quarter" idx="10"/>
-          </p:nvPr>
-        </p:nvSpPr>
-        <p:spPr/>
-        <p:txBody>
-          <a:bodyPr rtlCol="0"/>
-          <a:lstStyle>
-            <a:lvl1pPr>
-              <a:defRPr>
-                <a:solidFill>
-                  <a:schemeClr val="tx1">
-                    <a:lumMod val="75000"/>
-                    <a:lumOff val="25000"/>
-                  </a:schemeClr>
-                </a:solidFill>
-                <a:latin typeface="맑은 고딕" panose="020B0503020000020004" pitchFamily="50" charset="-127"/>
-                <a:ea typeface="맑은 고딕" panose="020B0503020000020004" pitchFamily="50" charset="-127"/>
-              </a:defRPr>
-            </a:lvl1pPr>
-          </a:lstStyle>
-          <a:p>
-            <a:r>
-              <a:rPr lang="ko-KR" altLang="en-US"/>
-              <a:t>설명 자료 제목</a:t>
-            </a:r>
-            <a:endParaRPr lang="ko-KR" altLang="en-US">
+            <a:endParaRPr lang="ko-KR" altLang="en-US" dirty="0">
               <a:latin typeface="맑은 고딕" panose="020B0503020000020004" pitchFamily="50" charset="-127"/>
               <a:ea typeface="맑은 고딕" panose="020B0503020000020004" pitchFamily="50" charset="-127"/>
             </a:endParaRPr>
@@ -5618,53 +5497,14 @@
           </a:lstStyle>
           <a:p>
             <a:r>
-              <a:rPr lang="en-US" altLang="ko-KR"/>
-              <a:t>20XX</a:t>
-            </a:r>
-            <a:r>
-              <a:rPr lang="ko-KR" altLang="en-US"/>
+              <a:rPr lang="en-US" altLang="ko-KR" dirty="0"/>
+              <a:t>2024</a:t>
+            </a:r>
+            <a:r>
+              <a:rPr lang="ko-KR" altLang="en-US" dirty="0"/>
               <a:t>년</a:t>
             </a:r>
-            <a:endParaRPr lang="ko-KR" altLang="en-US">
-              <a:latin typeface="맑은 고딕" panose="020B0503020000020004" pitchFamily="50" charset="-127"/>
-              <a:ea typeface="맑은 고딕" panose="020B0503020000020004" pitchFamily="50" charset="-127"/>
-            </a:endParaRPr>
-          </a:p>
-        </p:txBody>
-      </p:sp>
-      <p:sp>
-        <p:nvSpPr>
-          <p:cNvPr id="4" name="바닥글 개체 틀 3">
-            <a:extLst>
-              <a:ext uri="{FF2B5EF4-FFF2-40B4-BE49-F238E27FC236}">
-                <a16:creationId xmlns:a16="http://schemas.microsoft.com/office/drawing/2014/main" id="{3356B621-AE19-45D3-B25F-23256C242DDD}"/>
-              </a:ext>
-            </a:extLst>
-          </p:cNvPr>
-          <p:cNvSpPr>
-            <a:spLocks noGrp="1"/>
-          </p:cNvSpPr>
-          <p:nvPr>
-            <p:ph type="ftr" sz="quarter" idx="21"/>
-          </p:nvPr>
-        </p:nvSpPr>
-        <p:spPr/>
-        <p:txBody>
-          <a:bodyPr rtlCol="0"/>
-          <a:lstStyle>
-            <a:lvl1pPr>
-              <a:defRPr>
-                <a:latin typeface="맑은 고딕" panose="020B0503020000020004" pitchFamily="50" charset="-127"/>
-                <a:ea typeface="맑은 고딕" panose="020B0503020000020004" pitchFamily="50" charset="-127"/>
-              </a:defRPr>
-            </a:lvl1pPr>
-          </a:lstStyle>
-          <a:p>
-            <a:r>
-              <a:rPr lang="ko-KR" altLang="en-US"/>
-              <a:t>설명 자료 제목</a:t>
-            </a:r>
-            <a:endParaRPr lang="ko-KR" altLang="en-US">
+            <a:endParaRPr lang="ko-KR" altLang="en-US" dirty="0">
               <a:latin typeface="맑은 고딕" panose="020B0503020000020004" pitchFamily="50" charset="-127"/>
               <a:ea typeface="맑은 고딕" panose="020B0503020000020004" pitchFamily="50" charset="-127"/>
             </a:endParaRPr>
@@ -6310,53 +6150,14 @@
           </a:lstStyle>
           <a:p>
             <a:r>
-              <a:rPr lang="en-US" altLang="ko-KR"/>
-              <a:t>20XX</a:t>
-            </a:r>
-            <a:r>
-              <a:rPr lang="ko-KR" altLang="en-US"/>
+              <a:rPr lang="en-US" altLang="ko-KR" dirty="0"/>
+              <a:t>2024</a:t>
+            </a:r>
+            <a:r>
+              <a:rPr lang="ko-KR" altLang="en-US" dirty="0"/>
               <a:t>년</a:t>
             </a:r>
-            <a:endParaRPr lang="ko-KR" altLang="en-US">
-              <a:latin typeface="맑은 고딕" panose="020B0503020000020004" pitchFamily="50" charset="-127"/>
-              <a:ea typeface="맑은 고딕" panose="020B0503020000020004" pitchFamily="50" charset="-127"/>
-            </a:endParaRPr>
-          </a:p>
-        </p:txBody>
-      </p:sp>
-      <p:sp>
-        <p:nvSpPr>
-          <p:cNvPr id="8" name="바닥글 개체 틀 7">
-            <a:extLst>
-              <a:ext uri="{FF2B5EF4-FFF2-40B4-BE49-F238E27FC236}">
-                <a16:creationId xmlns:a16="http://schemas.microsoft.com/office/drawing/2014/main" id="{97C1F45E-8700-4861-AD21-BB7A09E1305A}"/>
-              </a:ext>
-            </a:extLst>
-          </p:cNvPr>
-          <p:cNvSpPr>
-            <a:spLocks noGrp="1"/>
-          </p:cNvSpPr>
-          <p:nvPr>
-            <p:ph type="ftr" sz="quarter" idx="11"/>
-          </p:nvPr>
-        </p:nvSpPr>
-        <p:spPr/>
-        <p:txBody>
-          <a:bodyPr rtlCol="0"/>
-          <a:lstStyle>
-            <a:lvl1pPr>
-              <a:defRPr>
-                <a:latin typeface="맑은 고딕" panose="020B0503020000020004" pitchFamily="50" charset="-127"/>
-                <a:ea typeface="맑은 고딕" panose="020B0503020000020004" pitchFamily="50" charset="-127"/>
-              </a:defRPr>
-            </a:lvl1pPr>
-          </a:lstStyle>
-          <a:p>
-            <a:r>
-              <a:rPr lang="ko-KR" altLang="en-US"/>
-              <a:t>설명 자료 제목</a:t>
-            </a:r>
-            <a:endParaRPr lang="ko-KR" altLang="en-US">
+            <a:endParaRPr lang="ko-KR" altLang="en-US" dirty="0">
               <a:latin typeface="맑은 고딕" panose="020B0503020000020004" pitchFamily="50" charset="-127"/>
               <a:ea typeface="맑은 고딕" panose="020B0503020000020004" pitchFamily="50" charset="-127"/>
             </a:endParaRPr>
@@ -7867,59 +7668,14 @@
           </a:lstStyle>
           <a:p>
             <a:r>
-              <a:rPr lang="en-US" altLang="ko-KR"/>
-              <a:t>20XX</a:t>
-            </a:r>
-            <a:r>
-              <a:rPr lang="ko-KR" altLang="en-US"/>
+              <a:rPr lang="en-US" altLang="ko-KR" dirty="0"/>
+              <a:t>2024</a:t>
+            </a:r>
+            <a:r>
+              <a:rPr lang="ko-KR" altLang="en-US" dirty="0"/>
               <a:t>년</a:t>
             </a:r>
-            <a:endParaRPr lang="ko-KR" altLang="en-US">
-              <a:latin typeface="맑은 고딕" panose="020B0503020000020004" pitchFamily="50" charset="-127"/>
-              <a:ea typeface="맑은 고딕" panose="020B0503020000020004" pitchFamily="50" charset="-127"/>
-            </a:endParaRPr>
-          </a:p>
-        </p:txBody>
-      </p:sp>
-      <p:sp>
-        <p:nvSpPr>
-          <p:cNvPr id="6" name="바닥글 개체 틀 5">
-            <a:extLst>
-              <a:ext uri="{FF2B5EF4-FFF2-40B4-BE49-F238E27FC236}">
-                <a16:creationId xmlns:a16="http://schemas.microsoft.com/office/drawing/2014/main" id="{29E5E346-F307-4307-949D-77CDB6E6577A}"/>
-              </a:ext>
-            </a:extLst>
-          </p:cNvPr>
-          <p:cNvSpPr>
-            <a:spLocks noGrp="1"/>
-          </p:cNvSpPr>
-          <p:nvPr>
-            <p:ph type="ftr" sz="quarter" idx="10"/>
-          </p:nvPr>
-        </p:nvSpPr>
-        <p:spPr/>
-        <p:txBody>
-          <a:bodyPr rtlCol="0"/>
-          <a:lstStyle>
-            <a:lvl1pPr>
-              <a:defRPr>
-                <a:solidFill>
-                  <a:schemeClr val="tx1">
-                    <a:lumMod val="75000"/>
-                    <a:lumOff val="25000"/>
-                  </a:schemeClr>
-                </a:solidFill>
-                <a:latin typeface="맑은 고딕" panose="020B0503020000020004" pitchFamily="50" charset="-127"/>
-                <a:ea typeface="맑은 고딕" panose="020B0503020000020004" pitchFamily="50" charset="-127"/>
-              </a:defRPr>
-            </a:lvl1pPr>
-          </a:lstStyle>
-          <a:p>
-            <a:r>
-              <a:rPr lang="ko-KR" altLang="en-US"/>
-              <a:t>설명 자료 제목</a:t>
-            </a:r>
-            <a:endParaRPr lang="ko-KR" altLang="en-US">
+            <a:endParaRPr lang="ko-KR" altLang="en-US" dirty="0">
               <a:latin typeface="맑은 고딕" panose="020B0503020000020004" pitchFamily="50" charset="-127"/>
               <a:ea typeface="맑은 고딕" panose="020B0503020000020004" pitchFamily="50" charset="-127"/>
             </a:endParaRPr>
@@ -8164,53 +7920,14 @@
           </a:lstStyle>
           <a:p>
             <a:r>
-              <a:rPr lang="en-US" altLang="ko-KR"/>
-              <a:t>20XX</a:t>
-            </a:r>
-            <a:r>
-              <a:rPr lang="ko-KR" altLang="en-US"/>
+              <a:rPr lang="en-US" altLang="ko-KR" dirty="0"/>
+              <a:t>2024</a:t>
+            </a:r>
+            <a:r>
+              <a:rPr lang="ko-KR" altLang="en-US" dirty="0"/>
               <a:t>년</a:t>
             </a:r>
-            <a:endParaRPr lang="ko-KR" altLang="en-US">
-              <a:latin typeface="맑은 고딕" panose="020B0503020000020004" pitchFamily="50" charset="-127"/>
-              <a:ea typeface="맑은 고딕" panose="020B0503020000020004" pitchFamily="50" charset="-127"/>
-            </a:endParaRPr>
-          </a:p>
-        </p:txBody>
-      </p:sp>
-      <p:sp>
-        <p:nvSpPr>
-          <p:cNvPr id="5" name="바닥글 개체 틀 4">
-            <a:extLst>
-              <a:ext uri="{FF2B5EF4-FFF2-40B4-BE49-F238E27FC236}">
-                <a16:creationId xmlns:a16="http://schemas.microsoft.com/office/drawing/2014/main" id="{FD10B5D8-71E9-48DC-A04C-559359603CB0}"/>
-              </a:ext>
-            </a:extLst>
-          </p:cNvPr>
-          <p:cNvSpPr>
-            <a:spLocks noGrp="1"/>
-          </p:cNvSpPr>
-          <p:nvPr>
-            <p:ph type="ftr" sz="quarter" idx="11"/>
-          </p:nvPr>
-        </p:nvSpPr>
-        <p:spPr/>
-        <p:txBody>
-          <a:bodyPr rtlCol="0"/>
-          <a:lstStyle>
-            <a:lvl1pPr>
-              <a:defRPr>
-                <a:latin typeface="맑은 고딕" panose="020B0503020000020004" pitchFamily="50" charset="-127"/>
-                <a:ea typeface="맑은 고딕" panose="020B0503020000020004" pitchFamily="50" charset="-127"/>
-              </a:defRPr>
-            </a:lvl1pPr>
-          </a:lstStyle>
-          <a:p>
-            <a:r>
-              <a:rPr lang="ko-KR" altLang="en-US"/>
-              <a:t>설명 자료 제목</a:t>
-            </a:r>
-            <a:endParaRPr lang="ko-KR" altLang="en-US">
+            <a:endParaRPr lang="ko-KR" altLang="en-US" dirty="0">
               <a:latin typeface="맑은 고딕" panose="020B0503020000020004" pitchFamily="50" charset="-127"/>
               <a:ea typeface="맑은 고딕" panose="020B0503020000020004" pitchFamily="50" charset="-127"/>
             </a:endParaRPr>
@@ -9072,53 +8789,14 @@
           </a:lstStyle>
           <a:p>
             <a:r>
-              <a:rPr lang="en-US" altLang="ko-KR" noProof="0"/>
-              <a:t>20XX</a:t>
-            </a:r>
-            <a:r>
-              <a:rPr lang="ko-KR" altLang="en-US" noProof="0"/>
+              <a:rPr lang="en-US" altLang="ko-KR" dirty="0"/>
+              <a:t>2024</a:t>
+            </a:r>
+            <a:r>
+              <a:rPr lang="ko-KR" altLang="en-US" dirty="0"/>
               <a:t>년</a:t>
             </a:r>
-            <a:endParaRPr lang="ko-KR" altLang="en-US" noProof="0">
-              <a:latin typeface="맑은 고딕" panose="020B0503020000020004" pitchFamily="50" charset="-127"/>
-              <a:ea typeface="맑은 고딕" panose="020B0503020000020004" pitchFamily="50" charset="-127"/>
-            </a:endParaRPr>
-          </a:p>
-        </p:txBody>
-      </p:sp>
-      <p:sp>
-        <p:nvSpPr>
-          <p:cNvPr id="4" name="바닥글 개체 틀 3">
-            <a:extLst>
-              <a:ext uri="{FF2B5EF4-FFF2-40B4-BE49-F238E27FC236}">
-                <a16:creationId xmlns:a16="http://schemas.microsoft.com/office/drawing/2014/main" id="{A00F60BE-20E1-40C5-85E7-AEAABD0C0DE6}"/>
-              </a:ext>
-            </a:extLst>
-          </p:cNvPr>
-          <p:cNvSpPr>
-            <a:spLocks noGrp="1"/>
-          </p:cNvSpPr>
-          <p:nvPr>
-            <p:ph type="ftr" sz="quarter" idx="11"/>
-          </p:nvPr>
-        </p:nvSpPr>
-        <p:spPr/>
-        <p:txBody>
-          <a:bodyPr rtlCol="0"/>
-          <a:lstStyle>
-            <a:lvl1pPr>
-              <a:defRPr>
-                <a:latin typeface="맑은 고딕" panose="020B0503020000020004" pitchFamily="50" charset="-127"/>
-                <a:ea typeface="맑은 고딕" panose="020B0503020000020004" pitchFamily="50" charset="-127"/>
-              </a:defRPr>
-            </a:lvl1pPr>
-          </a:lstStyle>
-          <a:p>
-            <a:r>
-              <a:rPr lang="ko-KR" altLang="en-US" noProof="0"/>
-              <a:t>설명 자료 제목</a:t>
-            </a:r>
-            <a:endParaRPr lang="ko-KR" altLang="en-US" noProof="0">
+            <a:endParaRPr lang="ko-KR" altLang="en-US" noProof="0" dirty="0">
               <a:latin typeface="맑은 고딕" panose="020B0503020000020004" pitchFamily="50" charset="-127"/>
               <a:ea typeface="맑은 고딕" panose="020B0503020000020004" pitchFamily="50" charset="-127"/>
             </a:endParaRPr>
@@ -10700,53 +10378,14 @@
           </a:lstStyle>
           <a:p>
             <a:r>
-              <a:rPr lang="en-US" altLang="ko-KR" noProof="0"/>
-              <a:t>20XX</a:t>
-            </a:r>
-            <a:r>
-              <a:rPr lang="ko-KR" altLang="en-US" noProof="0"/>
+              <a:rPr lang="en-US" altLang="ko-KR" dirty="0"/>
+              <a:t>2024</a:t>
+            </a:r>
+            <a:r>
+              <a:rPr lang="ko-KR" altLang="en-US" dirty="0"/>
               <a:t>년</a:t>
             </a:r>
-            <a:endParaRPr lang="ko-KR" altLang="en-US" noProof="0">
-              <a:latin typeface="맑은 고딕" panose="020B0503020000020004" pitchFamily="50" charset="-127"/>
-              <a:ea typeface="맑은 고딕" panose="020B0503020000020004" pitchFamily="50" charset="-127"/>
-            </a:endParaRPr>
-          </a:p>
-        </p:txBody>
-      </p:sp>
-      <p:sp>
-        <p:nvSpPr>
-          <p:cNvPr id="4" name="바닥글 개체 틀 3">
-            <a:extLst>
-              <a:ext uri="{FF2B5EF4-FFF2-40B4-BE49-F238E27FC236}">
-                <a16:creationId xmlns:a16="http://schemas.microsoft.com/office/drawing/2014/main" id="{A00F60BE-20E1-40C5-85E7-AEAABD0C0DE6}"/>
-              </a:ext>
-            </a:extLst>
-          </p:cNvPr>
-          <p:cNvSpPr>
-            <a:spLocks noGrp="1"/>
-          </p:cNvSpPr>
-          <p:nvPr>
-            <p:ph type="ftr" sz="quarter" idx="11"/>
-          </p:nvPr>
-        </p:nvSpPr>
-        <p:spPr/>
-        <p:txBody>
-          <a:bodyPr rtlCol="0"/>
-          <a:lstStyle>
-            <a:lvl1pPr>
-              <a:defRPr>
-                <a:latin typeface="맑은 고딕" panose="020B0503020000020004" pitchFamily="50" charset="-127"/>
-                <a:ea typeface="맑은 고딕" panose="020B0503020000020004" pitchFamily="50" charset="-127"/>
-              </a:defRPr>
-            </a:lvl1pPr>
-          </a:lstStyle>
-          <a:p>
-            <a:r>
-              <a:rPr lang="ko-KR" altLang="en-US" noProof="0"/>
-              <a:t>설명 자료 제목</a:t>
-            </a:r>
-            <a:endParaRPr lang="ko-KR" altLang="en-US" noProof="0">
+            <a:endParaRPr lang="ko-KR" altLang="en-US" noProof="0" dirty="0">
               <a:latin typeface="맑은 고딕" panose="020B0503020000020004" pitchFamily="50" charset="-127"/>
               <a:ea typeface="맑은 고딕" panose="020B0503020000020004" pitchFamily="50" charset="-127"/>
             </a:endParaRPr>
@@ -12028,53 +11667,14 @@
           </a:lstStyle>
           <a:p>
             <a:r>
-              <a:rPr lang="en-US" altLang="ko-KR" noProof="0"/>
-              <a:t>20XX</a:t>
-            </a:r>
-            <a:r>
-              <a:rPr lang="ko-KR" altLang="en-US" noProof="0"/>
+              <a:rPr lang="en-US" altLang="ko-KR" dirty="0"/>
+              <a:t>2024</a:t>
+            </a:r>
+            <a:r>
+              <a:rPr lang="ko-KR" altLang="en-US" dirty="0"/>
               <a:t>년</a:t>
             </a:r>
-            <a:endParaRPr lang="ko-KR" altLang="en-US" noProof="0">
-              <a:latin typeface="맑은 고딕" panose="020B0503020000020004" pitchFamily="50" charset="-127"/>
-              <a:ea typeface="맑은 고딕" panose="020B0503020000020004" pitchFamily="50" charset="-127"/>
-            </a:endParaRPr>
-          </a:p>
-        </p:txBody>
-      </p:sp>
-      <p:sp>
-        <p:nvSpPr>
-          <p:cNvPr id="5" name="바닥글 개체 틀 4">
-            <a:extLst>
-              <a:ext uri="{FF2B5EF4-FFF2-40B4-BE49-F238E27FC236}">
-                <a16:creationId xmlns:a16="http://schemas.microsoft.com/office/drawing/2014/main" id="{FD10B5D8-71E9-48DC-A04C-559359603CB0}"/>
-              </a:ext>
-            </a:extLst>
-          </p:cNvPr>
-          <p:cNvSpPr>
-            <a:spLocks noGrp="1"/>
-          </p:cNvSpPr>
-          <p:nvPr>
-            <p:ph type="ftr" sz="quarter" idx="11"/>
-          </p:nvPr>
-        </p:nvSpPr>
-        <p:spPr/>
-        <p:txBody>
-          <a:bodyPr rtlCol="0"/>
-          <a:lstStyle>
-            <a:lvl1pPr>
-              <a:defRPr>
-                <a:latin typeface="맑은 고딕" panose="020B0503020000020004" pitchFamily="50" charset="-127"/>
-                <a:ea typeface="맑은 고딕" panose="020B0503020000020004" pitchFamily="50" charset="-127"/>
-              </a:defRPr>
-            </a:lvl1pPr>
-          </a:lstStyle>
-          <a:p>
-            <a:r>
-              <a:rPr lang="ko-KR" altLang="en-US" noProof="0"/>
-              <a:t>설명 자료 제목</a:t>
-            </a:r>
-            <a:endParaRPr lang="ko-KR" altLang="en-US" noProof="0">
+            <a:endParaRPr lang="ko-KR" altLang="en-US" noProof="0" dirty="0">
               <a:latin typeface="맑은 고딕" panose="020B0503020000020004" pitchFamily="50" charset="-127"/>
               <a:ea typeface="맑은 고딕" panose="020B0503020000020004" pitchFamily="50" charset="-127"/>
             </a:endParaRPr>
@@ -12459,53 +12059,14 @@
           </a:lstStyle>
           <a:p>
             <a:r>
-              <a:rPr lang="en-US" altLang="ko-KR"/>
-              <a:t>20XX</a:t>
-            </a:r>
-            <a:r>
-              <a:rPr lang="ko-KR" altLang="en-US"/>
+              <a:rPr lang="en-US" altLang="ko-KR" dirty="0"/>
+              <a:t>2024</a:t>
+            </a:r>
+            <a:r>
+              <a:rPr lang="ko-KR" altLang="en-US" dirty="0"/>
               <a:t>년</a:t>
             </a:r>
-            <a:endParaRPr lang="ko-KR" altLang="en-US">
-              <a:latin typeface="맑은 고딕" panose="020B0503020000020004" pitchFamily="50" charset="-127"/>
-              <a:ea typeface="맑은 고딕" panose="020B0503020000020004" pitchFamily="50" charset="-127"/>
-            </a:endParaRPr>
-          </a:p>
-        </p:txBody>
-      </p:sp>
-      <p:sp>
-        <p:nvSpPr>
-          <p:cNvPr id="4" name="바닥글 개체 틀 3">
-            <a:extLst>
-              <a:ext uri="{FF2B5EF4-FFF2-40B4-BE49-F238E27FC236}">
-                <a16:creationId xmlns:a16="http://schemas.microsoft.com/office/drawing/2014/main" id="{A00F60BE-20E1-40C5-85E7-AEAABD0C0DE6}"/>
-              </a:ext>
-            </a:extLst>
-          </p:cNvPr>
-          <p:cNvSpPr>
-            <a:spLocks noGrp="1"/>
-          </p:cNvSpPr>
-          <p:nvPr>
-            <p:ph type="ftr" sz="quarter" idx="11"/>
-          </p:nvPr>
-        </p:nvSpPr>
-        <p:spPr/>
-        <p:txBody>
-          <a:bodyPr rtlCol="0"/>
-          <a:lstStyle>
-            <a:lvl1pPr>
-              <a:defRPr>
-                <a:latin typeface="맑은 고딕" panose="020B0503020000020004" pitchFamily="50" charset="-127"/>
-                <a:ea typeface="맑은 고딕" panose="020B0503020000020004" pitchFamily="50" charset="-127"/>
-              </a:defRPr>
-            </a:lvl1pPr>
-          </a:lstStyle>
-          <a:p>
-            <a:r>
-              <a:rPr lang="ko-KR" altLang="en-US"/>
-              <a:t>설명 자료 제목</a:t>
-            </a:r>
-            <a:endParaRPr lang="ko-KR" altLang="en-US">
+            <a:endParaRPr lang="ko-KR" altLang="en-US" dirty="0">
               <a:latin typeface="맑은 고딕" panose="020B0503020000020004" pitchFamily="50" charset="-127"/>
               <a:ea typeface="맑은 고딕" panose="020B0503020000020004" pitchFamily="50" charset="-127"/>
             </a:endParaRPr>
@@ -12926,53 +12487,14 @@
           </a:lstStyle>
           <a:p>
             <a:r>
-              <a:rPr lang="en-US" altLang="ko-KR"/>
-              <a:t>20XX</a:t>
-            </a:r>
-            <a:r>
-              <a:rPr lang="ko-KR" altLang="en-US"/>
+              <a:rPr lang="en-US" altLang="ko-KR" dirty="0"/>
+              <a:t>2024</a:t>
+            </a:r>
+            <a:r>
+              <a:rPr lang="ko-KR" altLang="en-US" dirty="0"/>
               <a:t>년</a:t>
             </a:r>
-            <a:endParaRPr lang="ko-KR" altLang="en-US">
-              <a:latin typeface="맑은 고딕" panose="020B0503020000020004" pitchFamily="50" charset="-127"/>
-              <a:ea typeface="맑은 고딕" panose="020B0503020000020004" pitchFamily="50" charset="-127"/>
-            </a:endParaRPr>
-          </a:p>
-        </p:txBody>
-      </p:sp>
-      <p:sp>
-        <p:nvSpPr>
-          <p:cNvPr id="4" name="바닥글 개체 틀 3">
-            <a:extLst>
-              <a:ext uri="{FF2B5EF4-FFF2-40B4-BE49-F238E27FC236}">
-                <a16:creationId xmlns:a16="http://schemas.microsoft.com/office/drawing/2014/main" id="{A00F60BE-20E1-40C5-85E7-AEAABD0C0DE6}"/>
-              </a:ext>
-            </a:extLst>
-          </p:cNvPr>
-          <p:cNvSpPr>
-            <a:spLocks noGrp="1"/>
-          </p:cNvSpPr>
-          <p:nvPr>
-            <p:ph type="ftr" sz="quarter" idx="11"/>
-          </p:nvPr>
-        </p:nvSpPr>
-        <p:spPr/>
-        <p:txBody>
-          <a:bodyPr rtlCol="0"/>
-          <a:lstStyle>
-            <a:lvl1pPr>
-              <a:defRPr>
-                <a:latin typeface="맑은 고딕" panose="020B0503020000020004" pitchFamily="50" charset="-127"/>
-                <a:ea typeface="맑은 고딕" panose="020B0503020000020004" pitchFamily="50" charset="-127"/>
-              </a:defRPr>
-            </a:lvl1pPr>
-          </a:lstStyle>
-          <a:p>
-            <a:r>
-              <a:rPr lang="ko-KR" altLang="en-US"/>
-              <a:t>설명 자료 제목</a:t>
-            </a:r>
-            <a:endParaRPr lang="ko-KR" altLang="en-US">
+            <a:endParaRPr lang="ko-KR" altLang="en-US" dirty="0">
               <a:latin typeface="맑은 고딕" panose="020B0503020000020004" pitchFamily="50" charset="-127"/>
               <a:ea typeface="맑은 고딕" panose="020B0503020000020004" pitchFamily="50" charset="-127"/>
             </a:endParaRPr>
@@ -13347,53 +12869,14 @@
           </a:lstStyle>
           <a:p>
             <a:r>
-              <a:rPr lang="en-US" altLang="ko-KR" noProof="0"/>
-              <a:t>20XX</a:t>
-            </a:r>
-            <a:r>
-              <a:rPr lang="ko-KR" altLang="en-US" noProof="0"/>
+              <a:rPr lang="en-US" altLang="ko-KR" dirty="0"/>
+              <a:t>2024</a:t>
+            </a:r>
+            <a:r>
+              <a:rPr lang="ko-KR" altLang="en-US" dirty="0"/>
               <a:t>년</a:t>
             </a:r>
-            <a:endParaRPr lang="ko-KR" altLang="en-US" noProof="0">
-              <a:latin typeface="맑은 고딕" panose="020B0503020000020004" pitchFamily="50" charset="-127"/>
-              <a:ea typeface="맑은 고딕" panose="020B0503020000020004" pitchFamily="50" charset="-127"/>
-            </a:endParaRPr>
-          </a:p>
-        </p:txBody>
-      </p:sp>
-      <p:sp>
-        <p:nvSpPr>
-          <p:cNvPr id="5" name="바닥글 개체 틀 4">
-            <a:extLst>
-              <a:ext uri="{FF2B5EF4-FFF2-40B4-BE49-F238E27FC236}">
-                <a16:creationId xmlns:a16="http://schemas.microsoft.com/office/drawing/2014/main" id="{2F029C1C-740D-4213-96FE-1FAA3072FF83}"/>
-              </a:ext>
-            </a:extLst>
-          </p:cNvPr>
-          <p:cNvSpPr>
-            <a:spLocks noGrp="1"/>
-          </p:cNvSpPr>
-          <p:nvPr>
-            <p:ph type="ftr" sz="quarter" idx="11"/>
-          </p:nvPr>
-        </p:nvSpPr>
-        <p:spPr/>
-        <p:txBody>
-          <a:bodyPr rtlCol="0"/>
-          <a:lstStyle>
-            <a:lvl1pPr>
-              <a:defRPr>
-                <a:latin typeface="맑은 고딕" panose="020B0503020000020004" pitchFamily="50" charset="-127"/>
-                <a:ea typeface="맑은 고딕" panose="020B0503020000020004" pitchFamily="50" charset="-127"/>
-              </a:defRPr>
-            </a:lvl1pPr>
-          </a:lstStyle>
-          <a:p>
-            <a:r>
-              <a:rPr lang="ko-KR" altLang="en-US" noProof="0"/>
-              <a:t>설명 자료 제목</a:t>
-            </a:r>
-            <a:endParaRPr lang="ko-KR" altLang="en-US" noProof="0">
+            <a:endParaRPr lang="ko-KR" altLang="en-US" noProof="0" dirty="0">
               <a:latin typeface="맑은 고딕" panose="020B0503020000020004" pitchFamily="50" charset="-127"/>
               <a:ea typeface="맑은 고딕" panose="020B0503020000020004" pitchFamily="50" charset="-127"/>
             </a:endParaRPr>
@@ -13543,53 +13026,14 @@
           </a:lstStyle>
           <a:p>
             <a:r>
-              <a:rPr lang="en-US" altLang="ko-KR" noProof="0"/>
-              <a:t>20XX</a:t>
-            </a:r>
-            <a:r>
-              <a:rPr lang="ko-KR" altLang="en-US" noProof="0"/>
+              <a:rPr lang="en-US" altLang="ko-KR" dirty="0"/>
+              <a:t>2024</a:t>
+            </a:r>
+            <a:r>
+              <a:rPr lang="ko-KR" altLang="en-US" dirty="0"/>
               <a:t>년</a:t>
             </a:r>
-            <a:endParaRPr lang="ko-KR" altLang="en-US" noProof="0">
-              <a:latin typeface="맑은 고딕" panose="020B0503020000020004" pitchFamily="50" charset="-127"/>
-              <a:ea typeface="맑은 고딕" panose="020B0503020000020004" pitchFamily="50" charset="-127"/>
-            </a:endParaRPr>
-          </a:p>
-        </p:txBody>
-      </p:sp>
-      <p:sp>
-        <p:nvSpPr>
-          <p:cNvPr id="5" name="바닥글 개체 틀 4">
-            <a:extLst>
-              <a:ext uri="{FF2B5EF4-FFF2-40B4-BE49-F238E27FC236}">
-                <a16:creationId xmlns:a16="http://schemas.microsoft.com/office/drawing/2014/main" id="{2F029C1C-740D-4213-96FE-1FAA3072FF83}"/>
-              </a:ext>
-            </a:extLst>
-          </p:cNvPr>
-          <p:cNvSpPr>
-            <a:spLocks noGrp="1"/>
-          </p:cNvSpPr>
-          <p:nvPr>
-            <p:ph type="ftr" sz="quarter" idx="11"/>
-          </p:nvPr>
-        </p:nvSpPr>
-        <p:spPr/>
-        <p:txBody>
-          <a:bodyPr rtlCol="0"/>
-          <a:lstStyle>
-            <a:lvl1pPr>
-              <a:defRPr>
-                <a:latin typeface="맑은 고딕" panose="020B0503020000020004" pitchFamily="50" charset="-127"/>
-                <a:ea typeface="맑은 고딕" panose="020B0503020000020004" pitchFamily="50" charset="-127"/>
-              </a:defRPr>
-            </a:lvl1pPr>
-          </a:lstStyle>
-          <a:p>
-            <a:r>
-              <a:rPr lang="ko-KR" altLang="en-US" noProof="0"/>
-              <a:t>설명 자료 제목</a:t>
-            </a:r>
-            <a:endParaRPr lang="ko-KR" altLang="en-US" noProof="0">
+            <a:endParaRPr lang="ko-KR" altLang="en-US" noProof="0" dirty="0">
               <a:latin typeface="맑은 고딕" panose="020B0503020000020004" pitchFamily="50" charset="-127"/>
               <a:ea typeface="맑은 고딕" panose="020B0503020000020004" pitchFamily="50" charset="-127"/>
             </a:endParaRPr>
@@ -13896,53 +13340,14 @@
           </a:lstStyle>
           <a:p>
             <a:r>
-              <a:rPr lang="en-US" altLang="ko-KR" noProof="0"/>
-              <a:t>20XX</a:t>
-            </a:r>
-            <a:r>
-              <a:rPr lang="ko-KR" altLang="en-US" noProof="0"/>
+              <a:rPr lang="en-US" altLang="ko-KR" dirty="0"/>
+              <a:t>2024</a:t>
+            </a:r>
+            <a:r>
+              <a:rPr lang="ko-KR" altLang="en-US" dirty="0"/>
               <a:t>년</a:t>
             </a:r>
-            <a:endParaRPr lang="ko-KR" altLang="en-US" noProof="0">
-              <a:latin typeface="맑은 고딕" panose="020B0503020000020004" pitchFamily="50" charset="-127"/>
-              <a:ea typeface="맑은 고딕" panose="020B0503020000020004" pitchFamily="50" charset="-127"/>
-            </a:endParaRPr>
-          </a:p>
-        </p:txBody>
-      </p:sp>
-      <p:sp>
-        <p:nvSpPr>
-          <p:cNvPr id="4" name="바닥글 개체 틀 3">
-            <a:extLst>
-              <a:ext uri="{FF2B5EF4-FFF2-40B4-BE49-F238E27FC236}">
-                <a16:creationId xmlns:a16="http://schemas.microsoft.com/office/drawing/2014/main" id="{A00F60BE-20E1-40C5-85E7-AEAABD0C0DE6}"/>
-              </a:ext>
-            </a:extLst>
-          </p:cNvPr>
-          <p:cNvSpPr>
-            <a:spLocks noGrp="1"/>
-          </p:cNvSpPr>
-          <p:nvPr>
-            <p:ph type="ftr" sz="quarter" idx="11"/>
-          </p:nvPr>
-        </p:nvSpPr>
-        <p:spPr/>
-        <p:txBody>
-          <a:bodyPr rtlCol="0"/>
-          <a:lstStyle>
-            <a:lvl1pPr>
-              <a:defRPr>
-                <a:latin typeface="맑은 고딕" panose="020B0503020000020004" pitchFamily="50" charset="-127"/>
-                <a:ea typeface="맑은 고딕" panose="020B0503020000020004" pitchFamily="50" charset="-127"/>
-              </a:defRPr>
-            </a:lvl1pPr>
-          </a:lstStyle>
-          <a:p>
-            <a:r>
-              <a:rPr lang="ko-KR" altLang="en-US" noProof="0"/>
-              <a:t>설명 자료 제목</a:t>
-            </a:r>
-            <a:endParaRPr lang="ko-KR" altLang="en-US" noProof="0">
+            <a:endParaRPr lang="ko-KR" altLang="en-US" noProof="0" dirty="0">
               <a:latin typeface="맑은 고딕" panose="020B0503020000020004" pitchFamily="50" charset="-127"/>
               <a:ea typeface="맑은 고딕" panose="020B0503020000020004" pitchFamily="50" charset="-127"/>
             </a:endParaRPr>
@@ -14278,53 +13683,14 @@
           </a:lstStyle>
           <a:p>
             <a:r>
-              <a:rPr lang="en-US" altLang="ko-KR" noProof="0"/>
-              <a:t>20XX</a:t>
-            </a:r>
-            <a:r>
-              <a:rPr lang="ko-KR" altLang="en-US" noProof="0"/>
+              <a:rPr lang="en-US" altLang="ko-KR" dirty="0"/>
+              <a:t>2024</a:t>
+            </a:r>
+            <a:r>
+              <a:rPr lang="ko-KR" altLang="en-US" dirty="0"/>
               <a:t>년</a:t>
             </a:r>
-            <a:endParaRPr lang="ko-KR" altLang="en-US" noProof="0">
-              <a:latin typeface="맑은 고딕" panose="020B0503020000020004" pitchFamily="50" charset="-127"/>
-              <a:ea typeface="맑은 고딕" panose="020B0503020000020004" pitchFamily="50" charset="-127"/>
-            </a:endParaRPr>
-          </a:p>
-        </p:txBody>
-      </p:sp>
-      <p:sp>
-        <p:nvSpPr>
-          <p:cNvPr id="6" name="바닥글 개체 틀 5">
-            <a:extLst>
-              <a:ext uri="{FF2B5EF4-FFF2-40B4-BE49-F238E27FC236}">
-                <a16:creationId xmlns:a16="http://schemas.microsoft.com/office/drawing/2014/main" id="{035CF363-F733-460B-9E71-BF70442AC396}"/>
-              </a:ext>
-            </a:extLst>
-          </p:cNvPr>
-          <p:cNvSpPr>
-            <a:spLocks noGrp="1"/>
-          </p:cNvSpPr>
-          <p:nvPr>
-            <p:ph type="ftr" sz="quarter" idx="11"/>
-          </p:nvPr>
-        </p:nvSpPr>
-        <p:spPr/>
-        <p:txBody>
-          <a:bodyPr rtlCol="0"/>
-          <a:lstStyle>
-            <a:lvl1pPr>
-              <a:defRPr>
-                <a:latin typeface="맑은 고딕" panose="020B0503020000020004" pitchFamily="50" charset="-127"/>
-                <a:ea typeface="맑은 고딕" panose="020B0503020000020004" pitchFamily="50" charset="-127"/>
-              </a:defRPr>
-            </a:lvl1pPr>
-          </a:lstStyle>
-          <a:p>
-            <a:r>
-              <a:rPr lang="ko-KR" altLang="en-US" noProof="0"/>
-              <a:t>설명 자료 제목</a:t>
-            </a:r>
-            <a:endParaRPr lang="ko-KR" altLang="en-US" noProof="0">
+            <a:endParaRPr lang="ko-KR" altLang="en-US" noProof="0" dirty="0">
               <a:latin typeface="맑은 고딕" panose="020B0503020000020004" pitchFamily="50" charset="-127"/>
               <a:ea typeface="맑은 고딕" panose="020B0503020000020004" pitchFamily="50" charset="-127"/>
             </a:endParaRPr>
@@ -14775,53 +14141,14 @@
           </a:lstStyle>
           <a:p>
             <a:r>
-              <a:rPr lang="en-US" altLang="ko-KR" noProof="0"/>
-              <a:t>20XX</a:t>
-            </a:r>
-            <a:r>
-              <a:rPr lang="ko-KR" altLang="en-US" noProof="0"/>
+              <a:rPr lang="en-US" altLang="ko-KR" dirty="0"/>
+              <a:t>2024</a:t>
+            </a:r>
+            <a:r>
+              <a:rPr lang="ko-KR" altLang="en-US" dirty="0"/>
               <a:t>년</a:t>
             </a:r>
-            <a:endParaRPr lang="ko-KR" altLang="en-US" noProof="0">
-              <a:latin typeface="맑은 고딕" panose="020B0503020000020004" pitchFamily="50" charset="-127"/>
-              <a:ea typeface="맑은 고딕" panose="020B0503020000020004" pitchFamily="50" charset="-127"/>
-            </a:endParaRPr>
-          </a:p>
-        </p:txBody>
-      </p:sp>
-      <p:sp>
-        <p:nvSpPr>
-          <p:cNvPr id="4" name="바닥글 개체 틀 3">
-            <a:extLst>
-              <a:ext uri="{FF2B5EF4-FFF2-40B4-BE49-F238E27FC236}">
-                <a16:creationId xmlns:a16="http://schemas.microsoft.com/office/drawing/2014/main" id="{3356B621-AE19-45D3-B25F-23256C242DDD}"/>
-              </a:ext>
-            </a:extLst>
-          </p:cNvPr>
-          <p:cNvSpPr>
-            <a:spLocks noGrp="1"/>
-          </p:cNvSpPr>
-          <p:nvPr>
-            <p:ph type="ftr" sz="quarter" idx="21"/>
-          </p:nvPr>
-        </p:nvSpPr>
-        <p:spPr/>
-        <p:txBody>
-          <a:bodyPr rtlCol="0"/>
-          <a:lstStyle>
-            <a:lvl1pPr>
-              <a:defRPr>
-                <a:latin typeface="맑은 고딕" panose="020B0503020000020004" pitchFamily="50" charset="-127"/>
-                <a:ea typeface="맑은 고딕" panose="020B0503020000020004" pitchFamily="50" charset="-127"/>
-              </a:defRPr>
-            </a:lvl1pPr>
-          </a:lstStyle>
-          <a:p>
-            <a:r>
-              <a:rPr lang="ko-KR" altLang="en-US" noProof="0"/>
-              <a:t>설명 자료 제목</a:t>
-            </a:r>
-            <a:endParaRPr lang="ko-KR" altLang="en-US" noProof="0">
+            <a:endParaRPr lang="ko-KR" altLang="en-US" noProof="0" dirty="0">
               <a:latin typeface="맑은 고딕" panose="020B0503020000020004" pitchFamily="50" charset="-127"/>
               <a:ea typeface="맑은 고딕" panose="020B0503020000020004" pitchFamily="50" charset="-127"/>
             </a:endParaRPr>
@@ -14927,53 +14254,14 @@
           </a:lstStyle>
           <a:p>
             <a:r>
-              <a:rPr lang="en-US" altLang="ko-KR" noProof="0"/>
-              <a:t>20XX</a:t>
-            </a:r>
-            <a:r>
-              <a:rPr lang="ko-KR" altLang="en-US" noProof="0"/>
+              <a:rPr lang="en-US" altLang="ko-KR" dirty="0"/>
+              <a:t>2024</a:t>
+            </a:r>
+            <a:r>
+              <a:rPr lang="ko-KR" altLang="en-US" dirty="0"/>
               <a:t>년</a:t>
             </a:r>
-            <a:endParaRPr lang="ko-KR" altLang="en-US" noProof="0">
-              <a:latin typeface="맑은 고딕" panose="020B0503020000020004" pitchFamily="50" charset="-127"/>
-              <a:ea typeface="맑은 고딕" panose="020B0503020000020004" pitchFamily="50" charset="-127"/>
-            </a:endParaRPr>
-          </a:p>
-        </p:txBody>
-      </p:sp>
-      <p:sp>
-        <p:nvSpPr>
-          <p:cNvPr id="3" name="바닥글 개체 틀 2">
-            <a:extLst>
-              <a:ext uri="{FF2B5EF4-FFF2-40B4-BE49-F238E27FC236}">
-                <a16:creationId xmlns:a16="http://schemas.microsoft.com/office/drawing/2014/main" id="{49083EC5-999D-4EF5-A22C-FD19C31D51F9}"/>
-              </a:ext>
-            </a:extLst>
-          </p:cNvPr>
-          <p:cNvSpPr>
-            <a:spLocks noGrp="1"/>
-          </p:cNvSpPr>
-          <p:nvPr>
-            <p:ph type="ftr" sz="quarter" idx="11"/>
-          </p:nvPr>
-        </p:nvSpPr>
-        <p:spPr/>
-        <p:txBody>
-          <a:bodyPr rtlCol="0"/>
-          <a:lstStyle>
-            <a:lvl1pPr>
-              <a:defRPr>
-                <a:latin typeface="맑은 고딕" panose="020B0503020000020004" pitchFamily="50" charset="-127"/>
-                <a:ea typeface="맑은 고딕" panose="020B0503020000020004" pitchFamily="50" charset="-127"/>
-              </a:defRPr>
-            </a:lvl1pPr>
-          </a:lstStyle>
-          <a:p>
-            <a:r>
-              <a:rPr lang="ko-KR" altLang="en-US" noProof="0"/>
-              <a:t>설명 자료 제목</a:t>
-            </a:r>
-            <a:endParaRPr lang="ko-KR" altLang="en-US" noProof="0">
+            <a:endParaRPr lang="ko-KR" altLang="en-US" noProof="0" dirty="0">
               <a:latin typeface="맑은 고딕" panose="020B0503020000020004" pitchFamily="50" charset="-127"/>
               <a:ea typeface="맑은 고딕" panose="020B0503020000020004" pitchFamily="50" charset="-127"/>
             </a:endParaRPr>
@@ -15307,53 +14595,14 @@
           </a:lstStyle>
           <a:p>
             <a:r>
-              <a:rPr lang="en-US" altLang="ko-KR"/>
-              <a:t>20XX</a:t>
-            </a:r>
-            <a:r>
-              <a:rPr lang="ko-KR" altLang="en-US"/>
+              <a:rPr lang="en-US" altLang="ko-KR" dirty="0"/>
+              <a:t>2024</a:t>
+            </a:r>
+            <a:r>
+              <a:rPr lang="ko-KR" altLang="en-US" dirty="0"/>
               <a:t>년</a:t>
             </a:r>
-            <a:endParaRPr lang="ko-KR" altLang="en-US">
-              <a:latin typeface="맑은 고딕" panose="020B0503020000020004" pitchFamily="50" charset="-127"/>
-              <a:ea typeface="맑은 고딕" panose="020B0503020000020004" pitchFamily="50" charset="-127"/>
-            </a:endParaRPr>
-          </a:p>
-        </p:txBody>
-      </p:sp>
-      <p:sp>
-        <p:nvSpPr>
-          <p:cNvPr id="6" name="바닥글 개체 틀 5">
-            <a:extLst>
-              <a:ext uri="{FF2B5EF4-FFF2-40B4-BE49-F238E27FC236}">
-                <a16:creationId xmlns:a16="http://schemas.microsoft.com/office/drawing/2014/main" id="{FA60A3B3-8B02-4D8B-A982-7C7CA03A9290}"/>
-              </a:ext>
-            </a:extLst>
-          </p:cNvPr>
-          <p:cNvSpPr>
-            <a:spLocks noGrp="1"/>
-          </p:cNvSpPr>
-          <p:nvPr>
-            <p:ph type="ftr" sz="quarter" idx="11"/>
-          </p:nvPr>
-        </p:nvSpPr>
-        <p:spPr/>
-        <p:txBody>
-          <a:bodyPr rtlCol="0"/>
-          <a:lstStyle>
-            <a:lvl1pPr>
-              <a:defRPr>
-                <a:latin typeface="맑은 고딕" panose="020B0503020000020004" pitchFamily="50" charset="-127"/>
-                <a:ea typeface="맑은 고딕" panose="020B0503020000020004" pitchFamily="50" charset="-127"/>
-              </a:defRPr>
-            </a:lvl1pPr>
-          </a:lstStyle>
-          <a:p>
-            <a:r>
-              <a:rPr lang="ko-KR" altLang="en-US"/>
-              <a:t>설명 자료 제목</a:t>
-            </a:r>
-            <a:endParaRPr lang="ko-KR" altLang="en-US">
+            <a:endParaRPr lang="ko-KR" altLang="en-US" dirty="0">
               <a:latin typeface="맑은 고딕" panose="020B0503020000020004" pitchFamily="50" charset="-127"/>
               <a:ea typeface="맑은 고딕" panose="020B0503020000020004" pitchFamily="50" charset="-127"/>
             </a:endParaRPr>
@@ -15652,53 +14901,14 @@
           </a:lstStyle>
           <a:p>
             <a:r>
-              <a:rPr lang="en-US" altLang="ko-KR" noProof="0"/>
-              <a:t>20XX</a:t>
-            </a:r>
-            <a:r>
-              <a:rPr lang="ko-KR" altLang="en-US" noProof="0"/>
+              <a:rPr lang="en-US" altLang="ko-KR" dirty="0"/>
+              <a:t>2024</a:t>
+            </a:r>
+            <a:r>
+              <a:rPr lang="ko-KR" altLang="en-US" dirty="0"/>
               <a:t>년</a:t>
             </a:r>
-            <a:endParaRPr lang="ko-KR" altLang="en-US" noProof="0">
-              <a:latin typeface="맑은 고딕" panose="020B0503020000020004" pitchFamily="50" charset="-127"/>
-              <a:ea typeface="맑은 고딕" panose="020B0503020000020004" pitchFamily="50" charset="-127"/>
-            </a:endParaRPr>
-          </a:p>
-        </p:txBody>
-      </p:sp>
-      <p:sp>
-        <p:nvSpPr>
-          <p:cNvPr id="6" name="바닥글 개체 틀 5">
-            <a:extLst>
-              <a:ext uri="{FF2B5EF4-FFF2-40B4-BE49-F238E27FC236}">
-                <a16:creationId xmlns:a16="http://schemas.microsoft.com/office/drawing/2014/main" id="{47E5FF7C-B4CA-48C1-B1A5-2AA329D34317}"/>
-              </a:ext>
-            </a:extLst>
-          </p:cNvPr>
-          <p:cNvSpPr>
-            <a:spLocks noGrp="1"/>
-          </p:cNvSpPr>
-          <p:nvPr>
-            <p:ph type="ftr" sz="quarter" idx="11"/>
-          </p:nvPr>
-        </p:nvSpPr>
-        <p:spPr/>
-        <p:txBody>
-          <a:bodyPr rtlCol="0"/>
-          <a:lstStyle>
-            <a:lvl1pPr>
-              <a:defRPr>
-                <a:latin typeface="맑은 고딕" panose="020B0503020000020004" pitchFamily="50" charset="-127"/>
-                <a:ea typeface="맑은 고딕" panose="020B0503020000020004" pitchFamily="50" charset="-127"/>
-              </a:defRPr>
-            </a:lvl1pPr>
-          </a:lstStyle>
-          <a:p>
-            <a:r>
-              <a:rPr lang="ko-KR" altLang="en-US" noProof="0"/>
-              <a:t>설명 자료 제목</a:t>
-            </a:r>
-            <a:endParaRPr lang="ko-KR" altLang="en-US" noProof="0">
+            <a:endParaRPr lang="ko-KR" altLang="en-US" noProof="0" dirty="0">
               <a:latin typeface="맑은 고딕" panose="020B0503020000020004" pitchFamily="50" charset="-127"/>
               <a:ea typeface="맑은 고딕" panose="020B0503020000020004" pitchFamily="50" charset="-127"/>
             </a:endParaRPr>
@@ -16577,7 +15787,15 @@
             <p:ph type="ftr" sz="quarter" idx="11"/>
           </p:nvPr>
         </p:nvSpPr>
-        <p:spPr/>
+        <p:spPr>
+          <a:xfrm>
+            <a:off x="4038600" y="6356350"/>
+            <a:ext cx="4114800" cy="365125"/>
+          </a:xfrm>
+          <a:prstGeom prst="rect">
+            <a:avLst/>
+          </a:prstGeom>
+        </p:spPr>
         <p:txBody>
           <a:bodyPr rtlCol="0"/>
           <a:lstStyle>
@@ -17444,58 +16662,14 @@
           </a:lstStyle>
           <a:p>
             <a:r>
-              <a:rPr lang="en-US" altLang="ko-KR"/>
-              <a:t>20XX</a:t>
-            </a:r>
-            <a:r>
-              <a:rPr lang="ko-KR" altLang="en-US"/>
+              <a:rPr lang="en-US" altLang="ko-KR" dirty="0"/>
+              <a:t>2024</a:t>
+            </a:r>
+            <a:r>
+              <a:rPr lang="ko-KR" altLang="en-US" dirty="0"/>
               <a:t>년</a:t>
             </a:r>
-            <a:endParaRPr lang="ko-KR" altLang="en-US">
-              <a:latin typeface="맑은 고딕" panose="020B0503020000020004" pitchFamily="50" charset="-127"/>
-              <a:ea typeface="맑은 고딕" panose="020B0503020000020004" pitchFamily="50" charset="-127"/>
-            </a:endParaRPr>
-          </a:p>
-        </p:txBody>
-      </p:sp>
-      <p:sp>
-        <p:nvSpPr>
-          <p:cNvPr id="8" name="바닥글 개체 틀 7">
-            <a:extLst>
-              <a:ext uri="{FF2B5EF4-FFF2-40B4-BE49-F238E27FC236}">
-                <a16:creationId xmlns:a16="http://schemas.microsoft.com/office/drawing/2014/main" id="{97C1F45E-8700-4861-AD21-BB7A09E1305A}"/>
-              </a:ext>
-            </a:extLst>
-          </p:cNvPr>
-          <p:cNvSpPr>
-            <a:spLocks noGrp="1"/>
-          </p:cNvSpPr>
-          <p:nvPr>
-            <p:ph type="ftr" sz="quarter" idx="11"/>
-          </p:nvPr>
-        </p:nvSpPr>
-        <p:spPr>
-          <a:xfrm>
-            <a:off x="6858000" y="6356350"/>
-            <a:ext cx="3448050" cy="365125"/>
-          </a:xfrm>
-        </p:spPr>
-        <p:txBody>
-          <a:bodyPr rtlCol="0"/>
-          <a:lstStyle>
-            <a:lvl1pPr algn="l">
-              <a:defRPr>
-                <a:latin typeface="맑은 고딕" panose="020B0503020000020004" pitchFamily="50" charset="-127"/>
-                <a:ea typeface="맑은 고딕" panose="020B0503020000020004" pitchFamily="50" charset="-127"/>
-              </a:defRPr>
-            </a:lvl1pPr>
-          </a:lstStyle>
-          <a:p>
-            <a:r>
-              <a:rPr lang="ko-KR" altLang="en-US"/>
-              <a:t>설명 자료 제목</a:t>
-            </a:r>
-            <a:endParaRPr lang="ko-KR" altLang="en-US">
+            <a:endParaRPr lang="ko-KR" altLang="en-US" dirty="0">
               <a:latin typeface="맑은 고딕" panose="020B0503020000020004" pitchFamily="50" charset="-127"/>
               <a:ea typeface="맑은 고딕" panose="020B0503020000020004" pitchFamily="50" charset="-127"/>
             </a:endParaRPr>
@@ -18410,58 +17584,14 @@
           </a:lstStyle>
           <a:p>
             <a:r>
-              <a:rPr lang="en-US" altLang="ko-KR"/>
-              <a:t>20XX</a:t>
-            </a:r>
-            <a:r>
-              <a:rPr lang="ko-KR" altLang="en-US"/>
+              <a:rPr lang="en-US" altLang="ko-KR" dirty="0"/>
+              <a:t>2024</a:t>
+            </a:r>
+            <a:r>
+              <a:rPr lang="ko-KR" altLang="en-US" dirty="0"/>
               <a:t>년</a:t>
             </a:r>
-            <a:endParaRPr lang="ko-KR" altLang="en-US">
-              <a:latin typeface="맑은 고딕" panose="020B0503020000020004" pitchFamily="50" charset="-127"/>
-              <a:ea typeface="맑은 고딕" panose="020B0503020000020004" pitchFamily="50" charset="-127"/>
-            </a:endParaRPr>
-          </a:p>
-        </p:txBody>
-      </p:sp>
-      <p:sp>
-        <p:nvSpPr>
-          <p:cNvPr id="18" name="바닥글 개체 틀 7">
-            <a:extLst>
-              <a:ext uri="{FF2B5EF4-FFF2-40B4-BE49-F238E27FC236}">
-                <a16:creationId xmlns:a16="http://schemas.microsoft.com/office/drawing/2014/main" id="{37667359-6B2F-4D7C-932B-CE6A0E91C8A0}"/>
-              </a:ext>
-            </a:extLst>
-          </p:cNvPr>
-          <p:cNvSpPr>
-            <a:spLocks noGrp="1"/>
-          </p:cNvSpPr>
-          <p:nvPr>
-            <p:ph type="ftr" sz="quarter" idx="11"/>
-          </p:nvPr>
-        </p:nvSpPr>
-        <p:spPr>
-          <a:xfrm>
-            <a:off x="6858000" y="6356350"/>
-            <a:ext cx="3448050" cy="365125"/>
-          </a:xfrm>
-        </p:spPr>
-        <p:txBody>
-          <a:bodyPr rtlCol="0"/>
-          <a:lstStyle>
-            <a:lvl1pPr algn="l">
-              <a:defRPr>
-                <a:latin typeface="맑은 고딕" panose="020B0503020000020004" pitchFamily="50" charset="-127"/>
-                <a:ea typeface="맑은 고딕" panose="020B0503020000020004" pitchFamily="50" charset="-127"/>
-              </a:defRPr>
-            </a:lvl1pPr>
-          </a:lstStyle>
-          <a:p>
-            <a:r>
-              <a:rPr lang="ko-KR" altLang="en-US"/>
-              <a:t>설명 자료 제목</a:t>
-            </a:r>
-            <a:endParaRPr lang="ko-KR" altLang="en-US">
+            <a:endParaRPr lang="ko-KR" altLang="en-US" dirty="0">
               <a:latin typeface="맑은 고딕" panose="020B0503020000020004" pitchFamily="50" charset="-127"/>
               <a:ea typeface="맑은 고딕" panose="020B0503020000020004" pitchFamily="50" charset="-127"/>
             </a:endParaRPr>
@@ -18872,53 +18002,14 @@
           </a:lstStyle>
           <a:p>
             <a:r>
-              <a:rPr lang="en-US" altLang="ko-KR"/>
-              <a:t>20XX</a:t>
-            </a:r>
-            <a:r>
-              <a:rPr lang="ko-KR" altLang="en-US"/>
+              <a:rPr lang="en-US" altLang="ko-KR" dirty="0"/>
+              <a:t>2024</a:t>
+            </a:r>
+            <a:r>
+              <a:rPr lang="ko-KR" altLang="en-US" dirty="0"/>
               <a:t>년</a:t>
             </a:r>
-            <a:endParaRPr lang="ko-KR" altLang="en-US">
-              <a:latin typeface="맑은 고딕" panose="020B0503020000020004" pitchFamily="50" charset="-127"/>
-              <a:ea typeface="맑은 고딕" panose="020B0503020000020004" pitchFamily="50" charset="-127"/>
-            </a:endParaRPr>
-          </a:p>
-        </p:txBody>
-      </p:sp>
-      <p:sp>
-        <p:nvSpPr>
-          <p:cNvPr id="4" name="바닥글 개체 틀 3">
-            <a:extLst>
-              <a:ext uri="{FF2B5EF4-FFF2-40B4-BE49-F238E27FC236}">
-                <a16:creationId xmlns:a16="http://schemas.microsoft.com/office/drawing/2014/main" id="{A00F60BE-20E1-40C5-85E7-AEAABD0C0DE6}"/>
-              </a:ext>
-            </a:extLst>
-          </p:cNvPr>
-          <p:cNvSpPr>
-            <a:spLocks noGrp="1"/>
-          </p:cNvSpPr>
-          <p:nvPr>
-            <p:ph type="ftr" sz="quarter" idx="11"/>
-          </p:nvPr>
-        </p:nvSpPr>
-        <p:spPr/>
-        <p:txBody>
-          <a:bodyPr rtlCol="0"/>
-          <a:lstStyle>
-            <a:lvl1pPr>
-              <a:defRPr>
-                <a:latin typeface="맑은 고딕" panose="020B0503020000020004" pitchFamily="50" charset="-127"/>
-                <a:ea typeface="맑은 고딕" panose="020B0503020000020004" pitchFamily="50" charset="-127"/>
-              </a:defRPr>
-            </a:lvl1pPr>
-          </a:lstStyle>
-          <a:p>
-            <a:r>
-              <a:rPr lang="ko-KR" altLang="en-US"/>
-              <a:t>설명 자료 제목</a:t>
-            </a:r>
-            <a:endParaRPr lang="ko-KR" altLang="en-US">
+            <a:endParaRPr lang="ko-KR" altLang="en-US" dirty="0">
               <a:latin typeface="맑은 고딕" panose="020B0503020000020004" pitchFamily="50" charset="-127"/>
               <a:ea typeface="맑은 고딕" panose="020B0503020000020004" pitchFamily="50" charset="-127"/>
             </a:endParaRPr>
@@ -19781,59 +18872,14 @@
           </a:lstStyle>
           <a:p>
             <a:r>
-              <a:rPr lang="en-US" altLang="ko-KR"/>
-              <a:t>20XX</a:t>
-            </a:r>
-            <a:r>
-              <a:rPr lang="ko-KR" altLang="en-US"/>
+              <a:rPr lang="en-US" altLang="ko-KR" dirty="0"/>
+              <a:t>2024</a:t>
+            </a:r>
+            <a:r>
+              <a:rPr lang="ko-KR" altLang="en-US" dirty="0"/>
               <a:t>년</a:t>
             </a:r>
-            <a:endParaRPr lang="ko-KR" altLang="en-US">
-              <a:latin typeface="맑은 고딕" panose="020B0503020000020004" pitchFamily="50" charset="-127"/>
-              <a:ea typeface="맑은 고딕" panose="020B0503020000020004" pitchFamily="50" charset="-127"/>
-            </a:endParaRPr>
-          </a:p>
-        </p:txBody>
-      </p:sp>
-      <p:sp>
-        <p:nvSpPr>
-          <p:cNvPr id="6" name="바닥글 개체 틀 5">
-            <a:extLst>
-              <a:ext uri="{FF2B5EF4-FFF2-40B4-BE49-F238E27FC236}">
-                <a16:creationId xmlns:a16="http://schemas.microsoft.com/office/drawing/2014/main" id="{29E5E346-F307-4307-949D-77CDB6E6577A}"/>
-              </a:ext>
-            </a:extLst>
-          </p:cNvPr>
-          <p:cNvSpPr>
-            <a:spLocks noGrp="1"/>
-          </p:cNvSpPr>
-          <p:nvPr>
-            <p:ph type="ftr" sz="quarter" idx="10"/>
-          </p:nvPr>
-        </p:nvSpPr>
-        <p:spPr/>
-        <p:txBody>
-          <a:bodyPr rtlCol="0"/>
-          <a:lstStyle>
-            <a:lvl1pPr>
-              <a:defRPr>
-                <a:solidFill>
-                  <a:schemeClr val="tx1">
-                    <a:lumMod val="75000"/>
-                    <a:lumOff val="25000"/>
-                  </a:schemeClr>
-                </a:solidFill>
-                <a:latin typeface="맑은 고딕" panose="020B0503020000020004" pitchFamily="50" charset="-127"/>
-                <a:ea typeface="맑은 고딕" panose="020B0503020000020004" pitchFamily="50" charset="-127"/>
-              </a:defRPr>
-            </a:lvl1pPr>
-          </a:lstStyle>
-          <a:p>
-            <a:r>
-              <a:rPr lang="ko-KR" altLang="en-US"/>
-              <a:t>설명 자료 제목</a:t>
-            </a:r>
-            <a:endParaRPr lang="ko-KR" altLang="en-US">
+            <a:endParaRPr lang="ko-KR" altLang="en-US" dirty="0">
               <a:latin typeface="맑은 고딕" panose="020B0503020000020004" pitchFamily="50" charset="-127"/>
               <a:ea typeface="맑은 고딕" panose="020B0503020000020004" pitchFamily="50" charset="-127"/>
             </a:endParaRPr>
@@ -20458,7 +19504,15 @@
             <p:ph type="ftr" sz="quarter" idx="11"/>
           </p:nvPr>
         </p:nvSpPr>
-        <p:spPr/>
+        <p:spPr>
+          <a:xfrm>
+            <a:off x="4038600" y="6356350"/>
+            <a:ext cx="4114800" cy="365125"/>
+          </a:xfrm>
+          <a:prstGeom prst="rect">
+            <a:avLst/>
+          </a:prstGeom>
+        </p:spPr>
         <p:txBody>
           <a:bodyPr rtlCol="0"/>
           <a:lstStyle>
@@ -20634,39 +19688,39 @@
           <a:p>
             <a:pPr lvl="0" rtl="0"/>
             <a:r>
-              <a:rPr lang="ko-KR" altLang="en-US" noProof="0"/>
+              <a:rPr lang="ko-KR" altLang="en-US" noProof="0" dirty="0"/>
               <a:t>마스터 텍스트 스타일을 편집하려면 클릭하세요</a:t>
             </a:r>
             <a:r>
-              <a:rPr lang="en-US" altLang="ko-KR" noProof="0"/>
+              <a:rPr lang="en-US" altLang="ko-KR" noProof="0" dirty="0"/>
               <a:t>.</a:t>
             </a:r>
           </a:p>
           <a:p>
             <a:pPr lvl="1" rtl="0"/>
             <a:r>
-              <a:rPr lang="ko-KR" altLang="en-US" noProof="0"/>
+              <a:rPr lang="ko-KR" altLang="en-US" noProof="0" dirty="0"/>
               <a:t>둘째 수준</a:t>
             </a:r>
           </a:p>
           <a:p>
             <a:pPr lvl="2" rtl="0"/>
             <a:r>
-              <a:rPr lang="ko-KR" altLang="en-US" noProof="0"/>
+              <a:rPr lang="ko-KR" altLang="en-US" noProof="0" dirty="0"/>
               <a:t>셋째 수준</a:t>
             </a:r>
           </a:p>
           <a:p>
             <a:pPr lvl="3" rtl="0"/>
             <a:r>
-              <a:rPr lang="ko-KR" altLang="en-US" noProof="0"/>
+              <a:rPr lang="ko-KR" altLang="en-US" noProof="0" dirty="0"/>
               <a:t>넷째 수준</a:t>
             </a:r>
           </a:p>
           <a:p>
             <a:pPr lvl="4" rtl="0"/>
             <a:r>
-              <a:rPr lang="ko-KR" altLang="en-US" noProof="0"/>
+              <a:rPr lang="ko-KR" altLang="en-US" noProof="0" dirty="0"/>
               <a:t>다섯째 수준</a:t>
             </a:r>
           </a:p>
@@ -20714,66 +19768,14 @@
           </a:lstStyle>
           <a:p>
             <a:r>
-              <a:rPr lang="en-US" altLang="ko-KR" noProof="0"/>
-              <a:t>20XX</a:t>
-            </a:r>
-            <a:r>
-              <a:rPr lang="ko-KR" altLang="en-US" noProof="0"/>
+              <a:rPr lang="en-US" altLang="ko-KR" dirty="0"/>
+              <a:t>2024</a:t>
+            </a:r>
+            <a:r>
+              <a:rPr lang="ko-KR" altLang="en-US" dirty="0"/>
               <a:t>년</a:t>
             </a:r>
-            <a:endParaRPr lang="ko-KR" altLang="en-US" noProof="0">
-              <a:latin typeface="맑은 고딕" panose="020B0503020000020004" pitchFamily="50" charset="-127"/>
-              <a:ea typeface="맑은 고딕" panose="020B0503020000020004" pitchFamily="50" charset="-127"/>
-            </a:endParaRPr>
-          </a:p>
-        </p:txBody>
-      </p:sp>
-      <p:sp>
-        <p:nvSpPr>
-          <p:cNvPr id="5" name="바닥글 개체 틀 4">
-            <a:extLst>
-              <a:ext uri="{FF2B5EF4-FFF2-40B4-BE49-F238E27FC236}">
-                <a16:creationId xmlns:a16="http://schemas.microsoft.com/office/drawing/2014/main" id="{3F2D0B54-5D87-4D1B-9C6E-5A7B87C833A0}"/>
-              </a:ext>
-            </a:extLst>
-          </p:cNvPr>
-          <p:cNvSpPr>
-            <a:spLocks noGrp="1"/>
-          </p:cNvSpPr>
-          <p:nvPr>
-            <p:ph type="ftr" sz="quarter" idx="3"/>
-          </p:nvPr>
-        </p:nvSpPr>
-        <p:spPr>
-          <a:xfrm>
-            <a:off x="4038600" y="6356350"/>
-            <a:ext cx="4114800" cy="365125"/>
-          </a:xfrm>
-          <a:prstGeom prst="rect">
-            <a:avLst/>
-          </a:prstGeom>
-        </p:spPr>
-        <p:txBody>
-          <a:bodyPr vert="horz" lIns="91440" tIns="45720" rIns="91440" bIns="45720" rtlCol="0" anchor="ctr"/>
-          <a:lstStyle>
-            <a:lvl1pPr algn="ctr">
-              <a:defRPr sz="1200">
-                <a:solidFill>
-                  <a:schemeClr val="bg2">
-                    <a:lumMod val="50000"/>
-                  </a:schemeClr>
-                </a:solidFill>
-                <a:latin typeface="맑은 고딕" panose="020B0503020000020004" pitchFamily="50" charset="-127"/>
-                <a:ea typeface="맑은 고딕" panose="020B0503020000020004" pitchFamily="50" charset="-127"/>
-              </a:defRPr>
-            </a:lvl1pPr>
-          </a:lstStyle>
-          <a:p>
-            <a:r>
-              <a:rPr lang="ko-KR" altLang="en-US" noProof="0"/>
-              <a:t>설명 자료 제목</a:t>
-            </a:r>
-            <a:endParaRPr lang="ko-KR" altLang="en-US" noProof="0">
+            <a:endParaRPr lang="ko-KR" altLang="en-US" noProof="0" dirty="0">
               <a:latin typeface="맑은 고딕" panose="020B0503020000020004" pitchFamily="50" charset="-127"/>
               <a:ea typeface="맑은 고딕" panose="020B0503020000020004" pitchFamily="50" charset="-127"/>
             </a:endParaRPr>
@@ -21659,7 +20661,7 @@
         <p:spPr>
           <a:xfrm>
             <a:off x="719916" y="4319794"/>
-            <a:ext cx="3401567" cy="1371600"/>
+            <a:ext cx="4864807" cy="1371600"/>
           </a:xfrm>
         </p:spPr>
         <p:txBody>
@@ -21707,78 +20709,6 @@
               <a:t>과목당 학습시간을 분석</a:t>
             </a:r>
             <a:endParaRPr lang="ko-KR" altLang="en-US" dirty="0"/>
-          </a:p>
-        </p:txBody>
-      </p:sp>
-      <p:sp>
-        <p:nvSpPr>
-          <p:cNvPr id="3" name="날짜 개체 틀 2">
-            <a:extLst>
-              <a:ext uri="{FF2B5EF4-FFF2-40B4-BE49-F238E27FC236}">
-                <a16:creationId xmlns:a16="http://schemas.microsoft.com/office/drawing/2014/main" id="{7A6B1F78-3AFD-4744-92CF-5884B6690308}"/>
-              </a:ext>
-            </a:extLst>
-          </p:cNvPr>
-          <p:cNvSpPr>
-            <a:spLocks noGrp="1"/>
-          </p:cNvSpPr>
-          <p:nvPr>
-            <p:ph type="dt" sz="half" idx="10"/>
-          </p:nvPr>
-        </p:nvSpPr>
-        <p:spPr>
-          <a:xfrm>
-            <a:off x="838200" y="6356350"/>
-            <a:ext cx="1847850" cy="365125"/>
-          </a:xfrm>
-        </p:spPr>
-        <p:txBody>
-          <a:bodyPr rtlCol="0"/>
-          <a:lstStyle/>
-          <a:p>
-            <a:pPr rtl="0"/>
-            <a:r>
-              <a:rPr lang="en-US" altLang="ko-KR"/>
-              <a:t>20XX</a:t>
-            </a:r>
-            <a:r>
-              <a:rPr lang="ko-KR" altLang="en-US"/>
-              <a:t>년</a:t>
-            </a:r>
-          </a:p>
-        </p:txBody>
-      </p:sp>
-      <p:sp>
-        <p:nvSpPr>
-          <p:cNvPr id="5" name="바닥글 개체 틀 4">
-            <a:extLst>
-              <a:ext uri="{FF2B5EF4-FFF2-40B4-BE49-F238E27FC236}">
-                <a16:creationId xmlns:a16="http://schemas.microsoft.com/office/drawing/2014/main" id="{43E6FD26-9BAD-4332-95C3-999491DA2919}"/>
-              </a:ext>
-            </a:extLst>
-          </p:cNvPr>
-          <p:cNvSpPr>
-            <a:spLocks noGrp="1"/>
-          </p:cNvSpPr>
-          <p:nvPr>
-            <p:ph type="ftr" sz="quarter" idx="11"/>
-          </p:nvPr>
-        </p:nvSpPr>
-        <p:spPr>
-          <a:xfrm>
-            <a:off x="6858000" y="6356350"/>
-            <a:ext cx="3448050" cy="365125"/>
-          </a:xfrm>
-        </p:spPr>
-        <p:txBody>
-          <a:bodyPr rtlCol="0"/>
-          <a:lstStyle/>
-          <a:p>
-            <a:pPr rtl="0"/>
-            <a:r>
-              <a:rPr lang="ko-KR" altLang="en-US"/>
-              <a:t>설명 자료 제목</a:t>
-            </a:r>
           </a:p>
         </p:txBody>
       </p:sp>
@@ -21989,74 +20919,6 @@
       </p:sp>
       <p:sp>
         <p:nvSpPr>
-          <p:cNvPr id="12" name="날짜 개체 틀 11">
-            <a:extLst>
-              <a:ext uri="{FF2B5EF4-FFF2-40B4-BE49-F238E27FC236}">
-                <a16:creationId xmlns:a16="http://schemas.microsoft.com/office/drawing/2014/main" id="{214D05A4-38D5-513D-5696-87F1A8A89585}"/>
-              </a:ext>
-            </a:extLst>
-          </p:cNvPr>
-          <p:cNvSpPr>
-            <a:spLocks noGrp="1"/>
-          </p:cNvSpPr>
-          <p:nvPr>
-            <p:ph type="dt" sz="half" idx="10"/>
-          </p:nvPr>
-        </p:nvSpPr>
-        <p:spPr/>
-        <p:txBody>
-          <a:bodyPr/>
-          <a:lstStyle/>
-          <a:p>
-            <a:r>
-              <a:rPr lang="en-US" altLang="ko-KR"/>
-              <a:t>20XX</a:t>
-            </a:r>
-            <a:r>
-              <a:rPr lang="ko-KR" altLang="en-US"/>
-              <a:t>년</a:t>
-            </a:r>
-            <a:endParaRPr lang="ko-KR" altLang="en-US">
-              <a:latin typeface="맑은 고딕" panose="020B0503020000020004" pitchFamily="50" charset="-127"/>
-              <a:ea typeface="맑은 고딕" panose="020B0503020000020004" pitchFamily="50" charset="-127"/>
-            </a:endParaRPr>
-          </a:p>
-        </p:txBody>
-      </p:sp>
-      <p:sp>
-        <p:nvSpPr>
-          <p:cNvPr id="13" name="바닥글 개체 틀 12">
-            <a:extLst>
-              <a:ext uri="{FF2B5EF4-FFF2-40B4-BE49-F238E27FC236}">
-                <a16:creationId xmlns:a16="http://schemas.microsoft.com/office/drawing/2014/main" id="{6DC224C9-71C0-E88D-FBE2-31C7F1D48967}"/>
-              </a:ext>
-            </a:extLst>
-          </p:cNvPr>
-          <p:cNvSpPr>
-            <a:spLocks noGrp="1"/>
-          </p:cNvSpPr>
-          <p:nvPr>
-            <p:ph type="ftr" sz="quarter" idx="11"/>
-          </p:nvPr>
-        </p:nvSpPr>
-        <p:spPr/>
-        <p:txBody>
-          <a:bodyPr/>
-          <a:lstStyle/>
-          <a:p>
-            <a:r>
-              <a:rPr lang="ko-KR" altLang="en-US"/>
-              <a:t>설명 자료 제목</a:t>
-            </a:r>
-            <a:endParaRPr lang="ko-KR" altLang="en-US">
-              <a:latin typeface="맑은 고딕" panose="020B0503020000020004" pitchFamily="50" charset="-127"/>
-              <a:ea typeface="맑은 고딕" panose="020B0503020000020004" pitchFamily="50" charset="-127"/>
-            </a:endParaRPr>
-          </a:p>
-        </p:txBody>
-      </p:sp>
-      <p:sp>
-        <p:nvSpPr>
           <p:cNvPr id="14" name="슬라이드 번호 개체 틀 13">
             <a:extLst>
               <a:ext uri="{FF2B5EF4-FFF2-40B4-BE49-F238E27FC236}">
@@ -22455,74 +21317,6 @@
       </p:sp>
       <p:sp>
         <p:nvSpPr>
-          <p:cNvPr id="12" name="날짜 개체 틀 11">
-            <a:extLst>
-              <a:ext uri="{FF2B5EF4-FFF2-40B4-BE49-F238E27FC236}">
-                <a16:creationId xmlns:a16="http://schemas.microsoft.com/office/drawing/2014/main" id="{214D05A4-38D5-513D-5696-87F1A8A89585}"/>
-              </a:ext>
-            </a:extLst>
-          </p:cNvPr>
-          <p:cNvSpPr>
-            <a:spLocks noGrp="1"/>
-          </p:cNvSpPr>
-          <p:nvPr>
-            <p:ph type="dt" sz="half" idx="10"/>
-          </p:nvPr>
-        </p:nvSpPr>
-        <p:spPr/>
-        <p:txBody>
-          <a:bodyPr/>
-          <a:lstStyle/>
-          <a:p>
-            <a:r>
-              <a:rPr lang="en-US" altLang="ko-KR"/>
-              <a:t>20XX</a:t>
-            </a:r>
-            <a:r>
-              <a:rPr lang="ko-KR" altLang="en-US"/>
-              <a:t>년</a:t>
-            </a:r>
-            <a:endParaRPr lang="ko-KR" altLang="en-US">
-              <a:latin typeface="맑은 고딕" panose="020B0503020000020004" pitchFamily="50" charset="-127"/>
-              <a:ea typeface="맑은 고딕" panose="020B0503020000020004" pitchFamily="50" charset="-127"/>
-            </a:endParaRPr>
-          </a:p>
-        </p:txBody>
-      </p:sp>
-      <p:sp>
-        <p:nvSpPr>
-          <p:cNvPr id="13" name="바닥글 개체 틀 12">
-            <a:extLst>
-              <a:ext uri="{FF2B5EF4-FFF2-40B4-BE49-F238E27FC236}">
-                <a16:creationId xmlns:a16="http://schemas.microsoft.com/office/drawing/2014/main" id="{6DC224C9-71C0-E88D-FBE2-31C7F1D48967}"/>
-              </a:ext>
-            </a:extLst>
-          </p:cNvPr>
-          <p:cNvSpPr>
-            <a:spLocks noGrp="1"/>
-          </p:cNvSpPr>
-          <p:nvPr>
-            <p:ph type="ftr" sz="quarter" idx="11"/>
-          </p:nvPr>
-        </p:nvSpPr>
-        <p:spPr/>
-        <p:txBody>
-          <a:bodyPr/>
-          <a:lstStyle/>
-          <a:p>
-            <a:r>
-              <a:rPr lang="ko-KR" altLang="en-US"/>
-              <a:t>설명 자료 제목</a:t>
-            </a:r>
-            <a:endParaRPr lang="ko-KR" altLang="en-US">
-              <a:latin typeface="맑은 고딕" panose="020B0503020000020004" pitchFamily="50" charset="-127"/>
-              <a:ea typeface="맑은 고딕" panose="020B0503020000020004" pitchFamily="50" charset="-127"/>
-            </a:endParaRPr>
-          </a:p>
-        </p:txBody>
-      </p:sp>
-      <p:sp>
-        <p:nvSpPr>
           <p:cNvPr id="14" name="슬라이드 번호 개체 틀 13">
             <a:extLst>
               <a:ext uri="{FF2B5EF4-FFF2-40B4-BE49-F238E27FC236}">
@@ -23166,79 +21960,6 @@
       </p:sp>
       <p:sp>
         <p:nvSpPr>
-          <p:cNvPr id="3" name="날짜 개체 틀 2">
-            <a:extLst>
-              <a:ext uri="{FF2B5EF4-FFF2-40B4-BE49-F238E27FC236}">
-                <a16:creationId xmlns:a16="http://schemas.microsoft.com/office/drawing/2014/main" id="{873B7B03-D1D1-4992-B605-84EC6CA56062}"/>
-              </a:ext>
-            </a:extLst>
-          </p:cNvPr>
-          <p:cNvSpPr>
-            <a:spLocks noGrp="1"/>
-          </p:cNvSpPr>
-          <p:nvPr>
-            <p:ph type="dt" sz="half" idx="43"/>
-          </p:nvPr>
-        </p:nvSpPr>
-        <p:spPr>
-          <a:xfrm>
-            <a:off x="838200" y="6356350"/>
-            <a:ext cx="2743200" cy="365125"/>
-          </a:xfrm>
-        </p:spPr>
-        <p:txBody>
-          <a:bodyPr rtlCol="0"/>
-          <a:lstStyle/>
-          <a:p>
-            <a:pPr rtl="0"/>
-            <a:r>
-              <a:rPr lang="en-US" altLang="ko-KR"/>
-              <a:t>20XX</a:t>
-            </a:r>
-            <a:r>
-              <a:rPr lang="ko-KR" altLang="en-US"/>
-              <a:t>년</a:t>
-            </a:r>
-            <a:endParaRPr lang="ko-KR" altLang="en-US" dirty="0"/>
-          </a:p>
-        </p:txBody>
-      </p:sp>
-      <p:sp>
-        <p:nvSpPr>
-          <p:cNvPr id="4" name="바닥글 개체 틀 3">
-            <a:extLst>
-              <a:ext uri="{FF2B5EF4-FFF2-40B4-BE49-F238E27FC236}">
-                <a16:creationId xmlns:a16="http://schemas.microsoft.com/office/drawing/2014/main" id="{AD1AE1DB-13CC-42B4-8C75-FA8B6C4C0944}"/>
-              </a:ext>
-            </a:extLst>
-          </p:cNvPr>
-          <p:cNvSpPr>
-            <a:spLocks noGrp="1"/>
-          </p:cNvSpPr>
-          <p:nvPr>
-            <p:ph type="ftr" sz="quarter" idx="10"/>
-          </p:nvPr>
-        </p:nvSpPr>
-        <p:spPr>
-          <a:xfrm>
-            <a:off x="4038600" y="6356350"/>
-            <a:ext cx="4114800" cy="365125"/>
-          </a:xfrm>
-        </p:spPr>
-        <p:txBody>
-          <a:bodyPr rtlCol="0"/>
-          <a:lstStyle/>
-          <a:p>
-            <a:pPr rtl="0"/>
-            <a:r>
-              <a:rPr lang="ko-KR" altLang="en-US" dirty="0"/>
-              <a:t>설명 자료 제목</a:t>
-            </a:r>
-          </a:p>
-        </p:txBody>
-      </p:sp>
-      <p:sp>
-        <p:nvSpPr>
           <p:cNvPr id="5" name="슬라이드 번호 개체 틀 4">
             <a:extLst>
               <a:ext uri="{FF2B5EF4-FFF2-40B4-BE49-F238E27FC236}">
@@ -23573,78 +22294,6 @@
       </p:sp>
       <p:sp>
         <p:nvSpPr>
-          <p:cNvPr id="3" name="날짜 개체 틀 2">
-            <a:extLst>
-              <a:ext uri="{FF2B5EF4-FFF2-40B4-BE49-F238E27FC236}">
-                <a16:creationId xmlns:a16="http://schemas.microsoft.com/office/drawing/2014/main" id="{7A6B1F78-3AFD-4744-92CF-5884B6690308}"/>
-              </a:ext>
-            </a:extLst>
-          </p:cNvPr>
-          <p:cNvSpPr>
-            <a:spLocks noGrp="1"/>
-          </p:cNvSpPr>
-          <p:nvPr>
-            <p:ph type="dt" sz="half" idx="10"/>
-          </p:nvPr>
-        </p:nvSpPr>
-        <p:spPr>
-          <a:xfrm>
-            <a:off x="838200" y="6356350"/>
-            <a:ext cx="1847850" cy="365125"/>
-          </a:xfrm>
-        </p:spPr>
-        <p:txBody>
-          <a:bodyPr rtlCol="0"/>
-          <a:lstStyle/>
-          <a:p>
-            <a:pPr rtl="0"/>
-            <a:r>
-              <a:rPr lang="en-US" altLang="ko-KR"/>
-              <a:t>20XX</a:t>
-            </a:r>
-            <a:r>
-              <a:rPr lang="ko-KR" altLang="en-US"/>
-              <a:t>년</a:t>
-            </a:r>
-          </a:p>
-        </p:txBody>
-      </p:sp>
-      <p:sp>
-        <p:nvSpPr>
-          <p:cNvPr id="5" name="바닥글 개체 틀 4">
-            <a:extLst>
-              <a:ext uri="{FF2B5EF4-FFF2-40B4-BE49-F238E27FC236}">
-                <a16:creationId xmlns:a16="http://schemas.microsoft.com/office/drawing/2014/main" id="{43E6FD26-9BAD-4332-95C3-999491DA2919}"/>
-              </a:ext>
-            </a:extLst>
-          </p:cNvPr>
-          <p:cNvSpPr>
-            <a:spLocks noGrp="1"/>
-          </p:cNvSpPr>
-          <p:nvPr>
-            <p:ph type="ftr" sz="quarter" idx="11"/>
-          </p:nvPr>
-        </p:nvSpPr>
-        <p:spPr>
-          <a:xfrm>
-            <a:off x="6858000" y="6356350"/>
-            <a:ext cx="3448050" cy="365125"/>
-          </a:xfrm>
-        </p:spPr>
-        <p:txBody>
-          <a:bodyPr rtlCol="0"/>
-          <a:lstStyle/>
-          <a:p>
-            <a:pPr rtl="0"/>
-            <a:r>
-              <a:rPr lang="ko-KR" altLang="en-US"/>
-              <a:t>설명 자료 제목</a:t>
-            </a:r>
-          </a:p>
-        </p:txBody>
-      </p:sp>
-      <p:sp>
-        <p:nvSpPr>
           <p:cNvPr id="6" name="슬라이드 번호 개체 틀 5">
             <a:extLst>
               <a:ext uri="{FF2B5EF4-FFF2-40B4-BE49-F238E27FC236}">
@@ -23810,74 +22459,6 @@
               <a:rPr lang="ko-KR" altLang="en-US" dirty="0"/>
               <a:t>분석</a:t>
             </a:r>
-          </a:p>
-        </p:txBody>
-      </p:sp>
-      <p:sp>
-        <p:nvSpPr>
-          <p:cNvPr id="12" name="날짜 개체 틀 11">
-            <a:extLst>
-              <a:ext uri="{FF2B5EF4-FFF2-40B4-BE49-F238E27FC236}">
-                <a16:creationId xmlns:a16="http://schemas.microsoft.com/office/drawing/2014/main" id="{214D05A4-38D5-513D-5696-87F1A8A89585}"/>
-              </a:ext>
-            </a:extLst>
-          </p:cNvPr>
-          <p:cNvSpPr>
-            <a:spLocks noGrp="1"/>
-          </p:cNvSpPr>
-          <p:nvPr>
-            <p:ph type="dt" sz="half" idx="10"/>
-          </p:nvPr>
-        </p:nvSpPr>
-        <p:spPr/>
-        <p:txBody>
-          <a:bodyPr/>
-          <a:lstStyle/>
-          <a:p>
-            <a:r>
-              <a:rPr lang="en-US" altLang="ko-KR"/>
-              <a:t>20XX</a:t>
-            </a:r>
-            <a:r>
-              <a:rPr lang="ko-KR" altLang="en-US"/>
-              <a:t>년</a:t>
-            </a:r>
-            <a:endParaRPr lang="ko-KR" altLang="en-US">
-              <a:latin typeface="맑은 고딕" panose="020B0503020000020004" pitchFamily="50" charset="-127"/>
-              <a:ea typeface="맑은 고딕" panose="020B0503020000020004" pitchFamily="50" charset="-127"/>
-            </a:endParaRPr>
-          </a:p>
-        </p:txBody>
-      </p:sp>
-      <p:sp>
-        <p:nvSpPr>
-          <p:cNvPr id="13" name="바닥글 개체 틀 12">
-            <a:extLst>
-              <a:ext uri="{FF2B5EF4-FFF2-40B4-BE49-F238E27FC236}">
-                <a16:creationId xmlns:a16="http://schemas.microsoft.com/office/drawing/2014/main" id="{6DC224C9-71C0-E88D-FBE2-31C7F1D48967}"/>
-              </a:ext>
-            </a:extLst>
-          </p:cNvPr>
-          <p:cNvSpPr>
-            <a:spLocks noGrp="1"/>
-          </p:cNvSpPr>
-          <p:nvPr>
-            <p:ph type="ftr" sz="quarter" idx="11"/>
-          </p:nvPr>
-        </p:nvSpPr>
-        <p:spPr/>
-        <p:txBody>
-          <a:bodyPr/>
-          <a:lstStyle/>
-          <a:p>
-            <a:r>
-              <a:rPr lang="ko-KR" altLang="en-US"/>
-              <a:t>설명 자료 제목</a:t>
-            </a:r>
-            <a:endParaRPr lang="ko-KR" altLang="en-US">
-              <a:latin typeface="맑은 고딕" panose="020B0503020000020004" pitchFamily="50" charset="-127"/>
-              <a:ea typeface="맑은 고딕" panose="020B0503020000020004" pitchFamily="50" charset="-127"/>
-            </a:endParaRPr>
           </a:p>
         </p:txBody>
       </p:sp>
@@ -24276,74 +22857,6 @@
       </p:sp>
       <p:sp>
         <p:nvSpPr>
-          <p:cNvPr id="3" name="날짜 개체 틀 2">
-            <a:extLst>
-              <a:ext uri="{FF2B5EF4-FFF2-40B4-BE49-F238E27FC236}">
-                <a16:creationId xmlns:a16="http://schemas.microsoft.com/office/drawing/2014/main" id="{9B225B22-DF5C-2C5D-A9FC-7BB91F15C863}"/>
-              </a:ext>
-            </a:extLst>
-          </p:cNvPr>
-          <p:cNvSpPr>
-            <a:spLocks noGrp="1"/>
-          </p:cNvSpPr>
-          <p:nvPr>
-            <p:ph type="dt" sz="half" idx="10"/>
-          </p:nvPr>
-        </p:nvSpPr>
-        <p:spPr/>
-        <p:txBody>
-          <a:bodyPr/>
-          <a:lstStyle/>
-          <a:p>
-            <a:r>
-              <a:rPr lang="en-US" altLang="ko-KR" noProof="0"/>
-              <a:t>20XX</a:t>
-            </a:r>
-            <a:r>
-              <a:rPr lang="ko-KR" altLang="en-US" noProof="0"/>
-              <a:t>년</a:t>
-            </a:r>
-            <a:endParaRPr lang="ko-KR" altLang="en-US" noProof="0">
-              <a:latin typeface="맑은 고딕" panose="020B0503020000020004" pitchFamily="50" charset="-127"/>
-              <a:ea typeface="맑은 고딕" panose="020B0503020000020004" pitchFamily="50" charset="-127"/>
-            </a:endParaRPr>
-          </a:p>
-        </p:txBody>
-      </p:sp>
-      <p:sp>
-        <p:nvSpPr>
-          <p:cNvPr id="4" name="바닥글 개체 틀 3">
-            <a:extLst>
-              <a:ext uri="{FF2B5EF4-FFF2-40B4-BE49-F238E27FC236}">
-                <a16:creationId xmlns:a16="http://schemas.microsoft.com/office/drawing/2014/main" id="{C6A7B46F-9AF3-6CEB-4861-CECDCADC3232}"/>
-              </a:ext>
-            </a:extLst>
-          </p:cNvPr>
-          <p:cNvSpPr>
-            <a:spLocks noGrp="1"/>
-          </p:cNvSpPr>
-          <p:nvPr>
-            <p:ph type="ftr" sz="quarter" idx="11"/>
-          </p:nvPr>
-        </p:nvSpPr>
-        <p:spPr/>
-        <p:txBody>
-          <a:bodyPr/>
-          <a:lstStyle/>
-          <a:p>
-            <a:r>
-              <a:rPr lang="ko-KR" altLang="en-US" noProof="0"/>
-              <a:t>설명 자료 제목</a:t>
-            </a:r>
-            <a:endParaRPr lang="ko-KR" altLang="en-US" noProof="0">
-              <a:latin typeface="맑은 고딕" panose="020B0503020000020004" pitchFamily="50" charset="-127"/>
-              <a:ea typeface="맑은 고딕" panose="020B0503020000020004" pitchFamily="50" charset="-127"/>
-            </a:endParaRPr>
-          </a:p>
-        </p:txBody>
-      </p:sp>
-      <p:sp>
-        <p:nvSpPr>
           <p:cNvPr id="5" name="슬라이드 번호 개체 틀 4">
             <a:extLst>
               <a:ext uri="{FF2B5EF4-FFF2-40B4-BE49-F238E27FC236}">
@@ -24509,74 +23022,6 @@
       </p:sp>
       <p:sp>
         <p:nvSpPr>
-          <p:cNvPr id="3" name="날짜 개체 틀 2">
-            <a:extLst>
-              <a:ext uri="{FF2B5EF4-FFF2-40B4-BE49-F238E27FC236}">
-                <a16:creationId xmlns:a16="http://schemas.microsoft.com/office/drawing/2014/main" id="{738E19F9-2038-4BD8-00D7-45DB0598C3AB}"/>
-              </a:ext>
-            </a:extLst>
-          </p:cNvPr>
-          <p:cNvSpPr>
-            <a:spLocks noGrp="1"/>
-          </p:cNvSpPr>
-          <p:nvPr>
-            <p:ph type="dt" sz="half" idx="10"/>
-          </p:nvPr>
-        </p:nvSpPr>
-        <p:spPr/>
-        <p:txBody>
-          <a:bodyPr/>
-          <a:lstStyle/>
-          <a:p>
-            <a:r>
-              <a:rPr lang="en-US" altLang="ko-KR" noProof="0"/>
-              <a:t>20XX</a:t>
-            </a:r>
-            <a:r>
-              <a:rPr lang="ko-KR" altLang="en-US" noProof="0"/>
-              <a:t>년</a:t>
-            </a:r>
-            <a:endParaRPr lang="ko-KR" altLang="en-US" noProof="0">
-              <a:latin typeface="맑은 고딕" panose="020B0503020000020004" pitchFamily="50" charset="-127"/>
-              <a:ea typeface="맑은 고딕" panose="020B0503020000020004" pitchFamily="50" charset="-127"/>
-            </a:endParaRPr>
-          </a:p>
-        </p:txBody>
-      </p:sp>
-      <p:sp>
-        <p:nvSpPr>
-          <p:cNvPr id="4" name="바닥글 개체 틀 3">
-            <a:extLst>
-              <a:ext uri="{FF2B5EF4-FFF2-40B4-BE49-F238E27FC236}">
-                <a16:creationId xmlns:a16="http://schemas.microsoft.com/office/drawing/2014/main" id="{BEA98F55-F979-5627-AF7E-F517B1EF5FAF}"/>
-              </a:ext>
-            </a:extLst>
-          </p:cNvPr>
-          <p:cNvSpPr>
-            <a:spLocks noGrp="1"/>
-          </p:cNvSpPr>
-          <p:nvPr>
-            <p:ph type="ftr" sz="quarter" idx="11"/>
-          </p:nvPr>
-        </p:nvSpPr>
-        <p:spPr/>
-        <p:txBody>
-          <a:bodyPr/>
-          <a:lstStyle/>
-          <a:p>
-            <a:r>
-              <a:rPr lang="ko-KR" altLang="en-US" noProof="0"/>
-              <a:t>설명 자료 제목</a:t>
-            </a:r>
-            <a:endParaRPr lang="ko-KR" altLang="en-US" noProof="0">
-              <a:latin typeface="맑은 고딕" panose="020B0503020000020004" pitchFamily="50" charset="-127"/>
-              <a:ea typeface="맑은 고딕" panose="020B0503020000020004" pitchFamily="50" charset="-127"/>
-            </a:endParaRPr>
-          </a:p>
-        </p:txBody>
-      </p:sp>
-      <p:sp>
-        <p:nvSpPr>
           <p:cNvPr id="5" name="슬라이드 번호 개체 틀 4">
             <a:extLst>
               <a:ext uri="{FF2B5EF4-FFF2-40B4-BE49-F238E27FC236}">
@@ -25006,79 +23451,6 @@
       </p:sp>
       <p:sp>
         <p:nvSpPr>
-          <p:cNvPr id="3" name="날짜 개체 틀 2">
-            <a:extLst>
-              <a:ext uri="{FF2B5EF4-FFF2-40B4-BE49-F238E27FC236}">
-                <a16:creationId xmlns:a16="http://schemas.microsoft.com/office/drawing/2014/main" id="{873B7B03-D1D1-4992-B605-84EC6CA56062}"/>
-              </a:ext>
-            </a:extLst>
-          </p:cNvPr>
-          <p:cNvSpPr>
-            <a:spLocks noGrp="1"/>
-          </p:cNvSpPr>
-          <p:nvPr>
-            <p:ph type="dt" sz="half" idx="43"/>
-          </p:nvPr>
-        </p:nvSpPr>
-        <p:spPr>
-          <a:xfrm>
-            <a:off x="838200" y="6356350"/>
-            <a:ext cx="2743200" cy="365125"/>
-          </a:xfrm>
-        </p:spPr>
-        <p:txBody>
-          <a:bodyPr rtlCol="0"/>
-          <a:lstStyle/>
-          <a:p>
-            <a:pPr rtl="0"/>
-            <a:r>
-              <a:rPr lang="en-US" altLang="ko-KR"/>
-              <a:t>20XX</a:t>
-            </a:r>
-            <a:r>
-              <a:rPr lang="ko-KR" altLang="en-US"/>
-              <a:t>년</a:t>
-            </a:r>
-            <a:endParaRPr lang="ko-KR" altLang="en-US" dirty="0"/>
-          </a:p>
-        </p:txBody>
-      </p:sp>
-      <p:sp>
-        <p:nvSpPr>
-          <p:cNvPr id="4" name="바닥글 개체 틀 3">
-            <a:extLst>
-              <a:ext uri="{FF2B5EF4-FFF2-40B4-BE49-F238E27FC236}">
-                <a16:creationId xmlns:a16="http://schemas.microsoft.com/office/drawing/2014/main" id="{AD1AE1DB-13CC-42B4-8C75-FA8B6C4C0944}"/>
-              </a:ext>
-            </a:extLst>
-          </p:cNvPr>
-          <p:cNvSpPr>
-            <a:spLocks noGrp="1"/>
-          </p:cNvSpPr>
-          <p:nvPr>
-            <p:ph type="ftr" sz="quarter" idx="10"/>
-          </p:nvPr>
-        </p:nvSpPr>
-        <p:spPr>
-          <a:xfrm>
-            <a:off x="4038600" y="6356350"/>
-            <a:ext cx="4114800" cy="365125"/>
-          </a:xfrm>
-        </p:spPr>
-        <p:txBody>
-          <a:bodyPr rtlCol="0"/>
-          <a:lstStyle/>
-          <a:p>
-            <a:pPr rtl="0"/>
-            <a:r>
-              <a:rPr lang="ko-KR" altLang="en-US" dirty="0"/>
-              <a:t>설명 자료 제목</a:t>
-            </a:r>
-          </a:p>
-        </p:txBody>
-      </p:sp>
-      <p:sp>
-        <p:nvSpPr>
           <p:cNvPr id="5" name="슬라이드 번호 개체 틀 4">
             <a:extLst>
               <a:ext uri="{FF2B5EF4-FFF2-40B4-BE49-F238E27FC236}">
@@ -25473,78 +23845,6 @@
             <a:r>
               <a:rPr lang="ko-KR" altLang="en-US" dirty="0"/>
               <a:t>일반</a:t>
-            </a:r>
-          </a:p>
-        </p:txBody>
-      </p:sp>
-      <p:sp>
-        <p:nvSpPr>
-          <p:cNvPr id="52" name="날짜 개체 틀 51">
-            <a:extLst>
-              <a:ext uri="{FF2B5EF4-FFF2-40B4-BE49-F238E27FC236}">
-                <a16:creationId xmlns:a16="http://schemas.microsoft.com/office/drawing/2014/main" id="{3A1FF608-E141-4725-A9EC-726D830FED76}"/>
-              </a:ext>
-            </a:extLst>
-          </p:cNvPr>
-          <p:cNvSpPr>
-            <a:spLocks noGrp="1"/>
-          </p:cNvSpPr>
-          <p:nvPr>
-            <p:ph type="dt" sz="half" idx="16"/>
-          </p:nvPr>
-        </p:nvSpPr>
-        <p:spPr>
-          <a:xfrm>
-            <a:off x="838200" y="6356350"/>
-            <a:ext cx="2743200" cy="365125"/>
-          </a:xfrm>
-        </p:spPr>
-        <p:txBody>
-          <a:bodyPr rtlCol="0"/>
-          <a:lstStyle/>
-          <a:p>
-            <a:pPr rtl="0"/>
-            <a:r>
-              <a:rPr lang="en-US" altLang="ko-KR"/>
-              <a:t>20XX</a:t>
-            </a:r>
-            <a:r>
-              <a:rPr lang="ko-KR" altLang="en-US"/>
-              <a:t>년</a:t>
-            </a:r>
-          </a:p>
-        </p:txBody>
-      </p:sp>
-      <p:sp>
-        <p:nvSpPr>
-          <p:cNvPr id="3" name="바닥글 개체 틀 2">
-            <a:extLst>
-              <a:ext uri="{FF2B5EF4-FFF2-40B4-BE49-F238E27FC236}">
-                <a16:creationId xmlns:a16="http://schemas.microsoft.com/office/drawing/2014/main" id="{2CC7E0A4-FE8E-4F7B-8370-1FA3484B6144}"/>
-              </a:ext>
-            </a:extLst>
-          </p:cNvPr>
-          <p:cNvSpPr>
-            <a:spLocks noGrp="1"/>
-          </p:cNvSpPr>
-          <p:nvPr>
-            <p:ph type="ftr" sz="quarter" idx="10"/>
-          </p:nvPr>
-        </p:nvSpPr>
-        <p:spPr>
-          <a:xfrm>
-            <a:off x="4038600" y="6356350"/>
-            <a:ext cx="4114800" cy="365125"/>
-          </a:xfrm>
-        </p:spPr>
-        <p:txBody>
-          <a:bodyPr rtlCol="0"/>
-          <a:lstStyle/>
-          <a:p>
-            <a:pPr rtl="0"/>
-            <a:r>
-              <a:rPr lang="ko-KR" altLang="en-US"/>
-              <a:t>설명 자료 제목</a:t>
             </a:r>
           </a:p>
         </p:txBody>
@@ -25885,78 +24185,6 @@
       </p:sp>
       <p:sp>
         <p:nvSpPr>
-          <p:cNvPr id="11" name="날짜 개체 틀 10">
-            <a:extLst>
-              <a:ext uri="{FF2B5EF4-FFF2-40B4-BE49-F238E27FC236}">
-                <a16:creationId xmlns:a16="http://schemas.microsoft.com/office/drawing/2014/main" id="{AD240522-762B-4A1C-BAE4-2E57FC01F7BF}"/>
-              </a:ext>
-            </a:extLst>
-          </p:cNvPr>
-          <p:cNvSpPr>
-            <a:spLocks noGrp="1"/>
-          </p:cNvSpPr>
-          <p:nvPr>
-            <p:ph type="dt" sz="half" idx="10"/>
-          </p:nvPr>
-        </p:nvSpPr>
-        <p:spPr>
-          <a:xfrm>
-            <a:off x="838200" y="6356350"/>
-            <a:ext cx="2743200" cy="365125"/>
-          </a:xfrm>
-        </p:spPr>
-        <p:txBody>
-          <a:bodyPr rtlCol="0"/>
-          <a:lstStyle/>
-          <a:p>
-            <a:pPr rtl="0"/>
-            <a:r>
-              <a:rPr lang="en-US" altLang="ko-KR"/>
-              <a:t>20XX</a:t>
-            </a:r>
-            <a:r>
-              <a:rPr lang="ko-KR" altLang="en-US"/>
-              <a:t>년</a:t>
-            </a:r>
-          </a:p>
-        </p:txBody>
-      </p:sp>
-      <p:sp>
-        <p:nvSpPr>
-          <p:cNvPr id="5" name="바닥글 개체 틀 4">
-            <a:extLst>
-              <a:ext uri="{FF2B5EF4-FFF2-40B4-BE49-F238E27FC236}">
-                <a16:creationId xmlns:a16="http://schemas.microsoft.com/office/drawing/2014/main" id="{AF29EA23-F34E-486A-B8B2-0C3019266975}"/>
-              </a:ext>
-            </a:extLst>
-          </p:cNvPr>
-          <p:cNvSpPr>
-            <a:spLocks noGrp="1"/>
-          </p:cNvSpPr>
-          <p:nvPr>
-            <p:ph type="ftr" sz="quarter" idx="11"/>
-          </p:nvPr>
-        </p:nvSpPr>
-        <p:spPr>
-          <a:xfrm>
-            <a:off x="4038600" y="6356350"/>
-            <a:ext cx="4114800" cy="365125"/>
-          </a:xfrm>
-        </p:spPr>
-        <p:txBody>
-          <a:bodyPr rtlCol="0"/>
-          <a:lstStyle/>
-          <a:p>
-            <a:pPr rtl="0"/>
-            <a:r>
-              <a:rPr lang="ko-KR" altLang="en-US"/>
-              <a:t>설명 자료 제목</a:t>
-            </a:r>
-          </a:p>
-        </p:txBody>
-      </p:sp>
-      <p:sp>
-        <p:nvSpPr>
           <p:cNvPr id="4" name="슬라이드 번호 개체 틀 3">
             <a:extLst>
               <a:ext uri="{FF2B5EF4-FFF2-40B4-BE49-F238E27FC236}">
@@ -26010,7 +24238,7 @@
         <p:spPr>
           <a:xfrm>
             <a:off x="394716" y="1306287"/>
-            <a:ext cx="7287768" cy="2323322"/>
+            <a:ext cx="10509258" cy="2323322"/>
           </a:xfrm>
         </p:spPr>
         <p:txBody>
@@ -26084,27 +24312,13 @@
             </a:r>
             <a:r>
               <a:rPr lang="en-US" altLang="ko-KR" dirty="0"/>
-              <a:t>: 14</a:t>
+              <a:t>: 15</a:t>
             </a:r>
             <a:r>
               <a:rPr lang="ko-KR" altLang="en-US" dirty="0"/>
               <a:t>개 컬럼</a:t>
             </a:r>
-            <a:br>
-              <a:rPr lang="en-US" altLang="ko-KR" dirty="0"/>
-            </a:br>
-            <a:r>
-              <a:rPr lang="en-US" altLang="ko-KR" dirty="0"/>
-              <a:t>(10000 </a:t>
-            </a:r>
-            <a:r>
-              <a:rPr lang="ko-KR" altLang="en-US" dirty="0"/>
-              <a:t>레코드</a:t>
-            </a:r>
-            <a:r>
-              <a:rPr lang="en-US" altLang="ko-KR" dirty="0"/>
-              <a:t>)</a:t>
-            </a:r>
+            <a:endParaRPr lang="en-US" altLang="ko-KR" dirty="0"/>
           </a:p>
           <a:p>
             <a:pPr marL="285750" indent="-285750">
@@ -26268,78 +24482,6 @@
       </p:sp>
       <p:sp>
         <p:nvSpPr>
-          <p:cNvPr id="2" name="날짜 개체 틀 1">
-            <a:extLst>
-              <a:ext uri="{FF2B5EF4-FFF2-40B4-BE49-F238E27FC236}">
-                <a16:creationId xmlns:a16="http://schemas.microsoft.com/office/drawing/2014/main" id="{9A66E79E-11A2-49CD-B784-D277262CCD43}"/>
-              </a:ext>
-            </a:extLst>
-          </p:cNvPr>
-          <p:cNvSpPr>
-            <a:spLocks noGrp="1"/>
-          </p:cNvSpPr>
-          <p:nvPr>
-            <p:ph type="dt" sz="half" idx="10"/>
-          </p:nvPr>
-        </p:nvSpPr>
-        <p:spPr>
-          <a:xfrm>
-            <a:off x="838200" y="6356350"/>
-            <a:ext cx="2743200" cy="365125"/>
-          </a:xfrm>
-        </p:spPr>
-        <p:txBody>
-          <a:bodyPr rtlCol="0"/>
-          <a:lstStyle/>
-          <a:p>
-            <a:pPr rtl="0"/>
-            <a:r>
-              <a:rPr lang="en-US" altLang="ko-KR" dirty="0"/>
-              <a:t>20XX</a:t>
-            </a:r>
-            <a:r>
-              <a:rPr lang="ko-KR" altLang="en-US" dirty="0"/>
-              <a:t>년</a:t>
-            </a:r>
-          </a:p>
-        </p:txBody>
-      </p:sp>
-      <p:sp>
-        <p:nvSpPr>
-          <p:cNvPr id="3" name="바닥글 개체 틀 2">
-            <a:extLst>
-              <a:ext uri="{FF2B5EF4-FFF2-40B4-BE49-F238E27FC236}">
-                <a16:creationId xmlns:a16="http://schemas.microsoft.com/office/drawing/2014/main" id="{677E71CE-4C6D-47F1-9F23-8867ECE1CFC3}"/>
-              </a:ext>
-            </a:extLst>
-          </p:cNvPr>
-          <p:cNvSpPr>
-            <a:spLocks noGrp="1"/>
-          </p:cNvSpPr>
-          <p:nvPr>
-            <p:ph type="ftr" sz="quarter" idx="11"/>
-          </p:nvPr>
-        </p:nvSpPr>
-        <p:spPr>
-          <a:xfrm>
-            <a:off x="4038600" y="6356350"/>
-            <a:ext cx="4114800" cy="365125"/>
-          </a:xfrm>
-        </p:spPr>
-        <p:txBody>
-          <a:bodyPr rtlCol="0"/>
-          <a:lstStyle/>
-          <a:p>
-            <a:pPr rtl="0"/>
-            <a:r>
-              <a:rPr lang="ko-KR" altLang="en-US" dirty="0"/>
-              <a:t>설명 자료 제목</a:t>
-            </a:r>
-          </a:p>
-        </p:txBody>
-      </p:sp>
-      <p:sp>
-        <p:nvSpPr>
           <p:cNvPr id="5" name="슬라이드 번호 개체 틀 4">
             <a:extLst>
               <a:ext uri="{FF2B5EF4-FFF2-40B4-BE49-F238E27FC236}">
@@ -27130,78 +25272,6 @@
       </p:sp>
       <p:sp>
         <p:nvSpPr>
-          <p:cNvPr id="7" name="날짜 개체 틀 6">
-            <a:extLst>
-              <a:ext uri="{FF2B5EF4-FFF2-40B4-BE49-F238E27FC236}">
-                <a16:creationId xmlns:a16="http://schemas.microsoft.com/office/drawing/2014/main" id="{F77E2C42-2042-418E-9662-C5F50D84B52C}"/>
-              </a:ext>
-            </a:extLst>
-          </p:cNvPr>
-          <p:cNvSpPr>
-            <a:spLocks noGrp="1"/>
-          </p:cNvSpPr>
-          <p:nvPr>
-            <p:ph type="dt" sz="half" idx="10"/>
-          </p:nvPr>
-        </p:nvSpPr>
-        <p:spPr>
-          <a:xfrm>
-            <a:off x="838200" y="6356350"/>
-            <a:ext cx="2743200" cy="365125"/>
-          </a:xfrm>
-        </p:spPr>
-        <p:txBody>
-          <a:bodyPr rtlCol="0"/>
-          <a:lstStyle/>
-          <a:p>
-            <a:pPr rtl="0"/>
-            <a:r>
-              <a:rPr lang="en-US" altLang="ko-KR"/>
-              <a:t>20XX</a:t>
-            </a:r>
-            <a:r>
-              <a:rPr lang="ko-KR" altLang="en-US"/>
-              <a:t>년</a:t>
-            </a:r>
-          </a:p>
-        </p:txBody>
-      </p:sp>
-      <p:sp>
-        <p:nvSpPr>
-          <p:cNvPr id="8" name="바닥글 개체 틀 7">
-            <a:extLst>
-              <a:ext uri="{FF2B5EF4-FFF2-40B4-BE49-F238E27FC236}">
-                <a16:creationId xmlns:a16="http://schemas.microsoft.com/office/drawing/2014/main" id="{AEABA2FA-E564-482C-835A-F210D37EDFC9}"/>
-              </a:ext>
-            </a:extLst>
-          </p:cNvPr>
-          <p:cNvSpPr>
-            <a:spLocks noGrp="1"/>
-          </p:cNvSpPr>
-          <p:nvPr>
-            <p:ph type="ftr" sz="quarter" idx="11"/>
-          </p:nvPr>
-        </p:nvSpPr>
-        <p:spPr>
-          <a:xfrm>
-            <a:off x="4038600" y="6356350"/>
-            <a:ext cx="4114800" cy="365125"/>
-          </a:xfrm>
-        </p:spPr>
-        <p:txBody>
-          <a:bodyPr rtlCol="0"/>
-          <a:lstStyle/>
-          <a:p>
-            <a:pPr rtl="0"/>
-            <a:r>
-              <a:rPr lang="ko-KR" altLang="en-US"/>
-              <a:t>설명 자료 제목</a:t>
-            </a:r>
-          </a:p>
-        </p:txBody>
-      </p:sp>
-      <p:sp>
-        <p:nvSpPr>
           <p:cNvPr id="9" name="슬라이드 번호 개체 틀 8">
             <a:extLst>
               <a:ext uri="{FF2B5EF4-FFF2-40B4-BE49-F238E27FC236}">
@@ -27338,78 +25408,6 @@
           </a:xfrm>
         </p:spPr>
       </p:pic>
-      <p:sp>
-        <p:nvSpPr>
-          <p:cNvPr id="11" name="날짜 개체 틀 10">
-            <a:extLst>
-              <a:ext uri="{FF2B5EF4-FFF2-40B4-BE49-F238E27FC236}">
-                <a16:creationId xmlns:a16="http://schemas.microsoft.com/office/drawing/2014/main" id="{FDC804E2-80CF-4E0D-9B64-83E149C45049}"/>
-              </a:ext>
-            </a:extLst>
-          </p:cNvPr>
-          <p:cNvSpPr>
-            <a:spLocks noGrp="1"/>
-          </p:cNvSpPr>
-          <p:nvPr>
-            <p:ph type="dt" sz="half" idx="10"/>
-          </p:nvPr>
-        </p:nvSpPr>
-        <p:spPr>
-          <a:xfrm>
-            <a:off x="838200" y="6356350"/>
-            <a:ext cx="2743200" cy="365125"/>
-          </a:xfrm>
-        </p:spPr>
-        <p:txBody>
-          <a:bodyPr rtlCol="0"/>
-          <a:lstStyle/>
-          <a:p>
-            <a:pPr rtl="0"/>
-            <a:r>
-              <a:rPr lang="en-US" altLang="ko-KR"/>
-              <a:t>20XX</a:t>
-            </a:r>
-            <a:r>
-              <a:rPr lang="ko-KR" altLang="en-US"/>
-              <a:t>년</a:t>
-            </a:r>
-          </a:p>
-        </p:txBody>
-      </p:sp>
-      <p:sp>
-        <p:nvSpPr>
-          <p:cNvPr id="12" name="바닥글 개체 틀 11">
-            <a:extLst>
-              <a:ext uri="{FF2B5EF4-FFF2-40B4-BE49-F238E27FC236}">
-                <a16:creationId xmlns:a16="http://schemas.microsoft.com/office/drawing/2014/main" id="{E458DEBB-751A-4BD3-9B01-ED88C97EC429}"/>
-              </a:ext>
-            </a:extLst>
-          </p:cNvPr>
-          <p:cNvSpPr>
-            <a:spLocks noGrp="1"/>
-          </p:cNvSpPr>
-          <p:nvPr>
-            <p:ph type="ftr" sz="quarter" idx="11"/>
-          </p:nvPr>
-        </p:nvSpPr>
-        <p:spPr>
-          <a:xfrm>
-            <a:off x="4038600" y="6356350"/>
-            <a:ext cx="4114800" cy="365125"/>
-          </a:xfrm>
-        </p:spPr>
-        <p:txBody>
-          <a:bodyPr rtlCol="0"/>
-          <a:lstStyle/>
-          <a:p>
-            <a:pPr rtl="0"/>
-            <a:r>
-              <a:rPr lang="ko-KR" altLang="en-US"/>
-              <a:t>설명 자료 제목</a:t>
-            </a:r>
-          </a:p>
-        </p:txBody>
-      </p:sp>
       <p:sp>
         <p:nvSpPr>
           <p:cNvPr id="13" name="슬라이드 번호 개체 틀 12">
@@ -27529,7 +25527,7 @@
           <a:p>
             <a:r>
               <a:rPr lang="ko-KR" altLang="en-US" dirty="0"/>
-              <a:t>분석 순서</a:t>
+              <a:t>순서</a:t>
             </a:r>
           </a:p>
         </p:txBody>
@@ -27684,7 +25682,20 @@
               <a:lnSpc>
                 <a:spcPct val="220000"/>
               </a:lnSpc>
+              <a:buFont typeface="Arial" panose="020B0604020202020204" pitchFamily="34" charset="0"/>
+              <a:buChar char="•"/>
             </a:pPr>
+            <a:r>
+              <a:rPr lang="en-US" altLang="ko-KR" dirty="0"/>
+              <a:t>10000 </a:t>
+            </a:r>
+            <a:r>
+              <a:rPr lang="ko-KR" altLang="en-US" dirty="0"/>
+              <a:t>레코드</a:t>
+            </a:r>
+            <a:br>
+              <a:rPr lang="en-US" altLang="ko-KR" dirty="0"/>
+            </a:br>
             <a:r>
               <a:rPr lang="ko-KR" altLang="en-US" sz="1600" b="1" dirty="0">
                 <a:solidFill>
@@ -27864,6 +25875,56 @@
               <a:rPr lang="ko-KR" altLang="en-US" dirty="0"/>
               <a:t>완료코스당 학습시간을 파악</a:t>
             </a:r>
+            <a:endParaRPr lang="en-US" altLang="ko-KR" dirty="0"/>
+          </a:p>
+          <a:p>
+            <a:pPr marL="285750" indent="-285750" algn="l">
+              <a:buFont typeface="Wingdings" panose="05000000000000000000" pitchFamily="2" charset="2"/>
+              <a:buChar char="§"/>
+            </a:pPr>
+            <a:r>
+              <a:rPr lang="ko-KR" altLang="en-US" dirty="0" err="1"/>
+              <a:t>총완료코스수</a:t>
+            </a:r>
+            <a:r>
+              <a:rPr lang="ko-KR" altLang="en-US" dirty="0"/>
+              <a:t> </a:t>
+            </a:r>
+            <a:r>
+              <a:rPr lang="ko-KR" altLang="en-US" dirty="0" err="1"/>
+              <a:t>범위값</a:t>
+            </a:r>
+            <a:r>
+              <a:rPr lang="ko-KR" altLang="en-US" dirty="0"/>
+              <a:t> 지정</a:t>
+            </a:r>
+            <a:br>
+              <a:rPr lang="en-US" altLang="ko-KR" dirty="0"/>
+            </a:br>
+            <a:r>
+              <a:rPr lang="ko-KR" altLang="en-US" dirty="0" err="1"/>
+              <a:t>범위값내</a:t>
+            </a:r>
+            <a:r>
+              <a:rPr lang="ko-KR" altLang="en-US" dirty="0"/>
+              <a:t> 구독연장</a:t>
+            </a:r>
+            <a:r>
+              <a:rPr lang="en-US" altLang="ko-KR" dirty="0"/>
+              <a:t>, </a:t>
+            </a:r>
+            <a:r>
+              <a:rPr lang="ko-KR" altLang="en-US" dirty="0"/>
+              <a:t>구독형태</a:t>
+            </a:r>
+            <a:r>
+              <a:rPr lang="en-US" altLang="ko-KR" dirty="0"/>
+              <a:t>, </a:t>
+            </a:r>
+            <a:r>
+              <a:rPr lang="ko-KR" altLang="en-US" dirty="0"/>
+              <a:t>지불형태 변화 파악</a:t>
+            </a:r>
           </a:p>
         </p:txBody>
       </p:sp>
@@ -27895,7 +25956,7 @@
           <a:p>
             <a:r>
               <a:rPr lang="ko-KR" altLang="en-US" dirty="0"/>
-              <a:t>데이터 그룹 분석</a:t>
+              <a:t>데이터 그룹 생성</a:t>
             </a:r>
           </a:p>
         </p:txBody>
@@ -27940,7 +26001,7 @@
                   </a:schemeClr>
                 </a:solidFill>
               </a:rPr>
-              <a:t>그룹 생성</a:t>
+              <a:t>그룹별 특성 분석</a:t>
             </a:r>
             <a:endParaRPr lang="en-US" altLang="ko-KR" dirty="0"/>
           </a:p>
@@ -27959,7 +26020,7 @@
             </a:r>
             <a:r>
               <a:rPr lang="ko-KR" altLang="en-US" dirty="0"/>
-              <a:t>구독 난이도</a:t>
+              <a:t>구독 난이도 기준</a:t>
             </a:r>
             <a:endParaRPr lang="en-US" altLang="ko-KR" dirty="0"/>
           </a:p>
@@ -28003,74 +26064,6 @@
               <a:t>학습세션수</a:t>
             </a:r>
             <a:endParaRPr lang="ko-KR" altLang="en-US" dirty="0"/>
-          </a:p>
-        </p:txBody>
-      </p:sp>
-      <p:sp>
-        <p:nvSpPr>
-          <p:cNvPr id="5" name="날짜 개체 틀 4">
-            <a:extLst>
-              <a:ext uri="{FF2B5EF4-FFF2-40B4-BE49-F238E27FC236}">
-                <a16:creationId xmlns:a16="http://schemas.microsoft.com/office/drawing/2014/main" id="{71B151F3-C60A-FC55-A20A-F4E0F315FEFE}"/>
-              </a:ext>
-            </a:extLst>
-          </p:cNvPr>
-          <p:cNvSpPr>
-            <a:spLocks noGrp="1"/>
-          </p:cNvSpPr>
-          <p:nvPr>
-            <p:ph type="dt" sz="half" idx="20"/>
-          </p:nvPr>
-        </p:nvSpPr>
-        <p:spPr/>
-        <p:txBody>
-          <a:bodyPr/>
-          <a:lstStyle/>
-          <a:p>
-            <a:r>
-              <a:rPr lang="en-US" altLang="ko-KR"/>
-              <a:t>20XX</a:t>
-            </a:r>
-            <a:r>
-              <a:rPr lang="ko-KR" altLang="en-US"/>
-              <a:t>년</a:t>
-            </a:r>
-            <a:endParaRPr lang="ko-KR" altLang="en-US">
-              <a:latin typeface="맑은 고딕" panose="020B0503020000020004" pitchFamily="50" charset="-127"/>
-              <a:ea typeface="맑은 고딕" panose="020B0503020000020004" pitchFamily="50" charset="-127"/>
-            </a:endParaRPr>
-          </a:p>
-        </p:txBody>
-      </p:sp>
-      <p:sp>
-        <p:nvSpPr>
-          <p:cNvPr id="6" name="바닥글 개체 틀 5">
-            <a:extLst>
-              <a:ext uri="{FF2B5EF4-FFF2-40B4-BE49-F238E27FC236}">
-                <a16:creationId xmlns:a16="http://schemas.microsoft.com/office/drawing/2014/main" id="{3732D899-27CD-FBE3-168B-8F3F5C4CE877}"/>
-              </a:ext>
-            </a:extLst>
-          </p:cNvPr>
-          <p:cNvSpPr>
-            <a:spLocks noGrp="1"/>
-          </p:cNvSpPr>
-          <p:nvPr>
-            <p:ph type="ftr" sz="quarter" idx="21"/>
-          </p:nvPr>
-        </p:nvSpPr>
-        <p:spPr/>
-        <p:txBody>
-          <a:bodyPr/>
-          <a:lstStyle/>
-          <a:p>
-            <a:r>
-              <a:rPr lang="ko-KR" altLang="en-US"/>
-              <a:t>설명 자료 제목</a:t>
-            </a:r>
-            <a:endParaRPr lang="ko-KR" altLang="en-US">
-              <a:latin typeface="맑은 고딕" panose="020B0503020000020004" pitchFamily="50" charset="-127"/>
-              <a:ea typeface="맑은 고딕" panose="020B0503020000020004" pitchFamily="50" charset="-127"/>
-            </a:endParaRPr>
           </a:p>
         </p:txBody>
       </p:sp>
@@ -28679,78 +26672,6 @@
           <a:p>
             <a:pPr rtl="0"/>
             <a:endParaRPr lang="ko-KR" altLang="en-US" dirty="0"/>
-          </a:p>
-        </p:txBody>
-      </p:sp>
-      <p:sp>
-        <p:nvSpPr>
-          <p:cNvPr id="3" name="날짜 개체 틀 2">
-            <a:extLst>
-              <a:ext uri="{FF2B5EF4-FFF2-40B4-BE49-F238E27FC236}">
-                <a16:creationId xmlns:a16="http://schemas.microsoft.com/office/drawing/2014/main" id="{7A6B1F78-3AFD-4744-92CF-5884B6690308}"/>
-              </a:ext>
-            </a:extLst>
-          </p:cNvPr>
-          <p:cNvSpPr>
-            <a:spLocks noGrp="1"/>
-          </p:cNvSpPr>
-          <p:nvPr>
-            <p:ph type="dt" sz="half" idx="10"/>
-          </p:nvPr>
-        </p:nvSpPr>
-        <p:spPr>
-          <a:xfrm>
-            <a:off x="838200" y="6356350"/>
-            <a:ext cx="1847850" cy="365125"/>
-          </a:xfrm>
-        </p:spPr>
-        <p:txBody>
-          <a:bodyPr rtlCol="0"/>
-          <a:lstStyle/>
-          <a:p>
-            <a:pPr rtl="0"/>
-            <a:r>
-              <a:rPr lang="en-US" altLang="ko-KR"/>
-              <a:t>20XX</a:t>
-            </a:r>
-            <a:r>
-              <a:rPr lang="ko-KR" altLang="en-US"/>
-              <a:t>년</a:t>
-            </a:r>
-          </a:p>
-        </p:txBody>
-      </p:sp>
-      <p:sp>
-        <p:nvSpPr>
-          <p:cNvPr id="5" name="바닥글 개체 틀 4">
-            <a:extLst>
-              <a:ext uri="{FF2B5EF4-FFF2-40B4-BE49-F238E27FC236}">
-                <a16:creationId xmlns:a16="http://schemas.microsoft.com/office/drawing/2014/main" id="{43E6FD26-9BAD-4332-95C3-999491DA2919}"/>
-              </a:ext>
-            </a:extLst>
-          </p:cNvPr>
-          <p:cNvSpPr>
-            <a:spLocks noGrp="1"/>
-          </p:cNvSpPr>
-          <p:nvPr>
-            <p:ph type="ftr" sz="quarter" idx="11"/>
-          </p:nvPr>
-        </p:nvSpPr>
-        <p:spPr>
-          <a:xfrm>
-            <a:off x="6858000" y="6356350"/>
-            <a:ext cx="3448050" cy="365125"/>
-          </a:xfrm>
-        </p:spPr>
-        <p:txBody>
-          <a:bodyPr rtlCol="0"/>
-          <a:lstStyle/>
-          <a:p>
-            <a:pPr rtl="0"/>
-            <a:r>
-              <a:rPr lang="ko-KR" altLang="en-US"/>
-              <a:t>설명 자료 제목</a:t>
-            </a:r>
           </a:p>
         </p:txBody>
       </p:sp>
@@ -29001,7 +26922,7 @@
             <a:pPr rtl="0"/>
             <a:r>
               <a:rPr lang="ko-KR" altLang="en-US" dirty="0"/>
-              <a:t>문제</a:t>
+              <a:t>특성분석 시 문제점</a:t>
             </a:r>
           </a:p>
         </p:txBody>
@@ -29064,8 +26985,8 @@
         </p:nvSpPr>
         <p:spPr>
           <a:xfrm>
-            <a:off x="6096000" y="1409796"/>
-            <a:ext cx="4114800" cy="914400"/>
+            <a:off x="6676844" y="1409796"/>
+            <a:ext cx="4526280" cy="914400"/>
           </a:xfrm>
         </p:spPr>
         <p:txBody>
@@ -29162,8 +27083,8 @@
         </p:nvSpPr>
         <p:spPr>
           <a:xfrm>
-            <a:off x="6184490" y="2847784"/>
-            <a:ext cx="4114800" cy="914400"/>
+            <a:off x="6765334" y="2847784"/>
+            <a:ext cx="4526280" cy="914400"/>
           </a:xfrm>
         </p:spPr>
         <p:txBody>
@@ -29172,122 +27093,20 @@
           <a:p>
             <a:pPr rtl="0"/>
             <a:r>
+              <a:rPr lang="ko-KR" altLang="en-US" dirty="0" err="1"/>
+              <a:t>평균로그인시간이</a:t>
+            </a:r>
+            <a:r>
               <a:rPr lang="ko-KR" altLang="en-US" dirty="0"/>
-              <a:t>미국 소비자의 </a:t>
+              <a:t> 평균학습세션보다 큰 경우 발견</a:t>
             </a:r>
             <a:r>
               <a:rPr lang="en-US" altLang="ko-KR" dirty="0"/>
-              <a:t>66%</a:t>
+              <a:t>, </a:t>
             </a:r>
             <a:r>
               <a:rPr lang="ko-KR" altLang="en-US" dirty="0"/>
-              <a:t>가 문제를 부분적으로만 해결하는 여러 제품에 비용을 지출함</a:t>
-            </a:r>
-          </a:p>
-        </p:txBody>
-      </p:sp>
-      <p:pic>
-        <p:nvPicPr>
-          <p:cNvPr id="40" name="그림 개체 틀 39" descr="도자기 꽃 화분&#10;">
-            <a:extLst>
-              <a:ext uri="{FF2B5EF4-FFF2-40B4-BE49-F238E27FC236}">
-                <a16:creationId xmlns:a16="http://schemas.microsoft.com/office/drawing/2014/main" id="{FE402C4A-2D7B-4F41-8218-B8594E105715}"/>
-              </a:ext>
-            </a:extLst>
-          </p:cNvPr>
-          <p:cNvPicPr>
-            <a:picLocks noGrp="1" noChangeAspect="1"/>
-          </p:cNvPicPr>
-          <p:nvPr>
-            <p:ph type="pic" sz="quarter" idx="13"/>
-          </p:nvPr>
-        </p:nvPicPr>
-        <p:blipFill rotWithShape="1">
-          <a:blip r:embed="rId3" cstate="screen">
-            <a:extLst>
-              <a:ext uri="{28A0092B-C50C-407E-A947-70E740481C1C}">
-                <a14:useLocalDpi xmlns:a14="http://schemas.microsoft.com/office/drawing/2010/main" val="0"/>
-              </a:ext>
-            </a:extLst>
-          </a:blip>
-          <a:srcRect/>
-          <a:stretch/>
-        </p:blipFill>
-        <p:spPr>
-          <a:xfrm>
-            <a:off x="1524" y="5943600"/>
-            <a:ext cx="12188952" cy="914400"/>
-          </a:xfrm>
-        </p:spPr>
-      </p:pic>
-      <p:sp>
-        <p:nvSpPr>
-          <p:cNvPr id="44" name="날짜 개체 틀 43">
-            <a:extLst>
-              <a:ext uri="{FF2B5EF4-FFF2-40B4-BE49-F238E27FC236}">
-                <a16:creationId xmlns:a16="http://schemas.microsoft.com/office/drawing/2014/main" id="{61DE0949-C611-4117-B02A-4967EA7F75CB}"/>
-              </a:ext>
-            </a:extLst>
-          </p:cNvPr>
-          <p:cNvSpPr>
-            <a:spLocks noGrp="1"/>
-          </p:cNvSpPr>
-          <p:nvPr>
-            <p:ph type="dt" sz="half" idx="10"/>
-          </p:nvPr>
-        </p:nvSpPr>
-        <p:spPr>
-          <a:xfrm>
-            <a:off x="838200" y="6356350"/>
-            <a:ext cx="2743200" cy="365125"/>
-          </a:xfrm>
-        </p:spPr>
-        <p:txBody>
-          <a:bodyPr rtlCol="0"/>
-          <a:lstStyle/>
-          <a:p>
-            <a:pPr rtl="0"/>
-            <a:r>
-              <a:rPr lang="en-US" altLang="ko-KR"/>
-              <a:t>20XX</a:t>
-            </a:r>
-            <a:r>
-              <a:rPr lang="ko-KR" altLang="en-US"/>
-              <a:t>년</a:t>
-            </a:r>
-          </a:p>
-        </p:txBody>
-      </p:sp>
-      <p:sp>
-        <p:nvSpPr>
-          <p:cNvPr id="45" name="바닥글 개체 틀 44">
-            <a:extLst>
-              <a:ext uri="{FF2B5EF4-FFF2-40B4-BE49-F238E27FC236}">
-                <a16:creationId xmlns:a16="http://schemas.microsoft.com/office/drawing/2014/main" id="{6F1B995D-1532-48CE-A2C5-425EE1771DD6}"/>
-              </a:ext>
-            </a:extLst>
-          </p:cNvPr>
-          <p:cNvSpPr>
-            <a:spLocks noGrp="1"/>
-          </p:cNvSpPr>
-          <p:nvPr>
-            <p:ph type="ftr" sz="quarter" idx="11"/>
-          </p:nvPr>
-        </p:nvSpPr>
-        <p:spPr>
-          <a:xfrm>
-            <a:off x="4038600" y="6356350"/>
-            <a:ext cx="4114800" cy="365125"/>
-          </a:xfrm>
-        </p:spPr>
-        <p:txBody>
-          <a:bodyPr rtlCol="0"/>
-          <a:lstStyle/>
-          <a:p>
-            <a:pPr rtl="0"/>
-            <a:r>
-              <a:rPr lang="ko-KR" altLang="en-US"/>
-              <a:t>설명 자료 제목</a:t>
+              <a:t>보안문제점으로 인식</a:t>
             </a:r>
           </a:p>
         </p:txBody>
@@ -29575,8 +27394,8 @@
         </p:nvSpPr>
         <p:spPr>
           <a:xfrm>
-            <a:off x="6184490" y="4285772"/>
-            <a:ext cx="4114800" cy="914400"/>
+            <a:off x="6765333" y="4285772"/>
+            <a:ext cx="4739953" cy="914400"/>
           </a:xfrm>
           <a:prstGeom prst="rect">
             <a:avLst/>
@@ -29776,11 +27595,44 @@
             </a:r>
             <a:r>
               <a:rPr lang="ko-KR" altLang="en-US" dirty="0"/>
-              <a:t>구독형태 프리미엄이 </a:t>
-            </a:r>
-          </a:p>
-        </p:txBody>
-      </p:sp>
+              <a:t>구독형태 프리미엄 자료확인 </a:t>
+            </a:r>
+          </a:p>
+        </p:txBody>
+      </p:sp>
+      <p:pic>
+        <p:nvPicPr>
+          <p:cNvPr id="31" name="그림 개체 틀 30">
+            <a:extLst>
+              <a:ext uri="{FF2B5EF4-FFF2-40B4-BE49-F238E27FC236}">
+                <a16:creationId xmlns:a16="http://schemas.microsoft.com/office/drawing/2014/main" id="{B1E6F67C-0599-1DA7-F1E6-C035FE9618B8}"/>
+              </a:ext>
+            </a:extLst>
+          </p:cNvPr>
+          <p:cNvPicPr>
+            <a:picLocks noGrp="1" noChangeAspect="1"/>
+          </p:cNvPicPr>
+          <p:nvPr>
+            <p:ph type="pic" sz="quarter" idx="13"/>
+          </p:nvPr>
+        </p:nvPicPr>
+        <p:blipFill>
+          <a:blip r:embed="rId3"/>
+          <a:srcRect t="38825" b="38825"/>
+          <a:stretch>
+            <a:fillRect/>
+          </a:stretch>
+        </p:blipFill>
+        <p:spPr>
+          <a:xfrm>
+            <a:off x="1588" y="5943600"/>
+            <a:ext cx="12188825" cy="914400"/>
+          </a:xfrm>
+          <a:prstGeom prst="rect">
+            <a:avLst/>
+          </a:prstGeom>
+        </p:spPr>
+      </p:pic>
     </p:spTree>
     <p:extLst>
       <p:ext uri="{BB962C8B-B14F-4D97-AF65-F5344CB8AC3E}">
@@ -29842,87 +27694,15 @@
             <a:pPr rtl="0"/>
             <a:r>
               <a:rPr lang="ko-KR" altLang="en-US" dirty="0"/>
-              <a:t>문제접근</a:t>
+              <a:t>문제</a:t>
             </a:r>
             <a:r>
               <a:rPr lang="en-US" altLang="ko-KR" dirty="0"/>
-              <a:t>(1) – </a:t>
+              <a:t>1 - </a:t>
             </a:r>
             <a:r>
               <a:rPr lang="ko-KR" altLang="en-US" dirty="0"/>
               <a:t>데이터 특징 찾기 어려움</a:t>
-            </a:r>
-          </a:p>
-        </p:txBody>
-      </p:sp>
-      <p:sp>
-        <p:nvSpPr>
-          <p:cNvPr id="34" name="날짜 개체 틀 33">
-            <a:extLst>
-              <a:ext uri="{FF2B5EF4-FFF2-40B4-BE49-F238E27FC236}">
-                <a16:creationId xmlns:a16="http://schemas.microsoft.com/office/drawing/2014/main" id="{819C09A1-D392-4696-8592-3B25D659C0D2}"/>
-              </a:ext>
-            </a:extLst>
-          </p:cNvPr>
-          <p:cNvSpPr>
-            <a:spLocks noGrp="1"/>
-          </p:cNvSpPr>
-          <p:nvPr>
-            <p:ph type="dt" sz="half" idx="10"/>
-          </p:nvPr>
-        </p:nvSpPr>
-        <p:spPr>
-          <a:xfrm>
-            <a:off x="838200" y="6356350"/>
-            <a:ext cx="2743200" cy="365125"/>
-          </a:xfrm>
-        </p:spPr>
-        <p:txBody>
-          <a:bodyPr rtlCol="0"/>
-          <a:lstStyle/>
-          <a:p>
-            <a:pPr rtl="0"/>
-            <a:r>
-              <a:rPr lang="en-US" altLang="ko-KR"/>
-              <a:t>20XX</a:t>
-            </a:r>
-            <a:r>
-              <a:rPr lang="ko-KR" altLang="en-US"/>
-              <a:t>년</a:t>
-            </a:r>
-          </a:p>
-        </p:txBody>
-      </p:sp>
-      <p:sp>
-        <p:nvSpPr>
-          <p:cNvPr id="35" name="바닥글 개체 틀 34">
-            <a:extLst>
-              <a:ext uri="{FF2B5EF4-FFF2-40B4-BE49-F238E27FC236}">
-                <a16:creationId xmlns:a16="http://schemas.microsoft.com/office/drawing/2014/main" id="{2E431F58-579E-4114-AE23-07948460CFBD}"/>
-              </a:ext>
-            </a:extLst>
-          </p:cNvPr>
-          <p:cNvSpPr>
-            <a:spLocks noGrp="1"/>
-          </p:cNvSpPr>
-          <p:nvPr>
-            <p:ph type="ftr" sz="quarter" idx="11"/>
-          </p:nvPr>
-        </p:nvSpPr>
-        <p:spPr>
-          <a:xfrm>
-            <a:off x="6858000" y="6356350"/>
-            <a:ext cx="3448050" cy="365125"/>
-          </a:xfrm>
-        </p:spPr>
-        <p:txBody>
-          <a:bodyPr rtlCol="0"/>
-          <a:lstStyle/>
-          <a:p>
-            <a:pPr rtl="0"/>
-            <a:r>
-              <a:rPr lang="ko-KR" altLang="en-US"/>
-              <a:t>설명 자료 제목</a:t>
             </a:r>
           </a:p>
         </p:txBody>
@@ -30305,7 +28085,7 @@
         </p:nvSpPr>
         <p:spPr>
           <a:xfrm>
-            <a:off x="6331975" y="4671150"/>
+            <a:off x="6331975" y="4315987"/>
             <a:ext cx="2929007" cy="456087"/>
           </a:xfrm>
           <a:prstGeom prst="rect">
@@ -30430,85 +28210,33 @@
             <a:pPr rtl="0"/>
             <a:r>
               <a:rPr lang="ko-KR" altLang="en-US" dirty="0"/>
-              <a:t>문제접근</a:t>
+              <a:t>문제</a:t>
             </a:r>
             <a:r>
               <a:rPr lang="en-US" altLang="ko-KR" dirty="0"/>
-              <a:t>(2) </a:t>
+              <a:t>2-</a:t>
+            </a:r>
+            <a:r>
+              <a:rPr lang="ko-KR" altLang="en-US" dirty="0"/>
+              <a:t> </a:t>
+            </a:r>
+            <a:r>
+              <a:rPr lang="ko-KR" altLang="en-US" sz="3600" dirty="0" err="1"/>
+              <a:t>평균로그인시간</a:t>
+            </a:r>
+            <a:r>
+              <a:rPr lang="en-US" altLang="ko-KR" sz="3600" dirty="0"/>
+              <a:t>&gt;</a:t>
+            </a:r>
+            <a:r>
+              <a:rPr lang="ko-KR" altLang="en-US" sz="3600" dirty="0"/>
+              <a:t>평균학습세션 발견</a:t>
+            </a:r>
+            <a:r>
+              <a:rPr lang="en-US" altLang="ko-KR" sz="3600" dirty="0"/>
+              <a:t> </a:t>
             </a:r>
             <a:endParaRPr lang="ko-KR" altLang="en-US" dirty="0"/>
-          </a:p>
-        </p:txBody>
-      </p:sp>
-      <p:sp>
-        <p:nvSpPr>
-          <p:cNvPr id="34" name="날짜 개체 틀 33">
-            <a:extLst>
-              <a:ext uri="{FF2B5EF4-FFF2-40B4-BE49-F238E27FC236}">
-                <a16:creationId xmlns:a16="http://schemas.microsoft.com/office/drawing/2014/main" id="{819C09A1-D392-4696-8592-3B25D659C0D2}"/>
-              </a:ext>
-            </a:extLst>
-          </p:cNvPr>
-          <p:cNvSpPr>
-            <a:spLocks noGrp="1"/>
-          </p:cNvSpPr>
-          <p:nvPr>
-            <p:ph type="dt" sz="half" idx="10"/>
-          </p:nvPr>
-        </p:nvSpPr>
-        <p:spPr>
-          <a:xfrm>
-            <a:off x="838200" y="6356350"/>
-            <a:ext cx="2743200" cy="365125"/>
-          </a:xfrm>
-        </p:spPr>
-        <p:txBody>
-          <a:bodyPr rtlCol="0"/>
-          <a:lstStyle/>
-          <a:p>
-            <a:pPr rtl="0"/>
-            <a:r>
-              <a:rPr lang="en-US" altLang="ko-KR"/>
-              <a:t>20XX</a:t>
-            </a:r>
-            <a:r>
-              <a:rPr lang="ko-KR" altLang="en-US"/>
-              <a:t>년</a:t>
-            </a:r>
-          </a:p>
-        </p:txBody>
-      </p:sp>
-      <p:sp>
-        <p:nvSpPr>
-          <p:cNvPr id="35" name="바닥글 개체 틀 34">
-            <a:extLst>
-              <a:ext uri="{FF2B5EF4-FFF2-40B4-BE49-F238E27FC236}">
-                <a16:creationId xmlns:a16="http://schemas.microsoft.com/office/drawing/2014/main" id="{2E431F58-579E-4114-AE23-07948460CFBD}"/>
-              </a:ext>
-            </a:extLst>
-          </p:cNvPr>
-          <p:cNvSpPr>
-            <a:spLocks noGrp="1"/>
-          </p:cNvSpPr>
-          <p:nvPr>
-            <p:ph type="ftr" sz="quarter" idx="11"/>
-          </p:nvPr>
-        </p:nvSpPr>
-        <p:spPr>
-          <a:xfrm>
-            <a:off x="6858000" y="6356350"/>
-            <a:ext cx="3448050" cy="365125"/>
-          </a:xfrm>
-        </p:spPr>
-        <p:txBody>
-          <a:bodyPr rtlCol="0"/>
-          <a:lstStyle/>
-          <a:p>
-            <a:pPr rtl="0"/>
-            <a:r>
-              <a:rPr lang="ko-KR" altLang="en-US" dirty="0"/>
-              <a:t>설명 자료 제목</a:t>
-            </a:r>
           </a:p>
         </p:txBody>
       </p:sp>
@@ -30772,7 +28500,7 @@
             </a:r>
             <a:r>
               <a:rPr lang="en-US" altLang="ko-KR" dirty="0"/>
-              <a:t>(7563 vs 2437)</a:t>
+              <a:t>(2437 vs 7563)</a:t>
             </a:r>
             <a:endParaRPr lang="ko-KR" altLang="en-US" dirty="0"/>
           </a:p>
@@ -31045,84 +28773,23 @@
             <a:pPr rtl="0"/>
             <a:r>
               <a:rPr lang="ko-KR" altLang="en-US" dirty="0"/>
-              <a:t>문제접근</a:t>
+              <a:t>문제</a:t>
             </a:r>
             <a:r>
               <a:rPr lang="en-US" altLang="ko-KR" dirty="0"/>
-              <a:t>(3)</a:t>
-            </a:r>
-            <a:endParaRPr lang="ko-KR" altLang="en-US" dirty="0"/>
-          </a:p>
-        </p:txBody>
-      </p:sp>
-      <p:sp>
-        <p:nvSpPr>
-          <p:cNvPr id="34" name="날짜 개체 틀 33">
-            <a:extLst>
-              <a:ext uri="{FF2B5EF4-FFF2-40B4-BE49-F238E27FC236}">
-                <a16:creationId xmlns:a16="http://schemas.microsoft.com/office/drawing/2014/main" id="{819C09A1-D392-4696-8592-3B25D659C0D2}"/>
-              </a:ext>
-            </a:extLst>
-          </p:cNvPr>
-          <p:cNvSpPr>
-            <a:spLocks noGrp="1"/>
-          </p:cNvSpPr>
-          <p:nvPr>
-            <p:ph type="dt" sz="half" idx="10"/>
-          </p:nvPr>
-        </p:nvSpPr>
-        <p:spPr>
-          <a:xfrm>
-            <a:off x="838200" y="6356350"/>
-            <a:ext cx="2743200" cy="365125"/>
-          </a:xfrm>
-        </p:spPr>
-        <p:txBody>
-          <a:bodyPr rtlCol="0"/>
-          <a:lstStyle/>
-          <a:p>
-            <a:pPr rtl="0"/>
-            <a:r>
-              <a:rPr lang="en-US" altLang="ko-KR"/>
-              <a:t>20XX</a:t>
-            </a:r>
-            <a:r>
-              <a:rPr lang="ko-KR" altLang="en-US"/>
-              <a:t>년</a:t>
-            </a:r>
-          </a:p>
-        </p:txBody>
-      </p:sp>
-      <p:sp>
-        <p:nvSpPr>
-          <p:cNvPr id="35" name="바닥글 개체 틀 34">
-            <a:extLst>
-              <a:ext uri="{FF2B5EF4-FFF2-40B4-BE49-F238E27FC236}">
-                <a16:creationId xmlns:a16="http://schemas.microsoft.com/office/drawing/2014/main" id="{2E431F58-579E-4114-AE23-07948460CFBD}"/>
-              </a:ext>
-            </a:extLst>
-          </p:cNvPr>
-          <p:cNvSpPr>
-            <a:spLocks noGrp="1"/>
-          </p:cNvSpPr>
-          <p:nvPr>
-            <p:ph type="ftr" sz="quarter" idx="11"/>
-          </p:nvPr>
-        </p:nvSpPr>
-        <p:spPr>
-          <a:xfrm>
-            <a:off x="6858000" y="6356350"/>
-            <a:ext cx="3448050" cy="365125"/>
-          </a:xfrm>
-        </p:spPr>
-        <p:txBody>
-          <a:bodyPr rtlCol="0"/>
-          <a:lstStyle/>
-          <a:p>
-            <a:pPr rtl="0"/>
-            <a:r>
-              <a:rPr lang="ko-KR" altLang="en-US"/>
-              <a:t>설명 자료 제목</a:t>
+              <a:t>3-</a:t>
+            </a:r>
+            <a:r>
+              <a:rPr lang="ko-KR" altLang="en-US" dirty="0"/>
+              <a:t> 지불형태 </a:t>
+            </a:r>
+            <a:r>
+              <a:rPr lang="en-US" altLang="ko-KR" dirty="0"/>
+              <a:t>0</a:t>
+            </a:r>
+            <a:r>
+              <a:rPr lang="ko-KR" altLang="en-US" dirty="0"/>
+              <a:t>인 경우</a:t>
             </a:r>
           </a:p>
         </p:txBody>
@@ -31160,231 +28827,6 @@
               <a:t>8</a:t>
             </a:fld>
             <a:endParaRPr lang="ko-KR" altLang="en-US"/>
-          </a:p>
-        </p:txBody>
-      </p:sp>
-      <p:sp>
-        <p:nvSpPr>
-          <p:cNvPr id="30" name="내용 개체 틀 2">
-            <a:extLst>
-              <a:ext uri="{FF2B5EF4-FFF2-40B4-BE49-F238E27FC236}">
-                <a16:creationId xmlns:a16="http://schemas.microsoft.com/office/drawing/2014/main" id="{95AF31B1-0CA2-9173-08D2-0ED9FD076FA3}"/>
-              </a:ext>
-            </a:extLst>
-          </p:cNvPr>
-          <p:cNvSpPr txBox="1">
-            <a:spLocks/>
-          </p:cNvSpPr>
-          <p:nvPr/>
-        </p:nvSpPr>
-        <p:spPr>
-          <a:xfrm>
-            <a:off x="623952" y="1687794"/>
-            <a:ext cx="5472048" cy="457200"/>
-          </a:xfrm>
-          <a:prstGeom prst="rect">
-            <a:avLst/>
-          </a:prstGeom>
-        </p:spPr>
-        <p:txBody>
-          <a:bodyPr vert="horz" lIns="91440" tIns="45720" rIns="91440" bIns="45720" rtlCol="0" anchor="b">
-            <a:normAutofit lnSpcReduction="10000"/>
-          </a:bodyPr>
-          <a:lstStyle>
-            <a:lvl1pPr marL="228600" indent="-228600" algn="l" defTabSz="914400" rtl="0" eaLnBrk="1" latinLnBrk="1" hangingPunct="1">
-              <a:lnSpc>
-                <a:spcPct val="90000"/>
-              </a:lnSpc>
-              <a:spcBef>
-                <a:spcPts val="1000"/>
-              </a:spcBef>
-              <a:buFont typeface="Arial" panose="020B0604020202020204" pitchFamily="34" charset="0"/>
-              <a:buChar char="•"/>
-              <a:defRPr sz="2800" kern="1200">
-                <a:solidFill>
-                  <a:schemeClr val="tx1">
-                    <a:lumMod val="65000"/>
-                    <a:lumOff val="35000"/>
-                  </a:schemeClr>
-                </a:solidFill>
-                <a:latin typeface="맑은 고딕" panose="020B0503020000020004" pitchFamily="50" charset="-127"/>
-                <a:ea typeface="맑은 고딕" panose="020B0503020000020004" pitchFamily="50" charset="-127"/>
-                <a:cs typeface="+mn-cs"/>
-              </a:defRPr>
-            </a:lvl1pPr>
-            <a:lvl2pPr marL="685800" indent="-228600" algn="l" defTabSz="914400" rtl="0" eaLnBrk="1" latinLnBrk="1" hangingPunct="1">
-              <a:lnSpc>
-                <a:spcPct val="90000"/>
-              </a:lnSpc>
-              <a:spcBef>
-                <a:spcPts val="500"/>
-              </a:spcBef>
-              <a:buFont typeface="Arial" panose="020B0604020202020204" pitchFamily="34" charset="0"/>
-              <a:buChar char="•"/>
-              <a:defRPr sz="2400" kern="1200">
-                <a:solidFill>
-                  <a:schemeClr val="tx1">
-                    <a:lumMod val="65000"/>
-                    <a:lumOff val="35000"/>
-                  </a:schemeClr>
-                </a:solidFill>
-                <a:latin typeface="맑은 고딕" panose="020B0503020000020004" pitchFamily="50" charset="-127"/>
-                <a:ea typeface="맑은 고딕" panose="020B0503020000020004" pitchFamily="50" charset="-127"/>
-                <a:cs typeface="+mn-cs"/>
-              </a:defRPr>
-            </a:lvl2pPr>
-            <a:lvl3pPr marL="1143000" indent="-228600" algn="l" defTabSz="914400" rtl="0" eaLnBrk="1" latinLnBrk="1" hangingPunct="1">
-              <a:lnSpc>
-                <a:spcPct val="90000"/>
-              </a:lnSpc>
-              <a:spcBef>
-                <a:spcPts val="500"/>
-              </a:spcBef>
-              <a:buFont typeface="Arial" panose="020B0604020202020204" pitchFamily="34" charset="0"/>
-              <a:buChar char="•"/>
-              <a:defRPr sz="2000" kern="1200">
-                <a:solidFill>
-                  <a:schemeClr val="tx1">
-                    <a:lumMod val="65000"/>
-                    <a:lumOff val="35000"/>
-                  </a:schemeClr>
-                </a:solidFill>
-                <a:latin typeface="맑은 고딕" panose="020B0503020000020004" pitchFamily="50" charset="-127"/>
-                <a:ea typeface="맑은 고딕" panose="020B0503020000020004" pitchFamily="50" charset="-127"/>
-                <a:cs typeface="+mn-cs"/>
-              </a:defRPr>
-            </a:lvl3pPr>
-            <a:lvl4pPr marL="1600200" indent="-228600" algn="l" defTabSz="914400" rtl="0" eaLnBrk="1" latinLnBrk="1" hangingPunct="1">
-              <a:lnSpc>
-                <a:spcPct val="90000"/>
-              </a:lnSpc>
-              <a:spcBef>
-                <a:spcPts val="500"/>
-              </a:spcBef>
-              <a:buFont typeface="Arial" panose="020B0604020202020204" pitchFamily="34" charset="0"/>
-              <a:buChar char="•"/>
-              <a:defRPr sz="1800" kern="1200">
-                <a:solidFill>
-                  <a:schemeClr val="tx1">
-                    <a:lumMod val="65000"/>
-                    <a:lumOff val="35000"/>
-                  </a:schemeClr>
-                </a:solidFill>
-                <a:latin typeface="맑은 고딕" panose="020B0503020000020004" pitchFamily="50" charset="-127"/>
-                <a:ea typeface="맑은 고딕" panose="020B0503020000020004" pitchFamily="50" charset="-127"/>
-                <a:cs typeface="+mn-cs"/>
-              </a:defRPr>
-            </a:lvl4pPr>
-            <a:lvl5pPr marL="2057400" indent="-228600" algn="l" defTabSz="914400" rtl="0" eaLnBrk="1" latinLnBrk="1" hangingPunct="1">
-              <a:lnSpc>
-                <a:spcPct val="90000"/>
-              </a:lnSpc>
-              <a:spcBef>
-                <a:spcPts val="500"/>
-              </a:spcBef>
-              <a:buFont typeface="Arial" panose="020B0604020202020204" pitchFamily="34" charset="0"/>
-              <a:buChar char="•"/>
-              <a:defRPr sz="1800" kern="1200">
-                <a:solidFill>
-                  <a:schemeClr val="tx1">
-                    <a:lumMod val="65000"/>
-                    <a:lumOff val="35000"/>
-                  </a:schemeClr>
-                </a:solidFill>
-                <a:latin typeface="맑은 고딕" panose="020B0503020000020004" pitchFamily="50" charset="-127"/>
-                <a:ea typeface="맑은 고딕" panose="020B0503020000020004" pitchFamily="50" charset="-127"/>
-                <a:cs typeface="+mn-cs"/>
-              </a:defRPr>
-            </a:lvl5pPr>
-            <a:lvl6pPr marL="2514600" indent="-228600" algn="l" defTabSz="914400" rtl="0" eaLnBrk="1" latinLnBrk="1" hangingPunct="1">
-              <a:lnSpc>
-                <a:spcPct val="90000"/>
-              </a:lnSpc>
-              <a:spcBef>
-                <a:spcPts val="500"/>
-              </a:spcBef>
-              <a:buFont typeface="Arial" panose="020B0604020202020204" pitchFamily="34" charset="0"/>
-              <a:buChar char="•"/>
-              <a:defRPr sz="1800" kern="1200">
-                <a:solidFill>
-                  <a:schemeClr val="tx1"/>
-                </a:solidFill>
-                <a:latin typeface="+mn-lt"/>
-                <a:ea typeface="+mn-ea"/>
-                <a:cs typeface="+mn-cs"/>
-              </a:defRPr>
-            </a:lvl6pPr>
-            <a:lvl7pPr marL="2971800" indent="-228600" algn="l" defTabSz="914400" rtl="0" eaLnBrk="1" latinLnBrk="1" hangingPunct="1">
-              <a:lnSpc>
-                <a:spcPct val="90000"/>
-              </a:lnSpc>
-              <a:spcBef>
-                <a:spcPts val="500"/>
-              </a:spcBef>
-              <a:buFont typeface="Arial" panose="020B0604020202020204" pitchFamily="34" charset="0"/>
-              <a:buChar char="•"/>
-              <a:defRPr sz="1800" kern="1200">
-                <a:solidFill>
-                  <a:schemeClr val="tx1"/>
-                </a:solidFill>
-                <a:latin typeface="+mn-lt"/>
-                <a:ea typeface="+mn-ea"/>
-                <a:cs typeface="+mn-cs"/>
-              </a:defRPr>
-            </a:lvl7pPr>
-            <a:lvl8pPr marL="3429000" indent="-228600" algn="l" defTabSz="914400" rtl="0" eaLnBrk="1" latinLnBrk="1" hangingPunct="1">
-              <a:lnSpc>
-                <a:spcPct val="90000"/>
-              </a:lnSpc>
-              <a:spcBef>
-                <a:spcPts val="500"/>
-              </a:spcBef>
-              <a:buFont typeface="Arial" panose="020B0604020202020204" pitchFamily="34" charset="0"/>
-              <a:buChar char="•"/>
-              <a:defRPr sz="1800" kern="1200">
-                <a:solidFill>
-                  <a:schemeClr val="tx1"/>
-                </a:solidFill>
-                <a:latin typeface="+mn-lt"/>
-                <a:ea typeface="+mn-ea"/>
-                <a:cs typeface="+mn-cs"/>
-              </a:defRPr>
-            </a:lvl8pPr>
-            <a:lvl9pPr marL="3886200" indent="-228600" algn="l" defTabSz="914400" rtl="0" eaLnBrk="1" latinLnBrk="1" hangingPunct="1">
-              <a:lnSpc>
-                <a:spcPct val="90000"/>
-              </a:lnSpc>
-              <a:spcBef>
-                <a:spcPts val="500"/>
-              </a:spcBef>
-              <a:buFont typeface="Arial" panose="020B0604020202020204" pitchFamily="34" charset="0"/>
-              <a:buChar char="•"/>
-              <a:defRPr sz="1800" kern="1200">
-                <a:solidFill>
-                  <a:schemeClr val="tx1"/>
-                </a:solidFill>
-                <a:latin typeface="+mn-lt"/>
-                <a:ea typeface="+mn-ea"/>
-                <a:cs typeface="+mn-cs"/>
-              </a:defRPr>
-            </a:lvl9pPr>
-          </a:lstStyle>
-          <a:p>
-            <a:pPr marL="0" indent="0">
-              <a:buNone/>
-            </a:pPr>
-            <a:r>
-              <a:rPr lang="ko-KR" altLang="en-US" dirty="0"/>
-              <a:t>지불형태 </a:t>
-            </a:r>
-            <a:r>
-              <a:rPr lang="en-US" altLang="ko-KR" dirty="0"/>
-              <a:t>0</a:t>
-            </a:r>
-            <a:r>
-              <a:rPr lang="ko-KR" altLang="en-US" dirty="0"/>
-              <a:t>인 경우</a:t>
-            </a:r>
           </a:p>
         </p:txBody>
       </p:sp>
@@ -31410,8 +28852,8 @@
         </p:blipFill>
         <p:spPr>
           <a:xfrm>
-            <a:off x="4218577" y="1375661"/>
-            <a:ext cx="3432114" cy="940891"/>
+            <a:off x="7448483" y="313777"/>
+            <a:ext cx="3948315" cy="1082404"/>
           </a:xfrm>
           <a:prstGeom prst="rect">
             <a:avLst/>
@@ -31440,8 +28882,8 @@
         </p:blipFill>
         <p:spPr>
           <a:xfrm>
-            <a:off x="6520928" y="2455558"/>
-            <a:ext cx="3902470" cy="3761785"/>
+            <a:off x="6265288" y="1639340"/>
+            <a:ext cx="4707511" cy="4537804"/>
           </a:xfrm>
           <a:prstGeom prst="rect">
             <a:avLst/>
@@ -31470,8 +28912,8 @@
         </p:blipFill>
         <p:spPr>
           <a:xfrm>
-            <a:off x="1311964" y="2445404"/>
-            <a:ext cx="4498902" cy="3895121"/>
+            <a:off x="599780" y="1828800"/>
+            <a:ext cx="5211086" cy="4511725"/>
           </a:xfrm>
           <a:prstGeom prst="rect">
             <a:avLst/>
@@ -31913,79 +29355,6 @@
               <a:t>개월 이상 구독하는 경우 추측</a:t>
             </a:r>
             <a:endParaRPr lang="ko-KR" altLang="en-US" dirty="0"/>
-          </a:p>
-        </p:txBody>
-      </p:sp>
-      <p:sp>
-        <p:nvSpPr>
-          <p:cNvPr id="3" name="날짜 개체 틀 2">
-            <a:extLst>
-              <a:ext uri="{FF2B5EF4-FFF2-40B4-BE49-F238E27FC236}">
-                <a16:creationId xmlns:a16="http://schemas.microsoft.com/office/drawing/2014/main" id="{873B7B03-D1D1-4992-B605-84EC6CA56062}"/>
-              </a:ext>
-            </a:extLst>
-          </p:cNvPr>
-          <p:cNvSpPr>
-            <a:spLocks noGrp="1"/>
-          </p:cNvSpPr>
-          <p:nvPr>
-            <p:ph type="dt" sz="half" idx="43"/>
-          </p:nvPr>
-        </p:nvSpPr>
-        <p:spPr>
-          <a:xfrm>
-            <a:off x="838200" y="6356350"/>
-            <a:ext cx="2743200" cy="365125"/>
-          </a:xfrm>
-        </p:spPr>
-        <p:txBody>
-          <a:bodyPr rtlCol="0"/>
-          <a:lstStyle/>
-          <a:p>
-            <a:pPr rtl="0"/>
-            <a:r>
-              <a:rPr lang="en-US" altLang="ko-KR"/>
-              <a:t>20XX</a:t>
-            </a:r>
-            <a:r>
-              <a:rPr lang="ko-KR" altLang="en-US"/>
-              <a:t>년</a:t>
-            </a:r>
-            <a:endParaRPr lang="ko-KR" altLang="en-US" dirty="0"/>
-          </a:p>
-        </p:txBody>
-      </p:sp>
-      <p:sp>
-        <p:nvSpPr>
-          <p:cNvPr id="4" name="바닥글 개체 틀 3">
-            <a:extLst>
-              <a:ext uri="{FF2B5EF4-FFF2-40B4-BE49-F238E27FC236}">
-                <a16:creationId xmlns:a16="http://schemas.microsoft.com/office/drawing/2014/main" id="{AD1AE1DB-13CC-42B4-8C75-FA8B6C4C0944}"/>
-              </a:ext>
-            </a:extLst>
-          </p:cNvPr>
-          <p:cNvSpPr>
-            <a:spLocks noGrp="1"/>
-          </p:cNvSpPr>
-          <p:nvPr>
-            <p:ph type="ftr" sz="quarter" idx="10"/>
-          </p:nvPr>
-        </p:nvSpPr>
-        <p:spPr>
-          <a:xfrm>
-            <a:off x="4038600" y="6356350"/>
-            <a:ext cx="4114800" cy="365125"/>
-          </a:xfrm>
-        </p:spPr>
-        <p:txBody>
-          <a:bodyPr rtlCol="0"/>
-          <a:lstStyle/>
-          <a:p>
-            <a:pPr rtl="0"/>
-            <a:r>
-              <a:rPr lang="ko-KR" altLang="en-US" dirty="0"/>
-              <a:t>설명 자료 제목</a:t>
-            </a:r>
           </a:p>
         </p:txBody>
       </p:sp>

--- a/Project/DA_미니프로젝트.pptx
+++ b/Project/DA_미니프로젝트.pptx
@@ -19649,7 +19649,7 @@
           <a:p>
             <a:pPr rtl="0"/>
             <a:r>
-              <a:rPr lang="ko-KR" altLang="en-US" noProof="0"/>
+              <a:rPr lang="ko-KR" altLang="en-US" noProof="0" dirty="0"/>
               <a:t>마스터 제목 스타일 편집</a:t>
             </a:r>
           </a:p>
@@ -19884,12 +19884,9 @@
           <a:spcPct val="0"/>
         </a:spcBef>
         <a:buNone/>
-        <a:defRPr sz="4400" kern="1200">
+        <a:defRPr sz="4400" b="1" kern="1200">
           <a:solidFill>
-            <a:schemeClr val="tx1">
-              <a:lumMod val="50000"/>
-              <a:lumOff val="50000"/>
-            </a:schemeClr>
+            <a:schemeClr val="tx1"/>
           </a:solidFill>
           <a:latin typeface="맑은 고딕" panose="020B0503020000020004" pitchFamily="50" charset="-127"/>
           <a:ea typeface="맑은 고딕" panose="020B0503020000020004" pitchFamily="50" charset="-127"/>
@@ -20394,7 +20391,11 @@
           <a:p>
             <a:pPr rtl="0"/>
             <a:r>
-              <a:rPr lang="ko-KR" altLang="en-US" dirty="0"/>
+              <a:rPr lang="ko-KR" altLang="en-US" dirty="0">
+                <a:solidFill>
+                  <a:schemeClr val="tx1"/>
+                </a:solidFill>
+              </a:rPr>
               <a:t>파생변수</a:t>
             </a:r>
           </a:p>
@@ -20424,21 +20425,39 @@
         </p:spPr>
         <p:txBody>
           <a:bodyPr vert="horz" lIns="91440" tIns="45720" rIns="91440" bIns="45720" rtlCol="0" anchor="b">
-            <a:normAutofit/>
+            <a:normAutofit fontScale="92500"/>
           </a:bodyPr>
           <a:lstStyle/>
           <a:p>
             <a:pPr rtl="0"/>
             <a:r>
-              <a:rPr lang="ko-KR" altLang="en-US" dirty="0"/>
+              <a:rPr lang="ko-KR" altLang="en-US" b="1" dirty="0">
+                <a:solidFill>
+                  <a:schemeClr val="accent6">
+                    <a:lumMod val="25000"/>
+                  </a:schemeClr>
+                </a:solidFill>
+              </a:rPr>
               <a:t>평균학습세션</a:t>
             </a:r>
             <a:r>
-              <a:rPr lang="en-US" altLang="ko-KR" dirty="0"/>
+              <a:rPr lang="en-US" altLang="ko-KR" b="1" dirty="0">
+                <a:solidFill>
+                  <a:schemeClr val="accent6">
+                    <a:lumMod val="25000"/>
+                  </a:schemeClr>
+                </a:solidFill>
+              </a:rPr>
               <a:t>, </a:t>
             </a:r>
             <a:r>
-              <a:rPr lang="ko-KR" altLang="en-US" dirty="0"/>
+              <a:rPr lang="ko-KR" altLang="en-US" b="1" dirty="0">
+                <a:solidFill>
+                  <a:schemeClr val="accent6">
+                    <a:lumMod val="25000"/>
+                  </a:schemeClr>
+                </a:solidFill>
+              </a:rPr>
               <a:t>총완료코스 컬럼분석 </a:t>
             </a:r>
           </a:p>
@@ -20636,7 +20655,13 @@
           <a:p>
             <a:pPr rtl="0"/>
             <a:r>
-              <a:rPr lang="ko-KR" altLang="en-US" dirty="0"/>
+              <a:rPr lang="ko-KR" altLang="en-US" b="1" dirty="0">
+                <a:solidFill>
+                  <a:schemeClr val="accent6">
+                    <a:lumMod val="25000"/>
+                  </a:schemeClr>
+                </a:solidFill>
+              </a:rPr>
               <a:t>파생변수 생성</a:t>
             </a:r>
           </a:p>
@@ -20859,6 +20884,50 @@
           </p:spPr>
         </p:pic>
       </p:grpSp>
+      <p:sp>
+        <p:nvSpPr>
+          <p:cNvPr id="17" name="TextBox 16">
+            <a:extLst>
+              <a:ext uri="{FF2B5EF4-FFF2-40B4-BE49-F238E27FC236}">
+                <a16:creationId xmlns:a16="http://schemas.microsoft.com/office/drawing/2014/main" id="{4491B2E5-45AC-1CE4-04EA-76E410C2BC4A}"/>
+              </a:ext>
+            </a:extLst>
+          </p:cNvPr>
+          <p:cNvSpPr txBox="1"/>
+          <p:nvPr/>
+        </p:nvSpPr>
+        <p:spPr>
+          <a:xfrm>
+            <a:off x="8345236" y="6412749"/>
+            <a:ext cx="2299027" cy="369332"/>
+          </a:xfrm>
+          <a:prstGeom prst="rect">
+            <a:avLst/>
+          </a:prstGeom>
+          <a:noFill/>
+        </p:spPr>
+        <p:txBody>
+          <a:bodyPr wrap="none" rtlCol="0">
+            <a:spAutoFit/>
+          </a:bodyPr>
+          <a:lstStyle/>
+          <a:p>
+            <a:r>
+              <a:rPr lang="en-US" altLang="ko-KR" dirty="0"/>
+              <a:t>&lt;</a:t>
+            </a:r>
+            <a:r>
+              <a:rPr lang="ko-KR" altLang="en-US" dirty="0"/>
+              <a:t>파생변수 기술통계</a:t>
+            </a:r>
+            <a:r>
+              <a:rPr lang="en-US" altLang="ko-KR" dirty="0"/>
+              <a:t>&gt;</a:t>
+            </a:r>
+            <a:endParaRPr lang="ko-KR" altLang="en-US" dirty="0"/>
+          </a:p>
+        </p:txBody>
+      </p:sp>
     </p:spTree>
     <p:extLst>
       <p:ext uri="{BB962C8B-B14F-4D97-AF65-F5344CB8AC3E}">
@@ -20966,8 +21035,8 @@
         </p:nvSpPr>
         <p:spPr>
           <a:xfrm>
-            <a:off x="990203" y="1462088"/>
-            <a:ext cx="9500815" cy="457200"/>
+            <a:off x="990203" y="1435511"/>
+            <a:ext cx="10515600" cy="483778"/>
           </a:xfrm>
           <a:prstGeom prst="rect">
             <a:avLst/>
@@ -20975,7 +21044,7 @@
         </p:spPr>
         <p:txBody>
           <a:bodyPr vert="horz" lIns="91440" tIns="45720" rIns="91440" bIns="45720" rtlCol="0" anchor="b">
-            <a:normAutofit fontScale="55000" lnSpcReduction="20000"/>
+            <a:normAutofit fontScale="62500" lnSpcReduction="20000"/>
           </a:bodyPr>
           <a:lstStyle>
             <a:lvl1pPr marL="228600" indent="-228600" algn="l" defTabSz="914400" rtl="0" eaLnBrk="1" latinLnBrk="1" hangingPunct="1">
@@ -21157,22 +21226,34 @@
             </a:lvl9pPr>
           </a:lstStyle>
           <a:p>
-            <a:pPr marL="0" indent="0">
-              <a:buNone/>
+            <a:pPr>
+              <a:buClr>
+                <a:srgbClr val="C00000"/>
+              </a:buClr>
+              <a:buFont typeface="Wingdings" panose="05000000000000000000" pitchFamily="2" charset="2"/>
+              <a:buChar char="v"/>
             </a:pPr>
             <a:r>
               <a:rPr lang="ko-KR" altLang="en-US" dirty="0"/>
-              <a:t>파생변수 평균값을 기준으로 여러 경우 분석하며 값에 따라 구독유형 및 구독연장이 크게 달라짐 확인</a:t>
+              <a:t> 파생변수 평균값을 기준으로 여러 경우 분석</a:t>
+            </a:r>
+            <a:r>
+              <a:rPr lang="en-US" altLang="ko-KR" dirty="0"/>
+              <a:t>,</a:t>
+            </a:r>
+            <a:r>
+              <a:rPr lang="ko-KR" altLang="en-US" dirty="0"/>
+              <a:t> 값에 따라 구독유형 및 구독연장이 크게 달라짐 확인</a:t>
             </a:r>
           </a:p>
         </p:txBody>
       </p:sp>
       <p:pic>
         <p:nvPicPr>
-          <p:cNvPr id="18" name="그림 17">
-            <a:extLst>
-              <a:ext uri="{FF2B5EF4-FFF2-40B4-BE49-F238E27FC236}">
-                <a16:creationId xmlns:a16="http://schemas.microsoft.com/office/drawing/2014/main" id="{13EE613F-504B-1A24-0A50-83696F59E5CB}"/>
+          <p:cNvPr id="20" name="그림 19">
+            <a:extLst>
+              <a:ext uri="{FF2B5EF4-FFF2-40B4-BE49-F238E27FC236}">
+                <a16:creationId xmlns:a16="http://schemas.microsoft.com/office/drawing/2014/main" id="{2C8EA806-8BF0-9C2A-AC53-9E3B4E4938AC}"/>
               </a:ext>
             </a:extLst>
           </p:cNvPr>
@@ -21189,8 +21270,8 @@
         </p:blipFill>
         <p:spPr>
           <a:xfrm>
-            <a:off x="838200" y="2002310"/>
-            <a:ext cx="4332294" cy="1013941"/>
+            <a:off x="6173601" y="2109124"/>
+            <a:ext cx="4549534" cy="4077053"/>
           </a:xfrm>
           <a:prstGeom prst="rect">
             <a:avLst/>
@@ -21199,10 +21280,10 @@
       </p:pic>
       <p:pic>
         <p:nvPicPr>
-          <p:cNvPr id="20" name="그림 19">
-            <a:extLst>
-              <a:ext uri="{FF2B5EF4-FFF2-40B4-BE49-F238E27FC236}">
-                <a16:creationId xmlns:a16="http://schemas.microsoft.com/office/drawing/2014/main" id="{2C8EA806-8BF0-9C2A-AC53-9E3B4E4938AC}"/>
+          <p:cNvPr id="22" name="그림 21">
+            <a:extLst>
+              <a:ext uri="{FF2B5EF4-FFF2-40B4-BE49-F238E27FC236}">
+                <a16:creationId xmlns:a16="http://schemas.microsoft.com/office/drawing/2014/main" id="{6B7BF1CD-7A53-6456-F2CE-817C485A0E57}"/>
               </a:ext>
             </a:extLst>
           </p:cNvPr>
@@ -21219,8 +21300,8 @@
         </p:blipFill>
         <p:spPr>
           <a:xfrm>
-            <a:off x="5878633" y="2099292"/>
-            <a:ext cx="4549534" cy="4077053"/>
+            <a:off x="1468865" y="2046368"/>
+            <a:ext cx="3951385" cy="4328168"/>
           </a:xfrm>
           <a:prstGeom prst="rect">
             <a:avLst/>
@@ -21229,10 +21310,10 @@
       </p:pic>
       <p:pic>
         <p:nvPicPr>
-          <p:cNvPr id="22" name="그림 21">
-            <a:extLst>
-              <a:ext uri="{FF2B5EF4-FFF2-40B4-BE49-F238E27FC236}">
-                <a16:creationId xmlns:a16="http://schemas.microsoft.com/office/drawing/2014/main" id="{6B7BF1CD-7A53-6456-F2CE-817C485A0E57}"/>
+          <p:cNvPr id="23" name="그림 22">
+            <a:extLst>
+              <a:ext uri="{FF2B5EF4-FFF2-40B4-BE49-F238E27FC236}">
+                <a16:creationId xmlns:a16="http://schemas.microsoft.com/office/drawing/2014/main" id="{82C6E5C9-CE71-2719-3168-1869F2BA38C3}"/>
               </a:ext>
             </a:extLst>
           </p:cNvPr>
@@ -21249,14 +21330,138 @@
         </p:blipFill>
         <p:spPr>
           <a:xfrm>
-            <a:off x="1613650" y="3023236"/>
-            <a:ext cx="3116850" cy="3414056"/>
+            <a:off x="4931361" y="483464"/>
+            <a:ext cx="4332294" cy="1013941"/>
           </a:xfrm>
           <a:prstGeom prst="rect">
             <a:avLst/>
           </a:prstGeom>
         </p:spPr>
       </p:pic>
+      <p:sp>
+        <p:nvSpPr>
+          <p:cNvPr id="24" name="TextBox 23">
+            <a:extLst>
+              <a:ext uri="{FF2B5EF4-FFF2-40B4-BE49-F238E27FC236}">
+                <a16:creationId xmlns:a16="http://schemas.microsoft.com/office/drawing/2014/main" id="{4F86CB38-2E52-1668-2D27-9614EDCEE6AB}"/>
+              </a:ext>
+            </a:extLst>
+          </p:cNvPr>
+          <p:cNvSpPr txBox="1"/>
+          <p:nvPr/>
+        </p:nvSpPr>
+        <p:spPr>
+          <a:xfrm>
+            <a:off x="1163912" y="6308209"/>
+            <a:ext cx="4834978" cy="369332"/>
+          </a:xfrm>
+          <a:prstGeom prst="rect">
+            <a:avLst/>
+          </a:prstGeom>
+          <a:noFill/>
+        </p:spPr>
+        <p:txBody>
+          <a:bodyPr wrap="none" rtlCol="0">
+            <a:spAutoFit/>
+          </a:bodyPr>
+          <a:lstStyle/>
+          <a:p>
+            <a:r>
+              <a:rPr lang="en-US" altLang="ko-KR" dirty="0"/>
+              <a:t>&lt;</a:t>
+            </a:r>
+            <a:r>
+              <a:rPr lang="ko-KR" altLang="en-US" dirty="0"/>
+              <a:t>코스당 학습세션 </a:t>
+            </a:r>
+            <a:r>
+              <a:rPr lang="en-US" altLang="ko-KR" dirty="0"/>
+              <a:t>10</a:t>
+            </a:r>
+            <a:r>
+              <a:rPr lang="ko-KR" altLang="en-US" dirty="0"/>
+              <a:t>이상 구독연장</a:t>
+            </a:r>
+            <a:r>
+              <a:rPr lang="en-US" altLang="ko-KR" dirty="0"/>
+              <a:t>, </a:t>
+            </a:r>
+            <a:r>
+              <a:rPr lang="ko-KR" altLang="en-US" dirty="0"/>
+              <a:t>취소 비율</a:t>
+            </a:r>
+            <a:r>
+              <a:rPr lang="en-US" altLang="ko-KR" dirty="0"/>
+              <a:t>&gt;</a:t>
+            </a:r>
+            <a:endParaRPr lang="ko-KR" altLang="en-US" dirty="0"/>
+          </a:p>
+        </p:txBody>
+      </p:sp>
+      <p:sp>
+        <p:nvSpPr>
+          <p:cNvPr id="25" name="TextBox 24">
+            <a:extLst>
+              <a:ext uri="{FF2B5EF4-FFF2-40B4-BE49-F238E27FC236}">
+                <a16:creationId xmlns:a16="http://schemas.microsoft.com/office/drawing/2014/main" id="{FD62F8EB-A862-C35C-9189-B671AC56EE20}"/>
+              </a:ext>
+            </a:extLst>
+          </p:cNvPr>
+          <p:cNvSpPr txBox="1"/>
+          <p:nvPr/>
+        </p:nvSpPr>
+        <p:spPr>
+          <a:xfrm>
+            <a:off x="6096000" y="6308209"/>
+            <a:ext cx="5527475" cy="369332"/>
+          </a:xfrm>
+          <a:prstGeom prst="rect">
+            <a:avLst/>
+          </a:prstGeom>
+          <a:noFill/>
+        </p:spPr>
+        <p:txBody>
+          <a:bodyPr wrap="none" rtlCol="0">
+            <a:spAutoFit/>
+          </a:bodyPr>
+          <a:lstStyle/>
+          <a:p>
+            <a:r>
+              <a:rPr lang="en-US" altLang="ko-KR" dirty="0"/>
+              <a:t>&lt;</a:t>
+            </a:r>
+            <a:r>
+              <a:rPr lang="ko-KR" altLang="en-US" dirty="0"/>
+              <a:t>코스당 학습세션 </a:t>
+            </a:r>
+            <a:r>
+              <a:rPr lang="en-US" altLang="ko-KR" dirty="0"/>
+              <a:t>10</a:t>
+            </a:r>
+            <a:r>
+              <a:rPr lang="ko-KR" altLang="en-US" dirty="0"/>
+              <a:t>이상 구독연장</a:t>
+            </a:r>
+            <a:r>
+              <a:rPr lang="en-US" altLang="ko-KR" dirty="0"/>
+              <a:t>, </a:t>
+            </a:r>
+            <a:r>
+              <a:rPr lang="ko-KR" altLang="en-US" dirty="0" err="1"/>
+              <a:t>취소별</a:t>
+            </a:r>
+            <a:r>
+              <a:rPr lang="ko-KR" altLang="en-US" dirty="0"/>
+              <a:t> 구독타입</a:t>
+            </a:r>
+            <a:r>
+              <a:rPr lang="en-US" altLang="ko-KR" dirty="0"/>
+              <a:t>&gt;</a:t>
+            </a:r>
+            <a:endParaRPr lang="ko-KR" altLang="en-US" dirty="0"/>
+          </a:p>
+        </p:txBody>
+      </p:sp>
     </p:spTree>
     <p:extLst>
       <p:ext uri="{BB962C8B-B14F-4D97-AF65-F5344CB8AC3E}">
@@ -21555,12 +21760,16 @@
             </a:lvl9pPr>
           </a:lstStyle>
           <a:p>
-            <a:pPr marL="0" indent="0">
-              <a:buNone/>
+            <a:pPr>
+              <a:buClr>
+                <a:srgbClr val="C00000"/>
+              </a:buClr>
+              <a:buFont typeface="Wingdings" panose="05000000000000000000" pitchFamily="2" charset="2"/>
+              <a:buChar char="v"/>
             </a:pPr>
             <a:r>
               <a:rPr lang="ko-KR" altLang="en-US" dirty="0"/>
-              <a:t>총완료코스 평균값 </a:t>
+              <a:t> 총완료코스 평균값 </a:t>
             </a:r>
             <a:r>
               <a:rPr lang="en-US" altLang="ko-KR" dirty="0"/>
@@ -21595,7 +21804,7 @@
         </p:blipFill>
         <p:spPr>
           <a:xfrm>
-            <a:off x="6497494" y="1169722"/>
+            <a:off x="6497494" y="479842"/>
             <a:ext cx="4226211" cy="915863"/>
           </a:xfrm>
           <a:prstGeom prst="rect">
@@ -21625,8 +21834,8 @@
         </p:blipFill>
         <p:spPr>
           <a:xfrm>
-            <a:off x="1731975" y="2131289"/>
-            <a:ext cx="3147333" cy="4092295"/>
+            <a:off x="1731975" y="1895314"/>
+            <a:ext cx="3479122" cy="4523701"/>
           </a:xfrm>
           <a:prstGeom prst="rect">
             <a:avLst/>
@@ -21655,14 +21864,118 @@
         </p:blipFill>
         <p:spPr>
           <a:xfrm>
-            <a:off x="6769129" y="2314185"/>
-            <a:ext cx="3292125" cy="3909399"/>
+            <a:off x="6497494" y="1905314"/>
+            <a:ext cx="3787048" cy="4497120"/>
           </a:xfrm>
           <a:prstGeom prst="rect">
             <a:avLst/>
           </a:prstGeom>
         </p:spPr>
       </p:pic>
+      <p:sp>
+        <p:nvSpPr>
+          <p:cNvPr id="8" name="TextBox 7">
+            <a:extLst>
+              <a:ext uri="{FF2B5EF4-FFF2-40B4-BE49-F238E27FC236}">
+                <a16:creationId xmlns:a16="http://schemas.microsoft.com/office/drawing/2014/main" id="{FA310B8C-8AC2-A153-D82A-A63DE0F66179}"/>
+              </a:ext>
+            </a:extLst>
+          </p:cNvPr>
+          <p:cNvSpPr txBox="1"/>
+          <p:nvPr/>
+        </p:nvSpPr>
+        <p:spPr>
+          <a:xfrm>
+            <a:off x="1731975" y="6308209"/>
+            <a:ext cx="3767378" cy="369332"/>
+          </a:xfrm>
+          <a:prstGeom prst="rect">
+            <a:avLst/>
+          </a:prstGeom>
+          <a:noFill/>
+        </p:spPr>
+        <p:txBody>
+          <a:bodyPr wrap="none" rtlCol="0">
+            <a:spAutoFit/>
+          </a:bodyPr>
+          <a:lstStyle/>
+          <a:p>
+            <a:r>
+              <a:rPr lang="en-US" altLang="ko-KR" dirty="0"/>
+              <a:t>&lt;</a:t>
+            </a:r>
+            <a:r>
+              <a:rPr lang="ko-KR" altLang="en-US" dirty="0"/>
+              <a:t>총완료코스 </a:t>
+            </a:r>
+            <a:r>
+              <a:rPr lang="en-US" altLang="ko-KR" dirty="0"/>
+              <a:t>12</a:t>
+            </a:r>
+            <a:r>
+              <a:rPr lang="ko-KR" altLang="en-US" dirty="0"/>
+              <a:t> 이상 구독타입비율</a:t>
+            </a:r>
+            <a:r>
+              <a:rPr lang="en-US" altLang="ko-KR" dirty="0"/>
+              <a:t>&gt;</a:t>
+            </a:r>
+            <a:endParaRPr lang="ko-KR" altLang="en-US" dirty="0"/>
+          </a:p>
+        </p:txBody>
+      </p:sp>
+      <p:sp>
+        <p:nvSpPr>
+          <p:cNvPr id="9" name="TextBox 8">
+            <a:extLst>
+              <a:ext uri="{FF2B5EF4-FFF2-40B4-BE49-F238E27FC236}">
+                <a16:creationId xmlns:a16="http://schemas.microsoft.com/office/drawing/2014/main" id="{2CC18F04-EC71-B52D-07F2-2B10A1E69CAC}"/>
+              </a:ext>
+            </a:extLst>
+          </p:cNvPr>
+          <p:cNvSpPr txBox="1"/>
+          <p:nvPr/>
+        </p:nvSpPr>
+        <p:spPr>
+          <a:xfrm>
+            <a:off x="6438655" y="6308209"/>
+            <a:ext cx="3767378" cy="369332"/>
+          </a:xfrm>
+          <a:prstGeom prst="rect">
+            <a:avLst/>
+          </a:prstGeom>
+          <a:noFill/>
+        </p:spPr>
+        <p:txBody>
+          <a:bodyPr wrap="none" rtlCol="0">
+            <a:spAutoFit/>
+          </a:bodyPr>
+          <a:lstStyle/>
+          <a:p>
+            <a:r>
+              <a:rPr lang="en-US" altLang="ko-KR" dirty="0"/>
+              <a:t>&lt;</a:t>
+            </a:r>
+            <a:r>
+              <a:rPr lang="ko-KR" altLang="en-US" dirty="0"/>
+              <a:t>총완료코스 </a:t>
+            </a:r>
+            <a:r>
+              <a:rPr lang="en-US" altLang="ko-KR" dirty="0"/>
+              <a:t>12</a:t>
+            </a:r>
+            <a:r>
+              <a:rPr lang="ko-KR" altLang="en-US" dirty="0"/>
+              <a:t> 이하 구독타입비율</a:t>
+            </a:r>
+            <a:r>
+              <a:rPr lang="en-US" altLang="ko-KR" dirty="0"/>
+              <a:t>&gt;</a:t>
+            </a:r>
+            <a:endParaRPr lang="ko-KR" altLang="en-US" dirty="0"/>
+          </a:p>
+        </p:txBody>
+      </p:sp>
     </p:spTree>
     <p:extLst>
       <p:ext uri="{BB962C8B-B14F-4D97-AF65-F5344CB8AC3E}">
@@ -21721,7 +22034,11 @@
           <a:p>
             <a:pPr rtl="0"/>
             <a:r>
-              <a:rPr lang="ko-KR" altLang="en-US" dirty="0"/>
+              <a:rPr lang="ko-KR" altLang="en-US" dirty="0">
+                <a:solidFill>
+                  <a:schemeClr val="tx1"/>
+                </a:solidFill>
+              </a:rPr>
               <a:t>소결론</a:t>
             </a:r>
           </a:p>
@@ -21757,14 +22074,26 @@
           <a:p>
             <a:pPr rtl="0"/>
             <a:r>
-              <a:rPr lang="ko-KR" altLang="en-US" sz="3200" dirty="0"/>
+              <a:rPr lang="ko-KR" altLang="en-US" sz="3200" dirty="0">
+                <a:solidFill>
+                  <a:srgbClr val="C00000"/>
+                </a:solidFill>
+              </a:rPr>
               <a:t>문제 </a:t>
             </a:r>
             <a:r>
-              <a:rPr lang="en-US" altLang="ko-KR" sz="3200" dirty="0"/>
+              <a:rPr lang="en-US" altLang="ko-KR" sz="3200" dirty="0">
+                <a:solidFill>
+                  <a:srgbClr val="C00000"/>
+                </a:solidFill>
+              </a:rPr>
               <a:t>1</a:t>
             </a:r>
-            <a:endParaRPr lang="ko-KR" altLang="en-US" sz="3200" dirty="0"/>
+            <a:endParaRPr lang="ko-KR" altLang="en-US" sz="3200" dirty="0">
+              <a:solidFill>
+                <a:srgbClr val="C00000"/>
+              </a:solidFill>
+            </a:endParaRPr>
           </a:p>
         </p:txBody>
       </p:sp>
@@ -21789,6 +22118,11 @@
             <a:off x="2998839" y="2207455"/>
             <a:ext cx="4041058" cy="1097280"/>
           </a:xfrm>
+          <a:solidFill>
+            <a:schemeClr val="accent2">
+              <a:lumMod val="90000"/>
+            </a:schemeClr>
+          </a:solidFill>
           <a:ln>
             <a:noFill/>
           </a:ln>
@@ -21876,14 +22210,26 @@
           <a:p>
             <a:pPr rtl="0"/>
             <a:r>
-              <a:rPr lang="ko-KR" altLang="en-US" sz="3200" dirty="0"/>
+              <a:rPr lang="ko-KR" altLang="en-US" sz="3200" dirty="0">
+                <a:solidFill>
+                  <a:srgbClr val="C00000"/>
+                </a:solidFill>
+              </a:rPr>
               <a:t>문제 </a:t>
             </a:r>
             <a:r>
-              <a:rPr lang="en-US" altLang="ko-KR" sz="3200" dirty="0"/>
+              <a:rPr lang="en-US" altLang="ko-KR" sz="3200" dirty="0">
+                <a:solidFill>
+                  <a:srgbClr val="C00000"/>
+                </a:solidFill>
+              </a:rPr>
               <a:t>2</a:t>
             </a:r>
-            <a:endParaRPr lang="ko-KR" altLang="en-US" sz="3200" dirty="0"/>
+            <a:endParaRPr lang="ko-KR" altLang="en-US" sz="3200" dirty="0">
+              <a:solidFill>
+                <a:srgbClr val="C00000"/>
+              </a:solidFill>
+            </a:endParaRPr>
           </a:p>
         </p:txBody>
       </p:sp>
@@ -21908,6 +22254,11 @@
             <a:off x="2998840" y="3982394"/>
             <a:ext cx="4041058" cy="1097280"/>
           </a:xfrm>
+          <a:solidFill>
+            <a:schemeClr val="accent2">
+              <a:lumMod val="90000"/>
+            </a:schemeClr>
+          </a:solidFill>
         </p:spPr>
         <p:txBody>
           <a:bodyPr rtlCol="0"/>
@@ -22052,7 +22403,11 @@
           <a:p>
             <a:pPr rtl="0"/>
             <a:r>
-              <a:rPr lang="ko-KR" altLang="en-US" dirty="0"/>
+              <a:rPr lang="ko-KR" altLang="en-US" dirty="0">
+                <a:solidFill>
+                  <a:schemeClr val="tx1"/>
+                </a:solidFill>
+              </a:rPr>
               <a:t>그룹분석</a:t>
             </a:r>
           </a:p>
@@ -22088,19 +22443,43 @@
           <a:p>
             <a:pPr rtl="0"/>
             <a:r>
-              <a:rPr lang="ko-KR" altLang="en-US" dirty="0" err="1"/>
+              <a:rPr lang="ko-KR" altLang="en-US" b="1" dirty="0" err="1">
+                <a:solidFill>
+                  <a:schemeClr val="accent4">
+                    <a:lumMod val="75000"/>
+                  </a:schemeClr>
+                </a:solidFill>
+              </a:rPr>
               <a:t>피봇</a:t>
             </a:r>
             <a:r>
-              <a:rPr lang="ko-KR" altLang="en-US" dirty="0"/>
+              <a:rPr lang="ko-KR" altLang="en-US" b="1" dirty="0">
+                <a:solidFill>
+                  <a:schemeClr val="accent4">
+                    <a:lumMod val="75000"/>
+                  </a:schemeClr>
+                </a:solidFill>
+              </a:rPr>
               <a:t> 기능 활용</a:t>
             </a:r>
             <a:r>
-              <a:rPr lang="en-US" altLang="ko-KR" dirty="0"/>
+              <a:rPr lang="en-US" altLang="ko-KR" b="1" dirty="0">
+                <a:solidFill>
+                  <a:schemeClr val="accent4">
+                    <a:lumMod val="75000"/>
+                  </a:schemeClr>
+                </a:solidFill>
+              </a:rPr>
               <a:t>, </a:t>
             </a:r>
             <a:r>
-              <a:rPr lang="ko-KR" altLang="en-US" dirty="0"/>
+              <a:rPr lang="ko-KR" altLang="en-US" b="1" dirty="0">
+                <a:solidFill>
+                  <a:schemeClr val="accent4">
+                    <a:lumMod val="75000"/>
+                  </a:schemeClr>
+                </a:solidFill>
+              </a:rPr>
               <a:t>그룹 특성 분석</a:t>
             </a:r>
           </a:p>
@@ -22227,15 +22606,15 @@
         </p:nvSpPr>
         <p:spPr>
           <a:xfrm>
-            <a:off x="709921" y="4263551"/>
-            <a:ext cx="4324195" cy="1371600"/>
+            <a:off x="709921" y="4676509"/>
+            <a:ext cx="4324195" cy="1222849"/>
           </a:xfrm>
         </p:spPr>
         <p:txBody>
           <a:bodyPr rtlCol="0"/>
           <a:lstStyle/>
           <a:p>
-            <a:pPr algn="l">
+            <a:pPr algn="ctr">
               <a:lnSpc>
                 <a:spcPct val="150000"/>
               </a:lnSpc>
@@ -22244,7 +22623,7 @@
               </a:spcBef>
             </a:pPr>
             <a:r>
-              <a:rPr lang="ko-KR" altLang="en-US" dirty="0">
+              <a:rPr lang="ko-KR" altLang="en-US" sz="1800" dirty="0">
                 <a:solidFill>
                   <a:srgbClr val="000000"/>
                 </a:solidFill>
@@ -22253,7 +22632,7 @@
               <a:t>목표변수를 활용</a:t>
             </a:r>
             <a:r>
-              <a:rPr lang="en-US" altLang="ko-KR" dirty="0">
+              <a:rPr lang="en-US" altLang="ko-KR" sz="1800" dirty="0">
                 <a:solidFill>
                   <a:srgbClr val="000000"/>
                 </a:solidFill>
@@ -22261,8 +22640,18 @@
               </a:rPr>
               <a:t>, </a:t>
             </a:r>
-            <a:r>
-              <a:rPr lang="ko-KR" altLang="en-US" dirty="0">
+          </a:p>
+          <a:p>
+            <a:pPr algn="ctr">
+              <a:lnSpc>
+                <a:spcPct val="150000"/>
+              </a:lnSpc>
+              <a:spcBef>
+                <a:spcPts val="0"/>
+              </a:spcBef>
+            </a:pPr>
+            <a:r>
+              <a:rPr lang="ko-KR" altLang="en-US" sz="1800" dirty="0">
                 <a:solidFill>
                   <a:srgbClr val="000000"/>
                 </a:solidFill>
@@ -22271,7 +22660,7 @@
               <a:t>구독연장</a:t>
             </a:r>
             <a:r>
-              <a:rPr lang="en-US" altLang="ko-KR" dirty="0">
+              <a:rPr lang="en-US" altLang="ko-KR" sz="1800" dirty="0">
                 <a:solidFill>
                   <a:srgbClr val="000000"/>
                 </a:solidFill>
@@ -22280,7 +22669,7 @@
               <a:t>, </a:t>
             </a:r>
             <a:r>
-              <a:rPr lang="ko-KR" altLang="en-US" dirty="0">
+              <a:rPr lang="ko-KR" altLang="en-US" sz="1800" dirty="0">
                 <a:solidFill>
                   <a:srgbClr val="000000"/>
                 </a:solidFill>
@@ -22288,7 +22677,7 @@
               </a:rPr>
               <a:t>취소 특징 분석 노력</a:t>
             </a:r>
-            <a:endParaRPr lang="ko-KR" altLang="en-US" dirty="0"/>
+            <a:endParaRPr lang="ko-KR" altLang="en-US" sz="1800" dirty="0"/>
           </a:p>
         </p:txBody>
       </p:sp>
@@ -22372,12 +22761,17 @@
         </p:nvSpPr>
         <p:spPr>
           <a:xfrm rot="10800000">
-            <a:off x="1651819" y="3490891"/>
+            <a:off x="2448232" y="3851930"/>
             <a:ext cx="1034231" cy="386891"/>
           </a:xfrm>
           <a:prstGeom prst="downArrow">
             <a:avLst/>
           </a:prstGeom>
+          <a:solidFill>
+            <a:schemeClr val="accent6">
+              <a:lumMod val="25000"/>
+            </a:schemeClr>
+          </a:solidFill>
         </p:spPr>
         <p:style>
           <a:lnRef idx="2">
@@ -22401,6 +22795,70 @@
           <a:p>
             <a:pPr algn="ctr"/>
             <a:endParaRPr lang="ko-KR" altLang="en-US"/>
+          </a:p>
+        </p:txBody>
+      </p:sp>
+      <p:sp>
+        <p:nvSpPr>
+          <p:cNvPr id="24" name="TextBox 23">
+            <a:extLst>
+              <a:ext uri="{FF2B5EF4-FFF2-40B4-BE49-F238E27FC236}">
+                <a16:creationId xmlns:a16="http://schemas.microsoft.com/office/drawing/2014/main" id="{5F9578C8-6A7F-4C65-7A33-47DB5D7ED885}"/>
+              </a:ext>
+            </a:extLst>
+          </p:cNvPr>
+          <p:cNvSpPr txBox="1"/>
+          <p:nvPr/>
+        </p:nvSpPr>
+        <p:spPr>
+          <a:xfrm>
+            <a:off x="6510821" y="5963063"/>
+            <a:ext cx="5311069" cy="369332"/>
+          </a:xfrm>
+          <a:prstGeom prst="rect">
+            <a:avLst/>
+          </a:prstGeom>
+          <a:noFill/>
+        </p:spPr>
+        <p:txBody>
+          <a:bodyPr wrap="none" rtlCol="0">
+            <a:spAutoFit/>
+          </a:bodyPr>
+          <a:lstStyle/>
+          <a:p>
+            <a:r>
+              <a:rPr lang="en-US" altLang="ko-KR" dirty="0"/>
+              <a:t>&lt;</a:t>
+            </a:r>
+            <a:r>
+              <a:rPr lang="ko-KR" altLang="en-US" dirty="0"/>
+              <a:t>구독타입</a:t>
+            </a:r>
+            <a:r>
+              <a:rPr lang="en-US" altLang="ko-KR" dirty="0"/>
+              <a:t>, </a:t>
+            </a:r>
+            <a:r>
+              <a:rPr lang="ko-KR" altLang="en-US" dirty="0"/>
+              <a:t>난이도</a:t>
+            </a:r>
+            <a:r>
+              <a:rPr lang="en-US" altLang="ko-KR" dirty="0"/>
+              <a:t>, </a:t>
+            </a:r>
+            <a:r>
+              <a:rPr lang="ko-KR" altLang="en-US" dirty="0"/>
+              <a:t>구독여부별 평균학습세션 </a:t>
+            </a:r>
+            <a:r>
+              <a:rPr lang="ko-KR" altLang="en-US" dirty="0" err="1"/>
+              <a:t>피봇</a:t>
+            </a:r>
+            <a:r>
+              <a:rPr lang="en-US" altLang="ko-KR" dirty="0"/>
+              <a:t>&gt;</a:t>
+            </a:r>
+            <a:endParaRPr lang="ko-KR" altLang="en-US" dirty="0"/>
           </a:p>
         </p:txBody>
       </p:sp>
@@ -22702,12 +23160,16 @@
             </a:lvl9pPr>
           </a:lstStyle>
           <a:p>
-            <a:pPr marL="0" indent="0">
-              <a:buNone/>
+            <a:pPr>
+              <a:buClr>
+                <a:srgbClr val="C00000"/>
+              </a:buClr>
+              <a:buFont typeface="Wingdings" panose="05000000000000000000" pitchFamily="2" charset="2"/>
+              <a:buChar char="v"/>
             </a:pPr>
             <a:r>
               <a:rPr lang="ko-KR" altLang="en-US" dirty="0"/>
-              <a:t>구독형태</a:t>
+              <a:t> 구독형태</a:t>
             </a:r>
             <a:r>
               <a:rPr lang="en-US" altLang="ko-KR" dirty="0"/>
@@ -22796,6 +23258,114 @@
           </a:prstGeom>
         </p:spPr>
       </p:pic>
+      <p:sp>
+        <p:nvSpPr>
+          <p:cNvPr id="8" name="TextBox 7">
+            <a:extLst>
+              <a:ext uri="{FF2B5EF4-FFF2-40B4-BE49-F238E27FC236}">
+                <a16:creationId xmlns:a16="http://schemas.microsoft.com/office/drawing/2014/main" id="{8925D8F1-C40F-7D40-0A4B-00CC8C5AF584}"/>
+              </a:ext>
+            </a:extLst>
+          </p:cNvPr>
+          <p:cNvSpPr txBox="1"/>
+          <p:nvPr/>
+        </p:nvSpPr>
+        <p:spPr>
+          <a:xfrm>
+            <a:off x="2516366" y="6372021"/>
+            <a:ext cx="1883849" cy="369332"/>
+          </a:xfrm>
+          <a:prstGeom prst="rect">
+            <a:avLst/>
+          </a:prstGeom>
+          <a:noFill/>
+        </p:spPr>
+        <p:txBody>
+          <a:bodyPr wrap="none" rtlCol="0">
+            <a:spAutoFit/>
+          </a:bodyPr>
+          <a:lstStyle/>
+          <a:p>
+            <a:r>
+              <a:rPr lang="en-US" altLang="ko-KR" dirty="0"/>
+              <a:t>&lt;</a:t>
+            </a:r>
+            <a:r>
+              <a:rPr lang="ko-KR" altLang="en-US" dirty="0"/>
+              <a:t>원본 전체 </a:t>
+            </a:r>
+            <a:r>
+              <a:rPr lang="ko-KR" altLang="en-US" dirty="0" err="1"/>
+              <a:t>피봇</a:t>
+            </a:r>
+            <a:r>
+              <a:rPr lang="en-US" altLang="ko-KR" dirty="0"/>
+              <a:t>&gt;</a:t>
+            </a:r>
+            <a:endParaRPr lang="ko-KR" altLang="en-US" dirty="0"/>
+          </a:p>
+        </p:txBody>
+      </p:sp>
+      <p:sp>
+        <p:nvSpPr>
+          <p:cNvPr id="9" name="TextBox 8">
+            <a:extLst>
+              <a:ext uri="{FF2B5EF4-FFF2-40B4-BE49-F238E27FC236}">
+                <a16:creationId xmlns:a16="http://schemas.microsoft.com/office/drawing/2014/main" id="{8AE95976-6845-C1D9-D3BA-61C07B9B061C}"/>
+              </a:ext>
+            </a:extLst>
+          </p:cNvPr>
+          <p:cNvSpPr txBox="1"/>
+          <p:nvPr/>
+        </p:nvSpPr>
+        <p:spPr>
+          <a:xfrm>
+            <a:off x="6674235" y="6396649"/>
+            <a:ext cx="4033476" cy="369332"/>
+          </a:xfrm>
+          <a:prstGeom prst="rect">
+            <a:avLst/>
+          </a:prstGeom>
+          <a:noFill/>
+        </p:spPr>
+        <p:txBody>
+          <a:bodyPr wrap="none" rtlCol="0">
+            <a:spAutoFit/>
+          </a:bodyPr>
+          <a:lstStyle/>
+          <a:p>
+            <a:r>
+              <a:rPr lang="en-US" altLang="ko-KR" dirty="0"/>
+              <a:t>&lt;</a:t>
+            </a:r>
+            <a:r>
+              <a:rPr lang="ko-KR" altLang="en-US" dirty="0"/>
+              <a:t>파생변수</a:t>
+            </a:r>
+            <a:r>
+              <a:rPr lang="en-US" altLang="ko-KR" dirty="0"/>
+              <a:t>(</a:t>
+            </a:r>
+            <a:r>
+              <a:rPr lang="ko-KR" altLang="en-US" dirty="0" err="1"/>
+              <a:t>코스당학습세션수</a:t>
+            </a:r>
+            <a:r>
+              <a:rPr lang="en-US" altLang="ko-KR" dirty="0"/>
+              <a:t>) 10</a:t>
+            </a:r>
+            <a:r>
+              <a:rPr lang="ko-KR" altLang="en-US" dirty="0"/>
+              <a:t>이하</a:t>
+            </a:r>
+            <a:r>
+              <a:rPr lang="en-US" altLang="ko-KR" dirty="0"/>
+              <a:t>&gt;</a:t>
+            </a:r>
+            <a:endParaRPr lang="ko-KR" altLang="en-US" dirty="0"/>
+          </a:p>
+        </p:txBody>
+      </p:sp>
     </p:spTree>
     <p:extLst>
       <p:ext uri="{BB962C8B-B14F-4D97-AF65-F5344CB8AC3E}">
@@ -22948,6 +23518,110 @@
           </a:prstGeom>
         </p:spPr>
       </p:pic>
+      <p:sp>
+        <p:nvSpPr>
+          <p:cNvPr id="10" name="TextBox 9">
+            <a:extLst>
+              <a:ext uri="{FF2B5EF4-FFF2-40B4-BE49-F238E27FC236}">
+                <a16:creationId xmlns:a16="http://schemas.microsoft.com/office/drawing/2014/main" id="{6BD7614A-42AE-55DF-82EF-B0784A63E042}"/>
+              </a:ext>
+            </a:extLst>
+          </p:cNvPr>
+          <p:cNvSpPr txBox="1"/>
+          <p:nvPr/>
+        </p:nvSpPr>
+        <p:spPr>
+          <a:xfrm>
+            <a:off x="1523308" y="6171684"/>
+            <a:ext cx="3257623" cy="369332"/>
+          </a:xfrm>
+          <a:prstGeom prst="rect">
+            <a:avLst/>
+          </a:prstGeom>
+          <a:noFill/>
+        </p:spPr>
+        <p:txBody>
+          <a:bodyPr wrap="none" rtlCol="0">
+            <a:spAutoFit/>
+          </a:bodyPr>
+          <a:lstStyle/>
+          <a:p>
+            <a:r>
+              <a:rPr lang="en-US" altLang="ko-KR" dirty="0"/>
+              <a:t>&lt;</a:t>
+            </a:r>
+            <a:r>
+              <a:rPr lang="ko-KR" altLang="en-US" dirty="0"/>
+              <a:t>평균학습세션</a:t>
+            </a:r>
+            <a:r>
+              <a:rPr lang="en-US" altLang="ko-KR" dirty="0"/>
+              <a:t>vs </a:t>
+            </a:r>
+            <a:r>
+              <a:rPr lang="ko-KR" altLang="en-US" dirty="0"/>
+              <a:t>총완료코스</a:t>
+            </a:r>
+            <a:r>
+              <a:rPr lang="en-US" altLang="ko-KR" dirty="0"/>
+              <a:t>&gt;</a:t>
+            </a:r>
+            <a:endParaRPr lang="ko-KR" altLang="en-US" dirty="0"/>
+          </a:p>
+        </p:txBody>
+      </p:sp>
+      <p:sp>
+        <p:nvSpPr>
+          <p:cNvPr id="11" name="TextBox 10">
+            <a:extLst>
+              <a:ext uri="{FF2B5EF4-FFF2-40B4-BE49-F238E27FC236}">
+                <a16:creationId xmlns:a16="http://schemas.microsoft.com/office/drawing/2014/main" id="{3C1953E2-0B41-D5E1-6B24-C20ABC3774AA}"/>
+              </a:ext>
+            </a:extLst>
+          </p:cNvPr>
+          <p:cNvSpPr txBox="1"/>
+          <p:nvPr/>
+        </p:nvSpPr>
+        <p:spPr>
+          <a:xfrm>
+            <a:off x="6756527" y="6190225"/>
+            <a:ext cx="3230372" cy="369332"/>
+          </a:xfrm>
+          <a:prstGeom prst="rect">
+            <a:avLst/>
+          </a:prstGeom>
+          <a:noFill/>
+        </p:spPr>
+        <p:txBody>
+          <a:bodyPr wrap="none" rtlCol="0">
+            <a:spAutoFit/>
+          </a:bodyPr>
+          <a:lstStyle/>
+          <a:p>
+            <a:r>
+              <a:rPr lang="en-US" altLang="ko-KR" dirty="0"/>
+              <a:t>&lt;</a:t>
+            </a:r>
+            <a:r>
+              <a:rPr lang="ko-KR" altLang="en-US" dirty="0"/>
+              <a:t>총완료코스 </a:t>
+            </a:r>
+            <a:r>
+              <a:rPr lang="en-US" altLang="ko-KR" dirty="0"/>
+              <a:t>vs </a:t>
+            </a:r>
+            <a:r>
+              <a:rPr lang="ko-KR" altLang="en-US" dirty="0"/>
+              <a:t>평균학습세션</a:t>
+            </a:r>
+            <a:r>
+              <a:rPr lang="en-US" altLang="ko-KR" dirty="0"/>
+              <a:t>&gt;</a:t>
+            </a:r>
+            <a:endParaRPr lang="ko-KR" altLang="en-US" dirty="0"/>
+          </a:p>
+        </p:txBody>
+      </p:sp>
     </p:spTree>
     <p:extLst>
       <p:ext uri="{BB962C8B-B14F-4D97-AF65-F5344CB8AC3E}">
@@ -23046,7 +23720,7 @@
               <a:pPr/>
               <a:t>17</a:t>
             </a:fld>
-            <a:endParaRPr lang="ko-KR" altLang="en-US" noProof="0">
+            <a:endParaRPr lang="ko-KR" altLang="en-US" noProof="0" dirty="0">
               <a:latin typeface="맑은 고딕" panose="020B0503020000020004" pitchFamily="50" charset="-127"/>
               <a:ea typeface="맑은 고딕" panose="020B0503020000020004" pitchFamily="50" charset="-127"/>
             </a:endParaRPr>
@@ -23143,6 +23817,434 @@
           </a:prstGeom>
         </p:spPr>
       </p:pic>
+      <p:sp>
+        <p:nvSpPr>
+          <p:cNvPr id="14" name="TextBox 13">
+            <a:extLst>
+              <a:ext uri="{FF2B5EF4-FFF2-40B4-BE49-F238E27FC236}">
+                <a16:creationId xmlns:a16="http://schemas.microsoft.com/office/drawing/2014/main" id="{6D87A5FF-A9D1-35B8-5FA3-4B85DFD21D52}"/>
+              </a:ext>
+            </a:extLst>
+          </p:cNvPr>
+          <p:cNvSpPr txBox="1"/>
+          <p:nvPr/>
+        </p:nvSpPr>
+        <p:spPr>
+          <a:xfrm>
+            <a:off x="1523308" y="6171684"/>
+            <a:ext cx="2999539" cy="369332"/>
+          </a:xfrm>
+          <a:prstGeom prst="rect">
+            <a:avLst/>
+          </a:prstGeom>
+          <a:noFill/>
+        </p:spPr>
+        <p:txBody>
+          <a:bodyPr wrap="none" rtlCol="0">
+            <a:spAutoFit/>
+          </a:bodyPr>
+          <a:lstStyle/>
+          <a:p>
+            <a:r>
+              <a:rPr lang="en-US" altLang="ko-KR" dirty="0"/>
+              <a:t>&lt;</a:t>
+            </a:r>
+            <a:r>
+              <a:rPr lang="ko-KR" altLang="en-US" dirty="0"/>
+              <a:t>파생변수 </a:t>
+            </a:r>
+            <a:r>
+              <a:rPr lang="en-US" altLang="ko-KR" dirty="0"/>
+              <a:t>vs </a:t>
+            </a:r>
+            <a:r>
+              <a:rPr lang="ko-KR" altLang="en-US" dirty="0"/>
+              <a:t>평균학습세션</a:t>
+            </a:r>
+            <a:r>
+              <a:rPr lang="en-US" altLang="ko-KR" dirty="0"/>
+              <a:t>&gt;</a:t>
+            </a:r>
+            <a:endParaRPr lang="ko-KR" altLang="en-US" dirty="0"/>
+          </a:p>
+        </p:txBody>
+      </p:sp>
+      <p:sp>
+        <p:nvSpPr>
+          <p:cNvPr id="15" name="TextBox 14">
+            <a:extLst>
+              <a:ext uri="{FF2B5EF4-FFF2-40B4-BE49-F238E27FC236}">
+                <a16:creationId xmlns:a16="http://schemas.microsoft.com/office/drawing/2014/main" id="{3C922C80-1446-AF01-0CBA-C1267F42A9C6}"/>
+              </a:ext>
+            </a:extLst>
+          </p:cNvPr>
+          <p:cNvSpPr txBox="1"/>
+          <p:nvPr/>
+        </p:nvSpPr>
+        <p:spPr>
+          <a:xfrm>
+            <a:off x="4249841" y="3352608"/>
+            <a:ext cx="3126177" cy="646331"/>
+          </a:xfrm>
+          <a:prstGeom prst="rect">
+            <a:avLst/>
+          </a:prstGeom>
+          <a:noFill/>
+        </p:spPr>
+        <p:txBody>
+          <a:bodyPr wrap="none" rtlCol="0">
+            <a:spAutoFit/>
+          </a:bodyPr>
+          <a:lstStyle/>
+          <a:p>
+            <a:r>
+              <a:rPr lang="ko-KR" altLang="en-US" dirty="0"/>
+              <a:t>파생변수 </a:t>
+            </a:r>
+            <a:r>
+              <a:rPr lang="en-US" altLang="ko-KR" dirty="0"/>
+              <a:t>10</a:t>
+            </a:r>
+            <a:r>
+              <a:rPr lang="ko-KR" altLang="en-US" dirty="0"/>
+              <a:t>이상</a:t>
+            </a:r>
+            <a:r>
+              <a:rPr lang="en-US" altLang="ko-KR" dirty="0"/>
+              <a:t>, 15</a:t>
+            </a:r>
+            <a:r>
+              <a:rPr lang="ko-KR" altLang="en-US" dirty="0"/>
+              <a:t>이하</a:t>
+            </a:r>
+            <a:endParaRPr lang="en-US" altLang="ko-KR" dirty="0"/>
+          </a:p>
+          <a:p>
+            <a:r>
+              <a:rPr lang="ko-KR" altLang="en-US" dirty="0"/>
+              <a:t>평균학습세션 </a:t>
+            </a:r>
+            <a:r>
+              <a:rPr lang="en-US" altLang="ko-KR" dirty="0"/>
+              <a:t>60</a:t>
+            </a:r>
+            <a:r>
+              <a:rPr lang="ko-KR" altLang="en-US" dirty="0"/>
+              <a:t>이상 </a:t>
+            </a:r>
+            <a:r>
+              <a:rPr lang="en-US" altLang="ko-KR" dirty="0"/>
+              <a:t>90</a:t>
+            </a:r>
+            <a:r>
+              <a:rPr lang="ko-KR" altLang="en-US" dirty="0"/>
+              <a:t>이하</a:t>
+            </a:r>
+          </a:p>
+        </p:txBody>
+      </p:sp>
+      <p:sp>
+        <p:nvSpPr>
+          <p:cNvPr id="16" name="TextBox 15">
+            <a:extLst>
+              <a:ext uri="{FF2B5EF4-FFF2-40B4-BE49-F238E27FC236}">
+                <a16:creationId xmlns:a16="http://schemas.microsoft.com/office/drawing/2014/main" id="{9D2B9625-F3D6-7C44-652E-BAC4452C5F45}"/>
+              </a:ext>
+            </a:extLst>
+          </p:cNvPr>
+          <p:cNvSpPr txBox="1"/>
+          <p:nvPr/>
+        </p:nvSpPr>
+        <p:spPr>
+          <a:xfrm>
+            <a:off x="6682891" y="6123543"/>
+            <a:ext cx="2396810" cy="369332"/>
+          </a:xfrm>
+          <a:prstGeom prst="rect">
+            <a:avLst/>
+          </a:prstGeom>
+          <a:noFill/>
+        </p:spPr>
+        <p:txBody>
+          <a:bodyPr wrap="none" rtlCol="0">
+            <a:spAutoFit/>
+          </a:bodyPr>
+          <a:lstStyle/>
+          <a:p>
+            <a:r>
+              <a:rPr lang="en-US" altLang="ko-KR" dirty="0"/>
+              <a:t>&lt;</a:t>
+            </a:r>
+            <a:r>
+              <a:rPr lang="ko-KR" altLang="en-US" dirty="0"/>
+              <a:t>구독연장</a:t>
+            </a:r>
+            <a:r>
+              <a:rPr lang="en-US" altLang="ko-KR" dirty="0"/>
+              <a:t>, </a:t>
+            </a:r>
+            <a:r>
+              <a:rPr lang="ko-KR" altLang="en-US" dirty="0"/>
+              <a:t>취소 비율</a:t>
+            </a:r>
+            <a:r>
+              <a:rPr lang="en-US" altLang="ko-KR" dirty="0"/>
+              <a:t>&gt;</a:t>
+            </a:r>
+            <a:endParaRPr lang="ko-KR" altLang="en-US" dirty="0"/>
+          </a:p>
+        </p:txBody>
+      </p:sp>
+      <p:sp>
+        <p:nvSpPr>
+          <p:cNvPr id="17" name="TextBox 16">
+            <a:extLst>
+              <a:ext uri="{FF2B5EF4-FFF2-40B4-BE49-F238E27FC236}">
+                <a16:creationId xmlns:a16="http://schemas.microsoft.com/office/drawing/2014/main" id="{58A6D806-C584-B025-A71B-6EDE74D1115E}"/>
+              </a:ext>
+            </a:extLst>
+          </p:cNvPr>
+          <p:cNvSpPr txBox="1"/>
+          <p:nvPr/>
+        </p:nvSpPr>
+        <p:spPr>
+          <a:xfrm>
+            <a:off x="9864649" y="5335661"/>
+            <a:ext cx="1329210" cy="369332"/>
+          </a:xfrm>
+          <a:prstGeom prst="rect">
+            <a:avLst/>
+          </a:prstGeom>
+          <a:noFill/>
+        </p:spPr>
+        <p:txBody>
+          <a:bodyPr wrap="none" rtlCol="0">
+            <a:spAutoFit/>
+          </a:bodyPr>
+          <a:lstStyle/>
+          <a:p>
+            <a:r>
+              <a:rPr lang="en-US" altLang="ko-KR" dirty="0"/>
+              <a:t>&lt;</a:t>
+            </a:r>
+            <a:r>
+              <a:rPr lang="ko-KR" altLang="en-US" dirty="0"/>
+              <a:t>구독타입</a:t>
+            </a:r>
+            <a:r>
+              <a:rPr lang="en-US" altLang="ko-KR" dirty="0"/>
+              <a:t>&gt;</a:t>
+            </a:r>
+            <a:endParaRPr lang="ko-KR" altLang="en-US" dirty="0"/>
+          </a:p>
+        </p:txBody>
+      </p:sp>
+      <p:sp>
+        <p:nvSpPr>
+          <p:cNvPr id="18" name="타원 17">
+            <a:extLst>
+              <a:ext uri="{FF2B5EF4-FFF2-40B4-BE49-F238E27FC236}">
+                <a16:creationId xmlns:a16="http://schemas.microsoft.com/office/drawing/2014/main" id="{67026534-AD2E-4012-2896-CC7586CDE316}"/>
+              </a:ext>
+            </a:extLst>
+          </p:cNvPr>
+          <p:cNvSpPr/>
+          <p:nvPr/>
+        </p:nvSpPr>
+        <p:spPr>
+          <a:xfrm>
+            <a:off x="2163097" y="5270563"/>
+            <a:ext cx="432619" cy="393290"/>
+          </a:xfrm>
+          <a:prstGeom prst="ellipse">
+            <a:avLst/>
+          </a:prstGeom>
+          <a:noFill/>
+          <a:ln w="15875">
+            <a:solidFill>
+              <a:schemeClr val="accent5">
+                <a:lumMod val="75000"/>
+              </a:schemeClr>
+            </a:solidFill>
+          </a:ln>
+        </p:spPr>
+        <p:style>
+          <a:lnRef idx="2">
+            <a:schemeClr val="accent1">
+              <a:shade val="15000"/>
+            </a:schemeClr>
+          </a:lnRef>
+          <a:fillRef idx="1">
+            <a:schemeClr val="accent1"/>
+          </a:fillRef>
+          <a:effectRef idx="0">
+            <a:schemeClr val="accent1"/>
+          </a:effectRef>
+          <a:fontRef idx="minor">
+            <a:schemeClr val="lt1"/>
+          </a:fontRef>
+        </p:style>
+        <p:txBody>
+          <a:bodyPr rtlCol="0" anchor="ctr"/>
+          <a:lstStyle/>
+          <a:p>
+            <a:pPr algn="ctr"/>
+            <a:endParaRPr lang="ko-KR" altLang="en-US"/>
+          </a:p>
+        </p:txBody>
+      </p:sp>
+      <p:sp>
+        <p:nvSpPr>
+          <p:cNvPr id="19" name="타원 18">
+            <a:extLst>
+              <a:ext uri="{FF2B5EF4-FFF2-40B4-BE49-F238E27FC236}">
+                <a16:creationId xmlns:a16="http://schemas.microsoft.com/office/drawing/2014/main" id="{271102B1-A2E5-F48A-050E-BDA816A775FF}"/>
+              </a:ext>
+            </a:extLst>
+          </p:cNvPr>
+          <p:cNvSpPr/>
+          <p:nvPr/>
+        </p:nvSpPr>
+        <p:spPr>
+          <a:xfrm>
+            <a:off x="1381427" y="4567553"/>
+            <a:ext cx="432619" cy="393290"/>
+          </a:xfrm>
+          <a:prstGeom prst="ellipse">
+            <a:avLst/>
+          </a:prstGeom>
+          <a:noFill/>
+          <a:ln w="15875">
+            <a:solidFill>
+              <a:schemeClr val="accent5">
+                <a:lumMod val="75000"/>
+              </a:schemeClr>
+            </a:solidFill>
+          </a:ln>
+        </p:spPr>
+        <p:style>
+          <a:lnRef idx="2">
+            <a:schemeClr val="accent1">
+              <a:shade val="15000"/>
+            </a:schemeClr>
+          </a:lnRef>
+          <a:fillRef idx="1">
+            <a:schemeClr val="accent1"/>
+          </a:fillRef>
+          <a:effectRef idx="0">
+            <a:schemeClr val="accent1"/>
+          </a:effectRef>
+          <a:fontRef idx="minor">
+            <a:schemeClr val="lt1"/>
+          </a:fontRef>
+        </p:style>
+        <p:txBody>
+          <a:bodyPr rtlCol="0" anchor="ctr"/>
+          <a:lstStyle/>
+          <a:p>
+            <a:pPr algn="ctr"/>
+            <a:endParaRPr lang="ko-KR" altLang="en-US"/>
+          </a:p>
+        </p:txBody>
+      </p:sp>
+      <p:cxnSp>
+        <p:nvCxnSpPr>
+          <p:cNvPr id="25" name="직선 화살표 연결선 24">
+            <a:extLst>
+              <a:ext uri="{FF2B5EF4-FFF2-40B4-BE49-F238E27FC236}">
+                <a16:creationId xmlns:a16="http://schemas.microsoft.com/office/drawing/2014/main" id="{B113F367-B0ED-ED9C-770F-677A37F0E840}"/>
+              </a:ext>
+            </a:extLst>
+          </p:cNvPr>
+          <p:cNvCxnSpPr>
+            <a:stCxn id="19" idx="7"/>
+            <a:endCxn id="15" idx="1"/>
+          </p:cNvCxnSpPr>
+          <p:nvPr/>
+        </p:nvCxnSpPr>
+        <p:spPr>
+          <a:xfrm flipV="1">
+            <a:off x="1750690" y="3675774"/>
+            <a:ext cx="2499151" cy="949375"/>
+          </a:xfrm>
+          <a:prstGeom prst="straightConnector1">
+            <a:avLst/>
+          </a:prstGeom>
+          <a:ln w="28575">
+            <a:solidFill>
+              <a:schemeClr val="accent5">
+                <a:lumMod val="50000"/>
+              </a:schemeClr>
+            </a:solidFill>
+            <a:prstDash val="sysDash"/>
+            <a:headEnd type="none"/>
+            <a:tailEnd type="stealth"/>
+          </a:ln>
+        </p:spPr>
+        <p:style>
+          <a:lnRef idx="1">
+            <a:schemeClr val="accent1"/>
+          </a:lnRef>
+          <a:fillRef idx="0">
+            <a:schemeClr val="accent1"/>
+          </a:fillRef>
+          <a:effectRef idx="0">
+            <a:schemeClr val="accent1"/>
+          </a:effectRef>
+          <a:fontRef idx="minor">
+            <a:schemeClr val="tx1"/>
+          </a:fontRef>
+        </p:style>
+      </p:cxnSp>
+      <p:cxnSp>
+        <p:nvCxnSpPr>
+          <p:cNvPr id="27" name="직선 화살표 연결선 26">
+            <a:extLst>
+              <a:ext uri="{FF2B5EF4-FFF2-40B4-BE49-F238E27FC236}">
+                <a16:creationId xmlns:a16="http://schemas.microsoft.com/office/drawing/2014/main" id="{23164B3E-4F33-4BE4-766F-FAE9A8EDB8F8}"/>
+              </a:ext>
+            </a:extLst>
+          </p:cNvPr>
+          <p:cNvCxnSpPr>
+            <a:stCxn id="18" idx="7"/>
+            <a:endCxn id="15" idx="1"/>
+          </p:cNvCxnSpPr>
+          <p:nvPr/>
+        </p:nvCxnSpPr>
+        <p:spPr>
+          <a:xfrm flipV="1">
+            <a:off x="2532360" y="3675774"/>
+            <a:ext cx="1717481" cy="1652385"/>
+          </a:xfrm>
+          <a:prstGeom prst="straightConnector1">
+            <a:avLst/>
+          </a:prstGeom>
+          <a:ln w="28575">
+            <a:solidFill>
+              <a:schemeClr val="accent5">
+                <a:lumMod val="50000"/>
+              </a:schemeClr>
+            </a:solidFill>
+            <a:prstDash val="sysDash"/>
+            <a:headEnd type="none"/>
+            <a:tailEnd type="stealth"/>
+          </a:ln>
+        </p:spPr>
+        <p:style>
+          <a:lnRef idx="1">
+            <a:schemeClr val="accent1"/>
+          </a:lnRef>
+          <a:fillRef idx="0">
+            <a:schemeClr val="accent1"/>
+          </a:fillRef>
+          <a:effectRef idx="0">
+            <a:schemeClr val="accent1"/>
+          </a:effectRef>
+          <a:fontRef idx="minor">
+            <a:schemeClr val="tx1"/>
+          </a:fontRef>
+        </p:style>
+      </p:cxnSp>
     </p:spTree>
     <p:extLst>
       <p:ext uri="{BB962C8B-B14F-4D97-AF65-F5344CB8AC3E}">
@@ -23201,7 +24303,11 @@
           <a:p>
             <a:pPr rtl="0"/>
             <a:r>
-              <a:rPr lang="ko-KR" altLang="en-US" dirty="0"/>
+              <a:rPr lang="ko-KR" altLang="en-US" dirty="0">
+                <a:solidFill>
+                  <a:schemeClr val="tx1"/>
+                </a:solidFill>
+              </a:rPr>
               <a:t>소결론</a:t>
             </a:r>
           </a:p>
@@ -23228,6 +24334,11 @@
             <a:off x="1075206" y="2207455"/>
             <a:ext cx="1923634" cy="1097280"/>
           </a:xfrm>
+          <a:ln>
+            <a:solidFill>
+              <a:srgbClr val="C00000"/>
+            </a:solidFill>
+          </a:ln>
         </p:spPr>
         <p:txBody>
           <a:bodyPr rtlCol="0">
@@ -23269,6 +24380,11 @@
             <a:off x="2998839" y="2207455"/>
             <a:ext cx="4041058" cy="1097280"/>
           </a:xfrm>
+          <a:solidFill>
+            <a:schemeClr val="accent2">
+              <a:lumMod val="90000"/>
+            </a:schemeClr>
+          </a:solidFill>
           <a:ln>
             <a:noFill/>
           </a:ln>
@@ -23355,6 +24471,11 @@
             <a:off x="1075206" y="3982394"/>
             <a:ext cx="1923633" cy="1097280"/>
           </a:xfrm>
+          <a:ln>
+            <a:solidFill>
+              <a:srgbClr val="C00000"/>
+            </a:solidFill>
+          </a:ln>
         </p:spPr>
         <p:txBody>
           <a:bodyPr rtlCol="0">
@@ -23396,6 +24517,11 @@
             <a:off x="2998840" y="3982394"/>
             <a:ext cx="4041058" cy="1097280"/>
           </a:xfrm>
+          <a:solidFill>
+            <a:schemeClr val="accent2">
+              <a:lumMod val="90000"/>
+            </a:schemeClr>
+          </a:solidFill>
         </p:spPr>
         <p:txBody>
           <a:bodyPr rtlCol="0"/>
@@ -23517,49 +24643,6 @@
       </p:grpSpPr>
       <p:sp>
         <p:nvSpPr>
-          <p:cNvPr id="2" name="제목 1">
-            <a:extLst>
-              <a:ext uri="{FF2B5EF4-FFF2-40B4-BE49-F238E27FC236}">
-                <a16:creationId xmlns:a16="http://schemas.microsoft.com/office/drawing/2014/main" id="{935C0770-A36E-4500-AA2E-F3DE8416AD1E}"/>
-              </a:ext>
-            </a:extLst>
-          </p:cNvPr>
-          <p:cNvSpPr>
-            <a:spLocks noGrp="1"/>
-          </p:cNvSpPr>
-          <p:nvPr>
-            <p:ph type="title"/>
-          </p:nvPr>
-        </p:nvSpPr>
-        <p:spPr>
-          <a:xfrm>
-            <a:off x="838200" y="365125"/>
-            <a:ext cx="10515600" cy="1325563"/>
-          </a:xfrm>
-        </p:spPr>
-        <p:txBody>
-          <a:bodyPr rtlCol="0"/>
-          <a:lstStyle/>
-          <a:p>
-            <a:pPr rtl="0"/>
-            <a:r>
-              <a:rPr lang="ko-KR" altLang="en-US" dirty="0"/>
-              <a:t>구독유형</a:t>
-            </a:r>
-            <a:r>
-              <a:rPr lang="en-US" altLang="ko-KR" dirty="0"/>
-              <a:t>, </a:t>
-            </a:r>
-            <a:r>
-              <a:rPr lang="ko-KR" altLang="en-US" dirty="0"/>
-              <a:t>구독연장 관계</a:t>
-            </a:r>
-            <a:endParaRPr lang="ko-KR" altLang="en-ZA" dirty="0"/>
-          </a:p>
-        </p:txBody>
-      </p:sp>
-      <p:sp>
-        <p:nvSpPr>
           <p:cNvPr id="5" name="텍스트 개체 틀 4">
             <a:extLst>
               <a:ext uri="{FF2B5EF4-FFF2-40B4-BE49-F238E27FC236}">
@@ -23624,10 +24707,10 @@
           <a:p>
             <a:pPr algn="ctr" rtl="0"/>
             <a:r>
-              <a:rPr lang="ko-KR" altLang="en-US" sz="1400" dirty="0" err="1">
-                <a:solidFill>
-                  <a:schemeClr val="accent1">
-                    <a:lumMod val="90000"/>
+              <a:rPr lang="ko-KR" altLang="en-US" sz="1400" b="1" dirty="0" err="1">
+                <a:solidFill>
+                  <a:schemeClr val="accent2">
+                    <a:lumMod val="25000"/>
                   </a:schemeClr>
                 </a:solidFill>
                 <a:latin typeface="+mj-lt"/>
@@ -23635,10 +24718,10 @@
               <a:t>총완료코스수</a:t>
             </a:r>
             <a:r>
-              <a:rPr lang="ko-KR" altLang="en-US" sz="1400" dirty="0">
-                <a:solidFill>
-                  <a:schemeClr val="accent1">
-                    <a:lumMod val="90000"/>
+              <a:rPr lang="ko-KR" altLang="en-US" sz="1400" b="1" dirty="0">
+                <a:solidFill>
+                  <a:schemeClr val="accent2">
+                    <a:lumMod val="25000"/>
                   </a:schemeClr>
                 </a:solidFill>
                 <a:latin typeface="+mj-lt"/>
@@ -23646,10 +24729,10 @@
               <a:t> </a:t>
             </a:r>
             <a:r>
-              <a:rPr lang="en-US" altLang="ko-KR" sz="1400" dirty="0">
-                <a:solidFill>
-                  <a:schemeClr val="accent1">
-                    <a:lumMod val="90000"/>
+              <a:rPr lang="en-US" altLang="ko-KR" sz="1400" b="1" dirty="0">
+                <a:solidFill>
+                  <a:schemeClr val="accent2">
+                    <a:lumMod val="25000"/>
                   </a:schemeClr>
                 </a:solidFill>
                 <a:latin typeface="+mj-lt"/>
@@ -23657,20 +24740,20 @@
               <a:t>15</a:t>
             </a:r>
             <a:r>
-              <a:rPr lang="ko-KR" altLang="en-US" sz="1400" dirty="0">
-                <a:solidFill>
-                  <a:schemeClr val="accent1">
-                    <a:lumMod val="90000"/>
+              <a:rPr lang="ko-KR" altLang="en-US" sz="1400" b="1" dirty="0">
+                <a:solidFill>
+                  <a:schemeClr val="accent2">
+                    <a:lumMod val="25000"/>
                   </a:schemeClr>
                 </a:solidFill>
                 <a:latin typeface="+mj-lt"/>
               </a:rPr>
               <a:t>이상</a:t>
             </a:r>
-            <a:endParaRPr lang="en-US" altLang="ko-KR" sz="1400" dirty="0">
+            <a:endParaRPr lang="en-US" altLang="ko-KR" sz="1400" b="1" dirty="0">
               <a:solidFill>
-                <a:schemeClr val="accent1">
-                  <a:lumMod val="90000"/>
+                <a:schemeClr val="accent2">
+                  <a:lumMod val="25000"/>
                 </a:schemeClr>
               </a:solidFill>
               <a:latin typeface="+mj-lt"/>
@@ -23778,7 +24861,9 @@
             <a:r>
               <a:rPr lang="ko-KR" altLang="en-US" sz="1400" b="1" dirty="0" err="1">
                 <a:solidFill>
-                  <a:schemeClr val="accent5"/>
+                  <a:schemeClr val="accent6">
+                    <a:lumMod val="25000"/>
+                  </a:schemeClr>
                 </a:solidFill>
               </a:rPr>
               <a:t>총완료코스수</a:t>
@@ -23786,7 +24871,9 @@
             <a:r>
               <a:rPr lang="ko-KR" altLang="en-US" sz="1400" b="1" dirty="0">
                 <a:solidFill>
-                  <a:schemeClr val="accent5"/>
+                  <a:schemeClr val="accent6">
+                    <a:lumMod val="25000"/>
+                  </a:schemeClr>
                 </a:solidFill>
               </a:rPr>
               <a:t> </a:t>
@@ -23794,7 +24881,9 @@
             <a:r>
               <a:rPr lang="en-US" altLang="ko-KR" sz="1400" b="1" dirty="0">
                 <a:solidFill>
-                  <a:schemeClr val="accent5"/>
+                  <a:schemeClr val="accent6">
+                    <a:lumMod val="25000"/>
+                  </a:schemeClr>
                 </a:solidFill>
               </a:rPr>
               <a:t>12</a:t>
@@ -23802,14 +24891,18 @@
             <a:r>
               <a:rPr lang="ko-KR" altLang="en-US" sz="1400" b="1" dirty="0">
                 <a:solidFill>
-                  <a:schemeClr val="accent5"/>
+                  <a:schemeClr val="accent6">
+                    <a:lumMod val="25000"/>
+                  </a:schemeClr>
                 </a:solidFill>
               </a:rPr>
               <a:t>이하</a:t>
             </a:r>
             <a:endParaRPr lang="en-US" altLang="ko-KR" sz="1400" b="1" dirty="0">
               <a:solidFill>
-                <a:schemeClr val="accent5"/>
+                <a:schemeClr val="accent6">
+                  <a:lumMod val="25000"/>
+                </a:schemeClr>
               </a:solidFill>
             </a:endParaRPr>
           </a:p>
@@ -23909,7 +25002,9 @@
             <a:avLst/>
           </a:prstGeom>
           <a:solidFill>
-            <a:schemeClr val="accent5"/>
+            <a:schemeClr val="accent6">
+              <a:lumMod val="25000"/>
+            </a:schemeClr>
           </a:solidFill>
           <a:ln>
             <a:noFill/>
@@ -24021,8 +25116,8 @@
         </p:blipFill>
         <p:spPr>
           <a:xfrm>
-            <a:off x="3662290" y="3194643"/>
-            <a:ext cx="3551228" cy="518205"/>
+            <a:off x="3217377" y="2939197"/>
+            <a:ext cx="3684867" cy="757732"/>
           </a:xfrm>
           <a:prstGeom prst="rect">
             <a:avLst/>
@@ -24051,8 +25146,8 @@
         </p:blipFill>
         <p:spPr>
           <a:xfrm>
-            <a:off x="5704613" y="5628715"/>
-            <a:ext cx="3581710" cy="472481"/>
+            <a:off x="5437904" y="5562042"/>
+            <a:ext cx="3848419" cy="655842"/>
           </a:xfrm>
           <a:prstGeom prst="rect">
             <a:avLst/>
@@ -24081,8 +25176,8 @@
         </p:blipFill>
         <p:spPr>
           <a:xfrm>
-            <a:off x="9670298" y="4047289"/>
-            <a:ext cx="1555024" cy="2445586"/>
+            <a:off x="9538274" y="3883484"/>
+            <a:ext cx="2103120" cy="2609391"/>
           </a:xfrm>
           <a:prstGeom prst="rect">
             <a:avLst/>
@@ -24111,14 +25206,73 @@
         </p:blipFill>
         <p:spPr>
           <a:xfrm>
-            <a:off x="1581883" y="995211"/>
-            <a:ext cx="1519479" cy="2548963"/>
+            <a:off x="1520952" y="915085"/>
+            <a:ext cx="1734678" cy="2909965"/>
           </a:xfrm>
           <a:prstGeom prst="rect">
             <a:avLst/>
           </a:prstGeom>
         </p:spPr>
       </p:pic>
+      <p:sp>
+        <p:nvSpPr>
+          <p:cNvPr id="2" name="제목 1">
+            <a:extLst>
+              <a:ext uri="{FF2B5EF4-FFF2-40B4-BE49-F238E27FC236}">
+                <a16:creationId xmlns:a16="http://schemas.microsoft.com/office/drawing/2014/main" id="{935C0770-A36E-4500-AA2E-F3DE8416AD1E}"/>
+              </a:ext>
+            </a:extLst>
+          </p:cNvPr>
+          <p:cNvSpPr>
+            <a:spLocks noGrp="1"/>
+          </p:cNvSpPr>
+          <p:nvPr>
+            <p:ph type="title"/>
+          </p:nvPr>
+        </p:nvSpPr>
+        <p:spPr>
+          <a:xfrm>
+            <a:off x="838200" y="365125"/>
+            <a:ext cx="10515600" cy="1325563"/>
+          </a:xfrm>
+        </p:spPr>
+        <p:txBody>
+          <a:bodyPr rtlCol="0"/>
+          <a:lstStyle/>
+          <a:p>
+            <a:pPr rtl="0"/>
+            <a:r>
+              <a:rPr lang="ko-KR" altLang="en-US" dirty="0">
+                <a:solidFill>
+                  <a:schemeClr val="tx1"/>
+                </a:solidFill>
+              </a:rPr>
+              <a:t>구독유형</a:t>
+            </a:r>
+            <a:r>
+              <a:rPr lang="en-US" altLang="ko-KR" dirty="0">
+                <a:solidFill>
+                  <a:schemeClr val="tx1"/>
+                </a:solidFill>
+              </a:rPr>
+              <a:t>, </a:t>
+            </a:r>
+            <a:r>
+              <a:rPr lang="ko-KR" altLang="en-US" dirty="0">
+                <a:solidFill>
+                  <a:schemeClr val="tx1"/>
+                </a:solidFill>
+              </a:rPr>
+              <a:t>구독연장 관계</a:t>
+            </a:r>
+            <a:endParaRPr lang="ko-KR" altLang="en-ZA" dirty="0">
+              <a:solidFill>
+                <a:schemeClr val="tx1"/>
+              </a:solidFill>
+            </a:endParaRPr>
+          </a:p>
+        </p:txBody>
+      </p:sp>
     </p:spTree>
     <p:extLst>
       <p:ext uri="{BB962C8B-B14F-4D97-AF65-F5344CB8AC3E}">
@@ -24177,7 +25331,11 @@
           <a:p>
             <a:pPr rtl="0"/>
             <a:r>
-              <a:rPr lang="ko-KR" altLang="en-US" dirty="0"/>
+              <a:rPr lang="ko-KR" altLang="en-US" dirty="0">
+                <a:solidFill>
+                  <a:schemeClr val="tx1"/>
+                </a:solidFill>
+              </a:rPr>
               <a:t>프로젝트 소개</a:t>
             </a:r>
           </a:p>
@@ -24250,7 +25408,7 @@
               <a:buChar char="§"/>
             </a:pPr>
             <a:r>
-              <a:rPr lang="ko-KR" altLang="en-US" dirty="0"/>
+              <a:rPr lang="ko-KR" altLang="en-US" b="1" dirty="0"/>
               <a:t>주제</a:t>
             </a:r>
             <a:r>
@@ -24269,7 +25427,7 @@
               <a:buChar char="§"/>
             </a:pPr>
             <a:r>
-              <a:rPr lang="ko-KR" altLang="en-US" dirty="0"/>
+              <a:rPr lang="ko-KR" altLang="en-US" b="1" dirty="0"/>
               <a:t>개요</a:t>
             </a:r>
             <a:r>
@@ -24351,7 +25509,7 @@
         </p:blipFill>
         <p:spPr>
           <a:xfrm>
-            <a:off x="2760306" y="2780215"/>
+            <a:off x="2838964" y="3026022"/>
             <a:ext cx="7783400" cy="3153130"/>
           </a:xfrm>
           <a:prstGeom prst="rect">
@@ -24464,7 +25622,13 @@
           </a:bodyPr>
           <a:lstStyle/>
           <a:p>
-            <a:pPr rtl="0"/>
+            <a:pPr marL="342900" indent="-342900" rtl="0">
+              <a:buClr>
+                <a:srgbClr val="C00000"/>
+              </a:buClr>
+              <a:buFont typeface="Wingdings" panose="05000000000000000000" pitchFamily="2" charset="2"/>
+              <a:buChar char="v"/>
+            </a:pPr>
             <a:r>
               <a:rPr lang="ko-KR" altLang="en-US" dirty="0"/>
               <a:t>일반</a:t>
@@ -24624,7 +25788,7 @@
         </p:spPr>
         <p:txBody>
           <a:bodyPr vert="horz" lIns="91440" tIns="45720" rIns="91440" bIns="45720" rtlCol="0" anchor="ctr" anchorCtr="0">
-            <a:normAutofit fontScale="92500"/>
+            <a:normAutofit fontScale="92500" lnSpcReduction="20000"/>
           </a:bodyPr>
           <a:lstStyle>
             <a:lvl1pPr marL="0" indent="0" algn="l" defTabSz="914400" rtl="0" eaLnBrk="1" latinLnBrk="1" hangingPunct="1">
@@ -24806,11 +25970,15 @@
             </a:lvl9pPr>
           </a:lstStyle>
           <a:p>
-            <a:pPr>
+            <a:pPr marL="265113" indent="-265113">
               <a:lnSpc>
                 <a:spcPct val="110000"/>
               </a:lnSpc>
             </a:pPr>
+            <a:r>
+              <a:rPr lang="en-US" altLang="ko-KR" dirty="0"/>
+              <a:t>1) </a:t>
+            </a:r>
             <a:r>
               <a:rPr lang="ko-KR" altLang="en-US" dirty="0"/>
               <a:t>학습시간이 그룹 평균 </a:t>
@@ -25049,12 +26217,16 @@
             </a:lvl9pPr>
           </a:lstStyle>
           <a:p>
-            <a:pPr>
+            <a:pPr marL="265113" indent="-265113">
               <a:lnSpc>
                 <a:spcPct val="110000"/>
               </a:lnSpc>
             </a:pPr>
             <a:r>
+              <a:rPr lang="en-US" altLang="ko-KR" dirty="0"/>
+              <a:t>2) </a:t>
+            </a:r>
+            <a:r>
               <a:rPr lang="ko-KR" altLang="en-US" dirty="0"/>
               <a:t>학습시간이 그룹평균 </a:t>
             </a:r>
@@ -25064,11 +26236,67 @@
             </a:r>
             <a:r>
               <a:rPr lang="ko-KR" altLang="en-US" dirty="0"/>
-              <a:t>이상일 경우 프리미엄 전환 안내 발송 등</a:t>
+              <a:t>이상일 경우 </a:t>
+            </a:r>
+            <a:r>
+              <a:rPr lang="en-US" altLang="ko-KR" dirty="0"/>
+              <a:t> </a:t>
+            </a:r>
+            <a:r>
+              <a:rPr lang="ko-KR" altLang="en-US" dirty="0"/>
+              <a:t>프리미엄 전환 안내 발송 등</a:t>
             </a:r>
             <a:r>
               <a:rPr lang="en-US" altLang="ko-KR" dirty="0"/>
               <a:t>.</a:t>
+            </a:r>
+            <a:endParaRPr lang="ko-KR" altLang="en-US" dirty="0"/>
+          </a:p>
+        </p:txBody>
+      </p:sp>
+      <p:sp>
+        <p:nvSpPr>
+          <p:cNvPr id="29" name="TextBox 28">
+            <a:extLst>
+              <a:ext uri="{FF2B5EF4-FFF2-40B4-BE49-F238E27FC236}">
+                <a16:creationId xmlns:a16="http://schemas.microsoft.com/office/drawing/2014/main" id="{A34B3022-8211-57F2-1D23-CF794F37BC17}"/>
+              </a:ext>
+            </a:extLst>
+          </p:cNvPr>
+          <p:cNvSpPr txBox="1"/>
+          <p:nvPr/>
+        </p:nvSpPr>
+        <p:spPr>
+          <a:xfrm>
+            <a:off x="2093579" y="6356350"/>
+            <a:ext cx="1883849" cy="369332"/>
+          </a:xfrm>
+          <a:prstGeom prst="rect">
+            <a:avLst/>
+          </a:prstGeom>
+          <a:noFill/>
+        </p:spPr>
+        <p:txBody>
+          <a:bodyPr wrap="none" rtlCol="0">
+            <a:spAutoFit/>
+          </a:bodyPr>
+          <a:lstStyle/>
+          <a:p>
+            <a:r>
+              <a:rPr lang="en-US" altLang="ko-KR" dirty="0"/>
+              <a:t>&lt;</a:t>
+            </a:r>
+            <a:r>
+              <a:rPr lang="ko-KR" altLang="en-US" dirty="0"/>
+              <a:t>원본 전체 </a:t>
+            </a:r>
+            <a:r>
+              <a:rPr lang="ko-KR" altLang="en-US" dirty="0" err="1"/>
+              <a:t>피봇</a:t>
+            </a:r>
+            <a:r>
+              <a:rPr lang="en-US" altLang="ko-KR" dirty="0"/>
+              <a:t>&gt;</a:t>
             </a:r>
             <a:endParaRPr lang="ko-KR" altLang="en-US" dirty="0"/>
           </a:p>
@@ -25132,7 +26360,11 @@
           <a:p>
             <a:pPr rtl="0"/>
             <a:r>
-              <a:rPr lang="ko-KR" altLang="en-US" dirty="0"/>
+              <a:rPr lang="ko-KR" altLang="en-US" dirty="0">
+                <a:solidFill>
+                  <a:srgbClr val="002060"/>
+                </a:solidFill>
+              </a:rPr>
               <a:t>결론</a:t>
             </a:r>
           </a:p>
@@ -25156,25 +26388,26 @@
         </p:nvSpPr>
         <p:spPr>
           <a:xfrm>
-            <a:off x="1143000" y="1610979"/>
-            <a:ext cx="10210800" cy="4317873"/>
+            <a:off x="1143000" y="1504335"/>
+            <a:ext cx="10210800" cy="4945626"/>
           </a:xfrm>
         </p:spPr>
         <p:txBody>
           <a:bodyPr vert="horz" lIns="91440" tIns="45720" rIns="91440" bIns="45720" rtlCol="0" anchor="t">
-            <a:normAutofit/>
+            <a:normAutofit fontScale="85000" lnSpcReduction="10000"/>
           </a:bodyPr>
           <a:lstStyle/>
           <a:p>
-            <a:pPr rtl="0">
+            <a:pPr marL="342900" indent="-342900" rtl="0">
               <a:lnSpc>
-                <a:spcPct val="150000"/>
+                <a:spcPct val="250000"/>
               </a:lnSpc>
+              <a:buClr>
+                <a:srgbClr val="0070C0"/>
+              </a:buClr>
+              <a:buFont typeface="Wingdings" panose="05000000000000000000" pitchFamily="2" charset="2"/>
+              <a:buChar char="Ø"/>
             </a:pPr>
-            <a:r>
-              <a:rPr lang="ko-KR" altLang="en-US" dirty="0"/>
-              <a:t>* </a:t>
-            </a:r>
             <a:r>
               <a:rPr lang="ko-KR" altLang="en-US" sz="2400" dirty="0"/>
               <a:t>구독유형과 구독연장 결정에 </a:t>
@@ -25197,14 +26430,19 @@
             </a:r>
           </a:p>
           <a:p>
-            <a:pPr rtl="0">
+            <a:pPr marL="342900" indent="-342900" rtl="0">
               <a:lnSpc>
-                <a:spcPct val="150000"/>
+                <a:spcPct val="250000"/>
               </a:lnSpc>
+              <a:buClr>
+                <a:srgbClr val="0070C0"/>
+              </a:buClr>
+              <a:buFont typeface="Wingdings" panose="05000000000000000000" pitchFamily="2" charset="2"/>
+              <a:buChar char="Ø"/>
             </a:pPr>
             <a:r>
               <a:rPr lang="ko-KR" altLang="en-US" sz="2400" dirty="0"/>
-              <a:t>* 여러 경우를 분석하여 각 </a:t>
+              <a:t>여러 경우를 분석하여 각 </a:t>
             </a:r>
             <a:r>
               <a:rPr lang="ko-KR" altLang="en-US" sz="2400" dirty="0" err="1"/>
@@ -25212,53 +26450,67 @@
             </a:r>
             <a:r>
               <a:rPr lang="ko-KR" altLang="en-US" sz="2400" dirty="0"/>
-              <a:t> 알아낸 후 코호트 생성 가능하며</a:t>
+              <a:t> 알아낸 후 코호트 생성</a:t>
             </a:r>
             <a:r>
               <a:rPr lang="en-US" altLang="ko-KR" sz="2400" dirty="0"/>
               <a:t>, </a:t>
             </a:r>
+            <a:br>
+              <a:rPr lang="en-US" altLang="ko-KR" sz="2400" dirty="0"/>
+            </a:br>
             <a:r>
               <a:rPr lang="ko-KR" altLang="en-US" sz="2400" dirty="0" err="1"/>
               <a:t>코호트별</a:t>
             </a:r>
             <a:r>
               <a:rPr lang="ko-KR" altLang="en-US" sz="2400" dirty="0"/>
-              <a:t> 대응전략 수립 구독연장과 구독유형을 높일 수 있음 확인</a:t>
-            </a:r>
-          </a:p>
-          <a:p>
-            <a:pPr rtl="0">
+              <a:t> 전략 수립 구독연장과 구독유형 비율을 높일 가능성 확인</a:t>
+            </a:r>
+          </a:p>
+          <a:p>
+            <a:pPr marL="342900" indent="-342900" rtl="0">
               <a:lnSpc>
-                <a:spcPct val="150000"/>
+                <a:spcPct val="250000"/>
               </a:lnSpc>
+              <a:buClr>
+                <a:srgbClr val="0070C0"/>
+              </a:buClr>
+              <a:buFont typeface="Wingdings" panose="05000000000000000000" pitchFamily="2" charset="2"/>
+              <a:buChar char="Ø"/>
             </a:pPr>
             <a:r>
               <a:rPr lang="ko-KR" altLang="en-US" sz="2400" dirty="0"/>
-              <a:t>* 구독타입 프리미엄 유형을 통해 다수의 코스를 수강 확인</a:t>
-            </a:r>
-          </a:p>
-          <a:p>
-            <a:pPr rtl="0">
+              <a:t>구독타입 프리미엄 유형을 통해 다수의 코스를 수강 추측</a:t>
+            </a:r>
+          </a:p>
+          <a:p>
+            <a:pPr marL="342900" indent="-342900" rtl="0">
               <a:lnSpc>
-                <a:spcPct val="150000"/>
+                <a:spcPct val="250000"/>
               </a:lnSpc>
+              <a:buClr>
+                <a:srgbClr val="0070C0"/>
+              </a:buClr>
+              <a:buFont typeface="Wingdings" panose="05000000000000000000" pitchFamily="2" charset="2"/>
+              <a:buChar char="Ø"/>
             </a:pPr>
             <a:r>
               <a:rPr lang="ko-KR" altLang="en-US" sz="2400" dirty="0"/>
-              <a:t>* 완료한 코스수가 낮아질수록 구독타입 중 베이직 비율이 높아짐</a:t>
-            </a:r>
-          </a:p>
-          <a:p>
-            <a:pPr rtl="0">
+              <a:t>완료한 코스수가 낮아질수록 구독타입 중 일반 비율이 높아짐</a:t>
+            </a:r>
+          </a:p>
+          <a:p>
+            <a:pPr marL="342900" indent="-342900" rtl="0">
               <a:lnSpc>
-                <a:spcPct val="150000"/>
+                <a:spcPct val="250000"/>
               </a:lnSpc>
+              <a:buClr>
+                <a:srgbClr val="0070C0"/>
+              </a:buClr>
+              <a:buFont typeface="Wingdings" panose="05000000000000000000" pitchFamily="2" charset="2"/>
+              <a:buChar char="Ø"/>
             </a:pPr>
-            <a:r>
-              <a:rPr lang="ko-KR" altLang="en-US" sz="2400" dirty="0"/>
-              <a:t>* </a:t>
-            </a:r>
             <a:r>
               <a:rPr lang="ko-KR" altLang="en-US" sz="2400" dirty="0" err="1"/>
               <a:t>피봇테이블을</a:t>
@@ -25354,7 +26606,7 @@
         </p:nvSpPr>
         <p:spPr>
           <a:xfrm>
-            <a:off x="6295103" y="3008571"/>
+            <a:off x="3915696" y="4858106"/>
             <a:ext cx="5029200" cy="1371600"/>
           </a:xfrm>
         </p:spPr>
@@ -25364,11 +26616,24 @@
           <a:p>
             <a:pPr rtl="0"/>
             <a:r>
-              <a:rPr lang="ko-KR" altLang="en-US" dirty="0"/>
+              <a:rPr lang="ko-KR" altLang="en-US" dirty="0">
+                <a:solidFill>
+                  <a:schemeClr val="accent6">
+                    <a:lumMod val="25000"/>
+                  </a:schemeClr>
+                </a:solidFill>
+              </a:rPr>
               <a:t>감사합니다</a:t>
             </a:r>
             <a:r>
-              <a:rPr lang="en-US" altLang="ko-KR" dirty="0"/>
+              <a:rPr lang="en-US" altLang="ko-KR" dirty="0">
+                <a:solidFill>
+                  <a:schemeClr val="tx2">
+                    <a:lumMod val="60000"/>
+                    <a:lumOff val="40000"/>
+                  </a:schemeClr>
+                </a:solidFill>
+              </a:rPr>
               <a:t>.</a:t>
             </a:r>
           </a:p>
@@ -25408,42 +26673,6 @@
           </a:xfrm>
         </p:spPr>
       </p:pic>
-      <p:sp>
-        <p:nvSpPr>
-          <p:cNvPr id="13" name="슬라이드 번호 개체 틀 12">
-            <a:extLst>
-              <a:ext uri="{FF2B5EF4-FFF2-40B4-BE49-F238E27FC236}">
-                <a16:creationId xmlns:a16="http://schemas.microsoft.com/office/drawing/2014/main" id="{9003F562-A29C-45D7-86BC-706CBD6A19D5}"/>
-              </a:ext>
-            </a:extLst>
-          </p:cNvPr>
-          <p:cNvSpPr>
-            <a:spLocks noGrp="1"/>
-          </p:cNvSpPr>
-          <p:nvPr>
-            <p:ph type="sldNum" sz="quarter" idx="12"/>
-          </p:nvPr>
-        </p:nvSpPr>
-        <p:spPr>
-          <a:xfrm>
-            <a:off x="8610600" y="6356350"/>
-            <a:ext cx="2743200" cy="365125"/>
-          </a:xfrm>
-        </p:spPr>
-        <p:txBody>
-          <a:bodyPr rtlCol="0"/>
-          <a:lstStyle/>
-          <a:p>
-            <a:pPr rtl="0"/>
-            <a:fld id="{B5CEABB6-07DC-46E8-9B57-56EC44A396E5}" type="slidenum">
-              <a:rPr lang="en-US" altLang="ko-KR" smtClean="0"/>
-              <a:pPr rtl="0"/>
-              <a:t>22</a:t>
-            </a:fld>
-            <a:endParaRPr lang="ko-KR" altLang="en-US"/>
-          </a:p>
-        </p:txBody>
-      </p:sp>
       <p:pic>
         <p:nvPicPr>
           <p:cNvPr id="10" name="그림 9">
@@ -25466,8 +26695,8 @@
         </p:blipFill>
         <p:spPr>
           <a:xfrm>
-            <a:off x="4563910" y="1437474"/>
-            <a:ext cx="5418290" cy="990686"/>
+            <a:off x="3531523" y="1919254"/>
+            <a:ext cx="6979990" cy="1276229"/>
           </a:xfrm>
           <a:prstGeom prst="rect">
             <a:avLst/>
@@ -26120,6 +27349,9 @@
           <a:prstGeom prst="rightArrow">
             <a:avLst/>
           </a:prstGeom>
+          <a:solidFill>
+            <a:srgbClr val="002060"/>
+          </a:solidFill>
         </p:spPr>
         <p:style>
           <a:lnRef idx="2">
@@ -26166,6 +27398,9 @@
           <a:prstGeom prst="rightArrow">
             <a:avLst/>
           </a:prstGeom>
+          <a:solidFill>
+            <a:srgbClr val="002060"/>
+          </a:solidFill>
         </p:spPr>
         <p:style>
           <a:lnRef idx="2">
@@ -26250,7 +27485,11 @@
           <a:p>
             <a:pPr rtl="0"/>
             <a:r>
-              <a:rPr lang="ko-KR" altLang="en-US" dirty="0"/>
+              <a:rPr lang="ko-KR" altLang="en-US" dirty="0">
+                <a:solidFill>
+                  <a:schemeClr val="tx1"/>
+                </a:solidFill>
+              </a:rPr>
               <a:t>데이터 특성 분석</a:t>
             </a:r>
           </a:p>
@@ -26286,7 +27525,7 @@
           <a:p>
             <a:pPr rtl="0"/>
             <a:r>
-              <a:rPr lang="ko-KR" altLang="en-US" dirty="0"/>
+              <a:rPr lang="ko-KR" altLang="en-US" b="1" dirty="0"/>
               <a:t>기술통계 분석</a:t>
             </a:r>
           </a:p>
@@ -26534,7 +27773,7 @@
           <a:p>
             <a:pPr rtl="0"/>
             <a:r>
-              <a:rPr lang="ko-KR" altLang="en-US" dirty="0"/>
+              <a:rPr lang="ko-KR" altLang="en-US" b="1" dirty="0"/>
               <a:t>데이터 분포 확인</a:t>
             </a:r>
           </a:p>
@@ -26945,7 +28184,7 @@
         </p:nvSpPr>
         <p:spPr>
           <a:xfrm>
-            <a:off x="1518687" y="1500981"/>
+            <a:off x="1518687" y="1845111"/>
             <a:ext cx="4114800" cy="457200"/>
           </a:xfrm>
         </p:spPr>
@@ -26985,7 +28224,7 @@
         </p:nvSpPr>
         <p:spPr>
           <a:xfrm>
-            <a:off x="6676844" y="1409796"/>
+            <a:off x="6745668" y="1616272"/>
             <a:ext cx="4526280" cy="914400"/>
           </a:xfrm>
         </p:spPr>
@@ -27035,7 +28274,7 @@
         </p:nvSpPr>
         <p:spPr>
           <a:xfrm>
-            <a:off x="1518686" y="2847784"/>
+            <a:off x="1518686" y="3073924"/>
             <a:ext cx="4665804" cy="457200"/>
           </a:xfrm>
         </p:spPr>
@@ -27083,7 +28322,7 @@
         </p:nvSpPr>
         <p:spPr>
           <a:xfrm>
-            <a:off x="6765334" y="2847784"/>
+            <a:off x="6765334" y="2965770"/>
             <a:ext cx="4526280" cy="914400"/>
           </a:xfrm>
         </p:spPr>
@@ -27163,7 +28402,7 @@
         </p:nvSpPr>
         <p:spPr>
           <a:xfrm>
-            <a:off x="1518686" y="4285772"/>
+            <a:off x="1518686" y="4334932"/>
             <a:ext cx="4665804" cy="457200"/>
           </a:xfrm>
           <a:prstGeom prst="rect">
@@ -27394,8 +28633,8 @@
         </p:nvSpPr>
         <p:spPr>
           <a:xfrm>
-            <a:off x="6765333" y="4285772"/>
-            <a:ext cx="4739953" cy="914400"/>
+            <a:off x="6775165" y="4344764"/>
+            <a:ext cx="4739953" cy="613382"/>
           </a:xfrm>
           <a:prstGeom prst="rect">
             <a:avLst/>
@@ -27633,6 +28872,159 @@
           </a:prstGeom>
         </p:spPr>
       </p:pic>
+      <p:sp>
+        <p:nvSpPr>
+          <p:cNvPr id="32" name="화살표: 오른쪽 31">
+            <a:extLst>
+              <a:ext uri="{FF2B5EF4-FFF2-40B4-BE49-F238E27FC236}">
+                <a16:creationId xmlns:a16="http://schemas.microsoft.com/office/drawing/2014/main" id="{6C6B102E-57FE-83C2-E19E-F261E9F0A2A5}"/>
+              </a:ext>
+            </a:extLst>
+          </p:cNvPr>
+          <p:cNvSpPr/>
+          <p:nvPr/>
+        </p:nvSpPr>
+        <p:spPr>
+          <a:xfrm>
+            <a:off x="6216047" y="1906561"/>
+            <a:ext cx="347507" cy="334296"/>
+          </a:xfrm>
+          <a:prstGeom prst="rightArrow">
+            <a:avLst/>
+          </a:prstGeom>
+          <a:solidFill>
+            <a:schemeClr val="accent5">
+              <a:lumMod val="75000"/>
+            </a:schemeClr>
+          </a:solidFill>
+        </p:spPr>
+        <p:style>
+          <a:lnRef idx="2">
+            <a:schemeClr val="accent1">
+              <a:shade val="15000"/>
+            </a:schemeClr>
+          </a:lnRef>
+          <a:fillRef idx="1">
+            <a:schemeClr val="accent1"/>
+          </a:fillRef>
+          <a:effectRef idx="0">
+            <a:schemeClr val="accent1"/>
+          </a:effectRef>
+          <a:fontRef idx="minor">
+            <a:schemeClr val="lt1"/>
+          </a:fontRef>
+        </p:style>
+        <p:txBody>
+          <a:bodyPr rtlCol="0" anchor="ctr"/>
+          <a:lstStyle/>
+          <a:p>
+            <a:pPr algn="ctr"/>
+            <a:endParaRPr lang="ko-KR" altLang="en-US"/>
+          </a:p>
+        </p:txBody>
+      </p:sp>
+      <p:sp>
+        <p:nvSpPr>
+          <p:cNvPr id="33" name="화살표: 오른쪽 32">
+            <a:extLst>
+              <a:ext uri="{FF2B5EF4-FFF2-40B4-BE49-F238E27FC236}">
+                <a16:creationId xmlns:a16="http://schemas.microsoft.com/office/drawing/2014/main" id="{36AD8A02-66E8-A904-A896-820C6EF1E2A8}"/>
+              </a:ext>
+            </a:extLst>
+          </p:cNvPr>
+          <p:cNvSpPr/>
+          <p:nvPr/>
+        </p:nvSpPr>
+        <p:spPr>
+          <a:xfrm>
+            <a:off x="6225879" y="3171998"/>
+            <a:ext cx="347507" cy="334296"/>
+          </a:xfrm>
+          <a:prstGeom prst="rightArrow">
+            <a:avLst/>
+          </a:prstGeom>
+          <a:solidFill>
+            <a:schemeClr val="accent5">
+              <a:lumMod val="75000"/>
+            </a:schemeClr>
+          </a:solidFill>
+        </p:spPr>
+        <p:style>
+          <a:lnRef idx="2">
+            <a:schemeClr val="accent1">
+              <a:shade val="15000"/>
+            </a:schemeClr>
+          </a:lnRef>
+          <a:fillRef idx="1">
+            <a:schemeClr val="accent1"/>
+          </a:fillRef>
+          <a:effectRef idx="0">
+            <a:schemeClr val="accent1"/>
+          </a:effectRef>
+          <a:fontRef idx="minor">
+            <a:schemeClr val="lt1"/>
+          </a:fontRef>
+        </p:style>
+        <p:txBody>
+          <a:bodyPr rtlCol="0" anchor="ctr"/>
+          <a:lstStyle/>
+          <a:p>
+            <a:pPr algn="ctr"/>
+            <a:endParaRPr lang="ko-KR" altLang="en-US"/>
+          </a:p>
+        </p:txBody>
+      </p:sp>
+      <p:sp>
+        <p:nvSpPr>
+          <p:cNvPr id="34" name="화살표: 오른쪽 33">
+            <a:extLst>
+              <a:ext uri="{FF2B5EF4-FFF2-40B4-BE49-F238E27FC236}">
+                <a16:creationId xmlns:a16="http://schemas.microsoft.com/office/drawing/2014/main" id="{4FB7AFF9-D8E3-DCC3-406A-08A960A73B95}"/>
+              </a:ext>
+            </a:extLst>
+          </p:cNvPr>
+          <p:cNvSpPr/>
+          <p:nvPr/>
+        </p:nvSpPr>
+        <p:spPr>
+          <a:xfrm>
+            <a:off x="6187950" y="4430332"/>
+            <a:ext cx="347507" cy="334296"/>
+          </a:xfrm>
+          <a:prstGeom prst="rightArrow">
+            <a:avLst/>
+          </a:prstGeom>
+          <a:solidFill>
+            <a:schemeClr val="accent5">
+              <a:lumMod val="75000"/>
+            </a:schemeClr>
+          </a:solidFill>
+        </p:spPr>
+        <p:style>
+          <a:lnRef idx="2">
+            <a:schemeClr val="accent1">
+              <a:shade val="15000"/>
+            </a:schemeClr>
+          </a:lnRef>
+          <a:fillRef idx="1">
+            <a:schemeClr val="accent1"/>
+          </a:fillRef>
+          <a:effectRef idx="0">
+            <a:schemeClr val="accent1"/>
+          </a:effectRef>
+          <a:fontRef idx="minor">
+            <a:schemeClr val="lt1"/>
+          </a:fontRef>
+        </p:style>
+        <p:txBody>
+          <a:bodyPr rtlCol="0" anchor="ctr"/>
+          <a:lstStyle/>
+          <a:p>
+            <a:pPr algn="ctr"/>
+            <a:endParaRPr lang="ko-KR" altLang="en-US"/>
+          </a:p>
+        </p:txBody>
+      </p:sp>
     </p:spTree>
     <p:extLst>
       <p:ext uri="{BB962C8B-B14F-4D97-AF65-F5344CB8AC3E}">
@@ -27663,6 +29055,36 @@
           <a:chExt cx="0" cy="0"/>
         </a:xfrm>
       </p:grpSpPr>
+      <p:pic>
+        <p:nvPicPr>
+          <p:cNvPr id="32" name="그림 31">
+            <a:extLst>
+              <a:ext uri="{FF2B5EF4-FFF2-40B4-BE49-F238E27FC236}">
+                <a16:creationId xmlns:a16="http://schemas.microsoft.com/office/drawing/2014/main" id="{49651654-F327-3EA6-BDC9-202B0DCF11D1}"/>
+              </a:ext>
+            </a:extLst>
+          </p:cNvPr>
+          <p:cNvPicPr>
+            <a:picLocks noChangeAspect="1"/>
+          </p:cNvPicPr>
+          <p:nvPr/>
+        </p:nvPicPr>
+        <p:blipFill>
+          <a:blip r:embed="rId3"/>
+          <a:stretch>
+            <a:fillRect/>
+          </a:stretch>
+        </p:blipFill>
+        <p:spPr>
+          <a:xfrm>
+            <a:off x="838200" y="1864137"/>
+            <a:ext cx="8815332" cy="1025039"/>
+          </a:xfrm>
+          <a:prstGeom prst="rect">
+            <a:avLst/>
+          </a:prstGeom>
+        </p:spPr>
+      </p:pic>
       <p:sp>
         <p:nvSpPr>
           <p:cNvPr id="2" name="제목 1">
@@ -27693,15 +29115,27 @@
           <a:p>
             <a:pPr rtl="0"/>
             <a:r>
-              <a:rPr lang="ko-KR" altLang="en-US" dirty="0"/>
+              <a:rPr lang="ko-KR" altLang="en-US" dirty="0">
+                <a:solidFill>
+                  <a:schemeClr val="tx1"/>
+                </a:solidFill>
+              </a:rPr>
               <a:t>문제</a:t>
             </a:r>
             <a:r>
-              <a:rPr lang="en-US" altLang="ko-KR" dirty="0"/>
+              <a:rPr lang="en-US" altLang="ko-KR" dirty="0">
+                <a:solidFill>
+                  <a:schemeClr val="tx1"/>
+                </a:solidFill>
+              </a:rPr>
               <a:t>1 - </a:t>
             </a:r>
             <a:r>
-              <a:rPr lang="ko-KR" altLang="en-US" dirty="0"/>
+              <a:rPr lang="ko-KR" altLang="en-US" dirty="0">
+                <a:solidFill>
+                  <a:schemeClr val="tx1"/>
+                </a:solidFill>
+              </a:rPr>
               <a:t>데이터 특징 찾기 어려움</a:t>
             </a:r>
           </a:p>
@@ -27759,8 +29193,8 @@
         </p:nvSpPr>
         <p:spPr>
           <a:xfrm>
-            <a:off x="623952" y="1687794"/>
-            <a:ext cx="5472048" cy="457200"/>
+            <a:off x="584623" y="1583915"/>
+            <a:ext cx="5639196" cy="457200"/>
           </a:xfrm>
           <a:prstGeom prst="rect">
             <a:avLst/>
@@ -27950,9 +29384,17 @@
             </a:lvl9pPr>
           </a:lstStyle>
           <a:p>
-            <a:pPr marL="0" indent="0">
-              <a:buNone/>
+            <a:pPr>
+              <a:buClr>
+                <a:srgbClr val="C00000"/>
+              </a:buClr>
+              <a:buFont typeface="Wingdings" panose="05000000000000000000" pitchFamily="2" charset="2"/>
+              <a:buChar char="v"/>
             </a:pPr>
+            <a:r>
+              <a:rPr lang="ko-KR" altLang="en-US" dirty="0"/>
+              <a:t> </a:t>
+            </a:r>
             <a:r>
               <a:rPr lang="ko-KR" altLang="en-US" dirty="0" err="1"/>
               <a:t>평균로그인시간</a:t>
@@ -27968,36 +29410,6 @@
           </a:p>
         </p:txBody>
       </p:sp>
-      <p:pic>
-        <p:nvPicPr>
-          <p:cNvPr id="32" name="그림 31">
-            <a:extLst>
-              <a:ext uri="{FF2B5EF4-FFF2-40B4-BE49-F238E27FC236}">
-                <a16:creationId xmlns:a16="http://schemas.microsoft.com/office/drawing/2014/main" id="{49651654-F327-3EA6-BDC9-202B0DCF11D1}"/>
-              </a:ext>
-            </a:extLst>
-          </p:cNvPr>
-          <p:cNvPicPr>
-            <a:picLocks noChangeAspect="1"/>
-          </p:cNvPicPr>
-          <p:nvPr/>
-        </p:nvPicPr>
-        <p:blipFill>
-          <a:blip r:embed="rId3"/>
-          <a:stretch>
-            <a:fillRect/>
-          </a:stretch>
-        </p:blipFill>
-        <p:spPr>
-          <a:xfrm>
-            <a:off x="838200" y="2163327"/>
-            <a:ext cx="8815332" cy="1025039"/>
-          </a:xfrm>
-          <a:prstGeom prst="rect">
-            <a:avLst/>
-          </a:prstGeom>
-        </p:spPr>
-      </p:pic>
       <p:pic>
         <p:nvPicPr>
           <p:cNvPr id="37" name="그림 36">
@@ -28020,7 +29432,7 @@
         </p:blipFill>
         <p:spPr>
           <a:xfrm>
-            <a:off x="1237613" y="3209413"/>
+            <a:off x="1237613" y="2845622"/>
             <a:ext cx="3345470" cy="3535986"/>
           </a:xfrm>
           <a:prstGeom prst="rect">
@@ -28042,7 +29454,7 @@
         </p:nvSpPr>
         <p:spPr>
           <a:xfrm>
-            <a:off x="6331975" y="5329084"/>
+            <a:off x="6322143" y="5114846"/>
             <a:ext cx="3653564" cy="369332"/>
           </a:xfrm>
           <a:prstGeom prst="rect">
@@ -28085,7 +29497,7 @@
         </p:nvSpPr>
         <p:spPr>
           <a:xfrm>
-            <a:off x="6331975" y="4315987"/>
+            <a:off x="6322143" y="4401449"/>
             <a:ext cx="2929007" cy="456087"/>
           </a:xfrm>
           <a:prstGeom prst="rect">
@@ -28146,6 +29558,109 @@
               </a:rPr>
               <a:t>: 38</a:t>
             </a:r>
+          </a:p>
+        </p:txBody>
+      </p:sp>
+      <p:sp>
+        <p:nvSpPr>
+          <p:cNvPr id="41" name="화살표: 오른쪽 40">
+            <a:extLst>
+              <a:ext uri="{FF2B5EF4-FFF2-40B4-BE49-F238E27FC236}">
+                <a16:creationId xmlns:a16="http://schemas.microsoft.com/office/drawing/2014/main" id="{8D5AC548-8D8E-2A4A-D07C-C4460A2C4764}"/>
+              </a:ext>
+            </a:extLst>
+          </p:cNvPr>
+          <p:cNvSpPr/>
+          <p:nvPr/>
+        </p:nvSpPr>
+        <p:spPr>
+          <a:xfrm>
+            <a:off x="5397910" y="4374036"/>
+            <a:ext cx="530942" cy="1025039"/>
+          </a:xfrm>
+          <a:prstGeom prst="rightArrow">
+            <a:avLst/>
+          </a:prstGeom>
+          <a:solidFill>
+            <a:schemeClr val="accent5">
+              <a:lumMod val="75000"/>
+            </a:schemeClr>
+          </a:solidFill>
+        </p:spPr>
+        <p:style>
+          <a:lnRef idx="2">
+            <a:schemeClr val="accent1">
+              <a:shade val="15000"/>
+            </a:schemeClr>
+          </a:lnRef>
+          <a:fillRef idx="1">
+            <a:schemeClr val="accent1"/>
+          </a:fillRef>
+          <a:effectRef idx="0">
+            <a:schemeClr val="accent1"/>
+          </a:effectRef>
+          <a:fontRef idx="minor">
+            <a:schemeClr val="lt1"/>
+          </a:fontRef>
+        </p:style>
+        <p:txBody>
+          <a:bodyPr rtlCol="0" anchor="ctr"/>
+          <a:lstStyle/>
+          <a:p>
+            <a:pPr algn="ctr"/>
+            <a:endParaRPr lang="ko-KR" altLang="en-US"/>
+          </a:p>
+        </p:txBody>
+      </p:sp>
+      <p:sp>
+        <p:nvSpPr>
+          <p:cNvPr id="42" name="TextBox 41">
+            <a:extLst>
+              <a:ext uri="{FF2B5EF4-FFF2-40B4-BE49-F238E27FC236}">
+                <a16:creationId xmlns:a16="http://schemas.microsoft.com/office/drawing/2014/main" id="{FEF5B22F-0B9D-B480-0108-24A61662751F}"/>
+              </a:ext>
+            </a:extLst>
+          </p:cNvPr>
+          <p:cNvSpPr txBox="1"/>
+          <p:nvPr/>
+        </p:nvSpPr>
+        <p:spPr>
+          <a:xfrm>
+            <a:off x="1822550" y="6340272"/>
+            <a:ext cx="2396810" cy="369332"/>
+          </a:xfrm>
+          <a:prstGeom prst="rect">
+            <a:avLst/>
+          </a:prstGeom>
+          <a:noFill/>
+        </p:spPr>
+        <p:txBody>
+          <a:bodyPr wrap="none" rtlCol="0">
+            <a:spAutoFit/>
+          </a:bodyPr>
+          <a:lstStyle/>
+          <a:p>
+            <a:r>
+              <a:rPr lang="en-US" altLang="ko-KR" dirty="0"/>
+              <a:t>&lt;</a:t>
+            </a:r>
+            <a:r>
+              <a:rPr lang="ko-KR" altLang="en-US" dirty="0"/>
+              <a:t>구독연장</a:t>
+            </a:r>
+            <a:r>
+              <a:rPr lang="en-US" altLang="ko-KR" dirty="0"/>
+              <a:t>, </a:t>
+            </a:r>
+            <a:r>
+              <a:rPr lang="ko-KR" altLang="en-US" dirty="0"/>
+              <a:t>취소 비율</a:t>
+            </a:r>
+            <a:r>
+              <a:rPr lang="en-US" altLang="ko-KR" dirty="0"/>
+              <a:t>&gt;</a:t>
+            </a:r>
+            <a:endParaRPr lang="ko-KR" altLang="en-US" dirty="0"/>
           </a:p>
         </p:txBody>
       </p:sp>
@@ -28209,34 +29724,66 @@
           <a:p>
             <a:pPr rtl="0"/>
             <a:r>
-              <a:rPr lang="ko-KR" altLang="en-US" dirty="0"/>
+              <a:rPr lang="ko-KR" altLang="en-US" dirty="0">
+                <a:solidFill>
+                  <a:schemeClr val="tx1"/>
+                </a:solidFill>
+              </a:rPr>
               <a:t>문제</a:t>
             </a:r>
             <a:r>
-              <a:rPr lang="en-US" altLang="ko-KR" dirty="0"/>
+              <a:rPr lang="en-US" altLang="ko-KR" dirty="0">
+                <a:solidFill>
+                  <a:schemeClr val="tx1"/>
+                </a:solidFill>
+              </a:rPr>
               <a:t>2-</a:t>
             </a:r>
             <a:r>
-              <a:rPr lang="ko-KR" altLang="en-US" dirty="0"/>
+              <a:rPr lang="ko-KR" altLang="en-US" dirty="0">
+                <a:solidFill>
+                  <a:schemeClr val="tx1"/>
+                </a:solidFill>
+              </a:rPr>
               <a:t> </a:t>
             </a:r>
             <a:r>
-              <a:rPr lang="ko-KR" altLang="en-US" sz="3600" dirty="0" err="1"/>
+              <a:rPr lang="ko-KR" altLang="en-US" sz="3600" dirty="0" err="1">
+                <a:solidFill>
+                  <a:schemeClr val="tx1"/>
+                </a:solidFill>
+              </a:rPr>
               <a:t>평균로그인시간</a:t>
             </a:r>
             <a:r>
-              <a:rPr lang="en-US" altLang="ko-KR" sz="3600" dirty="0"/>
+              <a:rPr lang="en-US" altLang="ko-KR" sz="3600" dirty="0">
+                <a:solidFill>
+                  <a:schemeClr val="tx1"/>
+                </a:solidFill>
+              </a:rPr>
               <a:t>&gt;</a:t>
             </a:r>
             <a:r>
-              <a:rPr lang="ko-KR" altLang="en-US" sz="3600" dirty="0"/>
+              <a:rPr lang="ko-KR" altLang="en-US" sz="3600" dirty="0">
+                <a:solidFill>
+                  <a:schemeClr val="tx1"/>
+                </a:solidFill>
+              </a:rPr>
               <a:t>평균학습세션 발견</a:t>
             </a:r>
             <a:r>
-              <a:rPr lang="en-US" altLang="ko-KR" sz="3600" dirty="0"/>
+              <a:rPr lang="en-US" altLang="ko-KR" sz="3600" dirty="0">
+                <a:solidFill>
+                  <a:schemeClr val="tx1"/>
+                </a:solidFill>
+              </a:rPr>
               <a:t> </a:t>
             </a:r>
-            <a:endParaRPr lang="ko-KR" altLang="en-US" dirty="0"/>
+            <a:endParaRPr lang="ko-KR" altLang="en-US" dirty="0">
+              <a:solidFill>
+                <a:schemeClr val="tx1"/>
+              </a:solidFill>
+            </a:endParaRPr>
           </a:p>
         </p:txBody>
       </p:sp>
@@ -28483,9 +30030,17 @@
             </a:lvl9pPr>
           </a:lstStyle>
           <a:p>
-            <a:pPr marL="0" indent="0">
-              <a:buNone/>
+            <a:pPr>
+              <a:buClr>
+                <a:srgbClr val="C00000"/>
+              </a:buClr>
+              <a:buFont typeface="Wingdings" panose="05000000000000000000" pitchFamily="2" charset="2"/>
+              <a:buChar char="v"/>
             </a:pPr>
+            <a:r>
+              <a:rPr lang="ko-KR" altLang="en-US" dirty="0"/>
+              <a:t> </a:t>
+            </a:r>
             <a:r>
               <a:rPr lang="ko-KR" altLang="en-US" dirty="0" err="1"/>
               <a:t>평균로그인시간</a:t>
@@ -28580,8 +30135,8 @@
         </p:nvSpPr>
         <p:spPr>
           <a:xfrm>
-            <a:off x="1106544" y="6035816"/>
-            <a:ext cx="3514104" cy="646331"/>
+            <a:off x="862886" y="6035817"/>
+            <a:ext cx="3757760" cy="369332"/>
           </a:xfrm>
           <a:prstGeom prst="rect">
             <a:avLst/>
@@ -28595,6 +30150,10 @@
           <a:lstStyle/>
           <a:p>
             <a:r>
+              <a:rPr lang="en-US" altLang="ko-KR" dirty="0"/>
+              <a:t>&lt;</a:t>
+            </a:r>
+            <a:r>
               <a:rPr lang="ko-KR" altLang="en-US" dirty="0" err="1"/>
               <a:t>평균로그인시간이</a:t>
             </a:r>
@@ -28610,9 +30169,10 @@
               <a:rPr lang="ko-KR" altLang="en-US" dirty="0"/>
               <a:t>건</a:t>
             </a:r>
-            <a:endParaRPr lang="en-US" altLang="ko-KR" dirty="0"/>
-          </a:p>
-          <a:p>
+            <a:r>
+              <a:rPr lang="en-US" altLang="ko-KR" dirty="0"/>
+              <a:t>&gt;</a:t>
+            </a:r>
             <a:endParaRPr lang="ko-KR" altLang="en-US" dirty="0"/>
           </a:p>
         </p:txBody>
@@ -28691,8 +30251,8 @@
         </p:nvSpPr>
         <p:spPr>
           <a:xfrm>
-            <a:off x="8633000" y="5987018"/>
-            <a:ext cx="1154483" cy="369332"/>
+            <a:off x="5331944" y="5279095"/>
+            <a:ext cx="1667444" cy="646331"/>
           </a:xfrm>
           <a:prstGeom prst="rect">
             <a:avLst/>
@@ -28707,8 +30267,146 @@
           <a:p>
             <a:r>
               <a:rPr lang="ko-KR" altLang="en-US" dirty="0"/>
-              <a:t>변화 확인</a:t>
-            </a:r>
+              <a:t>구독연장</a:t>
+            </a:r>
+            <a:r>
+              <a:rPr lang="en-US" altLang="ko-KR" dirty="0"/>
+              <a:t>, </a:t>
+            </a:r>
+            <a:r>
+              <a:rPr lang="ko-KR" altLang="en-US" dirty="0"/>
+              <a:t>취소</a:t>
+            </a:r>
+            <a:br>
+              <a:rPr lang="en-US" altLang="ko-KR" dirty="0"/>
+            </a:br>
+            <a:r>
+              <a:rPr lang="ko-KR" altLang="en-US" dirty="0"/>
+              <a:t>비율변화 확인</a:t>
+            </a:r>
+          </a:p>
+        </p:txBody>
+      </p:sp>
+      <p:sp>
+        <p:nvSpPr>
+          <p:cNvPr id="14" name="화살표: 오른쪽 13">
+            <a:extLst>
+              <a:ext uri="{FF2B5EF4-FFF2-40B4-BE49-F238E27FC236}">
+                <a16:creationId xmlns:a16="http://schemas.microsoft.com/office/drawing/2014/main" id="{69BC99D1-F1C1-C79C-5B28-8EC0F9F139E6}"/>
+              </a:ext>
+            </a:extLst>
+          </p:cNvPr>
+          <p:cNvSpPr/>
+          <p:nvPr/>
+        </p:nvSpPr>
+        <p:spPr>
+          <a:xfrm>
+            <a:off x="5902735" y="4145167"/>
+            <a:ext cx="530942" cy="1025039"/>
+          </a:xfrm>
+          <a:prstGeom prst="rightArrow">
+            <a:avLst/>
+          </a:prstGeom>
+          <a:solidFill>
+            <a:schemeClr val="accent5">
+              <a:lumMod val="75000"/>
+            </a:schemeClr>
+          </a:solidFill>
+        </p:spPr>
+        <p:style>
+          <a:lnRef idx="2">
+            <a:schemeClr val="accent1">
+              <a:shade val="15000"/>
+            </a:schemeClr>
+          </a:lnRef>
+          <a:fillRef idx="1">
+            <a:schemeClr val="accent1"/>
+          </a:fillRef>
+          <a:effectRef idx="0">
+            <a:schemeClr val="accent1"/>
+          </a:effectRef>
+          <a:fontRef idx="minor">
+            <a:schemeClr val="lt1"/>
+          </a:fontRef>
+        </p:style>
+        <p:txBody>
+          <a:bodyPr rtlCol="0" anchor="ctr"/>
+          <a:lstStyle/>
+          <a:p>
+            <a:pPr algn="ctr"/>
+            <a:endParaRPr lang="ko-KR" altLang="en-US"/>
+          </a:p>
+        </p:txBody>
+      </p:sp>
+      <p:sp>
+        <p:nvSpPr>
+          <p:cNvPr id="16" name="TextBox 15">
+            <a:extLst>
+              <a:ext uri="{FF2B5EF4-FFF2-40B4-BE49-F238E27FC236}">
+                <a16:creationId xmlns:a16="http://schemas.microsoft.com/office/drawing/2014/main" id="{A92FB2EC-C637-4AAC-06C3-C5FEC0225564}"/>
+              </a:ext>
+            </a:extLst>
+          </p:cNvPr>
+          <p:cNvSpPr txBox="1"/>
+          <p:nvPr/>
+        </p:nvSpPr>
+        <p:spPr>
+          <a:xfrm>
+            <a:off x="7242108" y="6011418"/>
+            <a:ext cx="5073825" cy="369332"/>
+          </a:xfrm>
+          <a:prstGeom prst="rect">
+            <a:avLst/>
+          </a:prstGeom>
+          <a:noFill/>
+        </p:spPr>
+        <p:txBody>
+          <a:bodyPr wrap="none" rtlCol="0">
+            <a:spAutoFit/>
+          </a:bodyPr>
+          <a:lstStyle/>
+          <a:p>
+            <a:r>
+              <a:rPr lang="en-US" altLang="ko-KR" dirty="0"/>
+              <a:t>&lt;</a:t>
+            </a:r>
+            <a:r>
+              <a:rPr lang="ko-KR" altLang="en-US" dirty="0" err="1"/>
+              <a:t>평균로그인시간</a:t>
+            </a:r>
+            <a:r>
+              <a:rPr lang="ko-KR" altLang="en-US" dirty="0"/>
+              <a:t> </a:t>
+            </a:r>
+            <a:r>
+              <a:rPr lang="en-US" altLang="ko-KR" dirty="0"/>
+              <a:t>15</a:t>
+            </a:r>
+            <a:r>
+              <a:rPr lang="ko-KR" altLang="en-US" dirty="0"/>
+              <a:t>이상</a:t>
+            </a:r>
+            <a:r>
+              <a:rPr lang="en-US" altLang="ko-KR" dirty="0"/>
+              <a:t>, </a:t>
+            </a:r>
+            <a:r>
+              <a:rPr lang="ko-KR" altLang="en-US" dirty="0"/>
+              <a:t>평균학습세선 </a:t>
+            </a:r>
+            <a:r>
+              <a:rPr lang="en-US" altLang="ko-KR" dirty="0"/>
+              <a:t>90</a:t>
+            </a:r>
+            <a:r>
+              <a:rPr lang="ko-KR" altLang="en-US" dirty="0"/>
+              <a:t>이상</a:t>
+            </a:r>
+            <a:r>
+              <a:rPr lang="en-US" altLang="ko-KR" dirty="0"/>
+              <a:t>&gt;</a:t>
+            </a:r>
+            <a:endParaRPr lang="ko-KR" altLang="en-US" dirty="0"/>
           </a:p>
         </p:txBody>
       </p:sp>
@@ -28772,23 +30470,43 @@
           <a:p>
             <a:pPr rtl="0"/>
             <a:r>
-              <a:rPr lang="ko-KR" altLang="en-US" dirty="0"/>
+              <a:rPr lang="ko-KR" altLang="en-US" dirty="0">
+                <a:solidFill>
+                  <a:schemeClr val="tx1"/>
+                </a:solidFill>
+              </a:rPr>
               <a:t>문제</a:t>
             </a:r>
             <a:r>
-              <a:rPr lang="en-US" altLang="ko-KR" dirty="0"/>
+              <a:rPr lang="en-US" altLang="ko-KR" dirty="0">
+                <a:solidFill>
+                  <a:schemeClr val="tx1"/>
+                </a:solidFill>
+              </a:rPr>
               <a:t>3-</a:t>
             </a:r>
             <a:r>
-              <a:rPr lang="ko-KR" altLang="en-US" dirty="0"/>
+              <a:rPr lang="ko-KR" altLang="en-US" dirty="0">
+                <a:solidFill>
+                  <a:schemeClr val="tx1"/>
+                </a:solidFill>
+              </a:rPr>
               <a:t> 지불형태 </a:t>
             </a:r>
             <a:r>
-              <a:rPr lang="en-US" altLang="ko-KR" dirty="0"/>
+              <a:rPr lang="en-US" altLang="ko-KR" dirty="0">
+                <a:solidFill>
+                  <a:schemeClr val="tx1"/>
+                </a:solidFill>
+              </a:rPr>
               <a:t>0</a:t>
             </a:r>
             <a:r>
-              <a:rPr lang="ko-KR" altLang="en-US" dirty="0"/>
+              <a:rPr lang="ko-KR" altLang="en-US" dirty="0">
+                <a:solidFill>
+                  <a:schemeClr val="tx1"/>
+                </a:solidFill>
+              </a:rPr>
               <a:t>인 경우</a:t>
             </a:r>
           </a:p>
@@ -28920,6 +30638,118 @@
           </a:prstGeom>
         </p:spPr>
       </p:pic>
+      <p:sp>
+        <p:nvSpPr>
+          <p:cNvPr id="10" name="TextBox 9">
+            <a:extLst>
+              <a:ext uri="{FF2B5EF4-FFF2-40B4-BE49-F238E27FC236}">
+                <a16:creationId xmlns:a16="http://schemas.microsoft.com/office/drawing/2014/main" id="{8A310088-6AF9-7FA1-C26A-5D53880D6264}"/>
+              </a:ext>
+            </a:extLst>
+          </p:cNvPr>
+          <p:cNvSpPr txBox="1"/>
+          <p:nvPr/>
+        </p:nvSpPr>
+        <p:spPr>
+          <a:xfrm>
+            <a:off x="1531479" y="6410427"/>
+            <a:ext cx="3089307" cy="369332"/>
+          </a:xfrm>
+          <a:prstGeom prst="rect">
+            <a:avLst/>
+          </a:prstGeom>
+          <a:noFill/>
+        </p:spPr>
+        <p:txBody>
+          <a:bodyPr wrap="none" rtlCol="0">
+            <a:spAutoFit/>
+          </a:bodyPr>
+          <a:lstStyle/>
+          <a:p>
+            <a:r>
+              <a:rPr lang="en-US" altLang="ko-KR" dirty="0"/>
+              <a:t>&lt;</a:t>
+            </a:r>
+            <a:r>
+              <a:rPr lang="ko-KR" altLang="en-US" dirty="0"/>
+              <a:t>구독연장</a:t>
+            </a:r>
+            <a:r>
+              <a:rPr lang="en-US" altLang="ko-KR" dirty="0"/>
+              <a:t>, </a:t>
+            </a:r>
+            <a:r>
+              <a:rPr lang="ko-KR" altLang="en-US" dirty="0" err="1"/>
+              <a:t>취소별</a:t>
+            </a:r>
+            <a:r>
+              <a:rPr lang="ko-KR" altLang="en-US" dirty="0"/>
+              <a:t> 구독타입</a:t>
+            </a:r>
+            <a:r>
+              <a:rPr lang="en-US" altLang="ko-KR" dirty="0"/>
+              <a:t>&gt;</a:t>
+            </a:r>
+            <a:endParaRPr lang="ko-KR" altLang="en-US" dirty="0"/>
+          </a:p>
+        </p:txBody>
+      </p:sp>
+      <p:sp>
+        <p:nvSpPr>
+          <p:cNvPr id="11" name="TextBox 10">
+            <a:extLst>
+              <a:ext uri="{FF2B5EF4-FFF2-40B4-BE49-F238E27FC236}">
+                <a16:creationId xmlns:a16="http://schemas.microsoft.com/office/drawing/2014/main" id="{A69A44A5-4841-3D4F-4F96-83407C5F83D8}"/>
+              </a:ext>
+            </a:extLst>
+          </p:cNvPr>
+          <p:cNvSpPr txBox="1"/>
+          <p:nvPr/>
+        </p:nvSpPr>
+        <p:spPr>
+          <a:xfrm>
+            <a:off x="7074389" y="6410427"/>
+            <a:ext cx="3320140" cy="369332"/>
+          </a:xfrm>
+          <a:prstGeom prst="rect">
+            <a:avLst/>
+          </a:prstGeom>
+          <a:noFill/>
+        </p:spPr>
+        <p:txBody>
+          <a:bodyPr wrap="none" rtlCol="0">
+            <a:spAutoFit/>
+          </a:bodyPr>
+          <a:lstStyle/>
+          <a:p>
+            <a:r>
+              <a:rPr lang="en-US" altLang="ko-KR" dirty="0"/>
+              <a:t>&lt;</a:t>
+            </a:r>
+            <a:r>
+              <a:rPr lang="ko-KR" altLang="en-US" dirty="0"/>
+              <a:t>구독연장</a:t>
+            </a:r>
+            <a:r>
+              <a:rPr lang="en-US" altLang="ko-KR" dirty="0"/>
+              <a:t>, </a:t>
+            </a:r>
+            <a:r>
+              <a:rPr lang="ko-KR" altLang="en-US" dirty="0" err="1"/>
+              <a:t>취소별</a:t>
+            </a:r>
+            <a:r>
+              <a:rPr lang="ko-KR" altLang="en-US" dirty="0"/>
+              <a:t> 구독난이도</a:t>
+            </a:r>
+            <a:r>
+              <a:rPr lang="en-US" altLang="ko-KR" dirty="0"/>
+              <a:t>&gt;</a:t>
+            </a:r>
+            <a:endParaRPr lang="ko-KR" altLang="en-US" dirty="0"/>
+          </a:p>
+        </p:txBody>
+      </p:sp>
     </p:spTree>
     <p:extLst>
       <p:ext uri="{BB962C8B-B14F-4D97-AF65-F5344CB8AC3E}">
@@ -28978,7 +30808,11 @@
           <a:p>
             <a:pPr rtl="0"/>
             <a:r>
-              <a:rPr lang="ko-KR" altLang="en-US" dirty="0"/>
+              <a:rPr lang="ko-KR" altLang="en-US" dirty="0">
+                <a:solidFill>
+                  <a:schemeClr val="tx1"/>
+                </a:solidFill>
+              </a:rPr>
               <a:t>소결론</a:t>
             </a:r>
           </a:p>
@@ -29014,14 +30848,32 @@
           <a:p>
             <a:pPr rtl="0"/>
             <a:r>
-              <a:rPr lang="ko-KR" altLang="en-US" sz="3200" dirty="0"/>
+              <a:rPr lang="ko-KR" altLang="en-US" sz="3200" dirty="0">
+                <a:solidFill>
+                  <a:schemeClr val="accent3">
+                    <a:lumMod val="25000"/>
+                  </a:schemeClr>
+                </a:solidFill>
+              </a:rPr>
               <a:t>문제 </a:t>
             </a:r>
             <a:r>
-              <a:rPr lang="en-US" altLang="ko-KR" sz="3200" dirty="0"/>
+              <a:rPr lang="en-US" altLang="ko-KR" sz="3200" dirty="0">
+                <a:solidFill>
+                  <a:schemeClr val="accent3">
+                    <a:lumMod val="25000"/>
+                  </a:schemeClr>
+                </a:solidFill>
+              </a:rPr>
               <a:t>1</a:t>
             </a:r>
-            <a:endParaRPr lang="ko-KR" altLang="en-US" sz="3200" dirty="0"/>
+            <a:endParaRPr lang="ko-KR" altLang="en-US" sz="3200" dirty="0">
+              <a:solidFill>
+                <a:schemeClr val="accent3">
+                  <a:lumMod val="25000"/>
+                </a:schemeClr>
+              </a:solidFill>
+            </a:endParaRPr>
           </a:p>
         </p:txBody>
       </p:sp>
@@ -29046,6 +30898,11 @@
             <a:off x="2998839" y="2207455"/>
             <a:ext cx="4041058" cy="1097280"/>
           </a:xfrm>
+          <a:solidFill>
+            <a:schemeClr val="accent2">
+              <a:lumMod val="90000"/>
+            </a:schemeClr>
+          </a:solidFill>
           <a:ln>
             <a:noFill/>
           </a:ln>
@@ -29147,14 +31004,32 @@
           <a:p>
             <a:pPr rtl="0"/>
             <a:r>
-              <a:rPr lang="ko-KR" altLang="en-US" sz="3200" dirty="0"/>
+              <a:rPr lang="ko-KR" altLang="en-US" sz="3200" dirty="0">
+                <a:solidFill>
+                  <a:schemeClr val="accent3">
+                    <a:lumMod val="25000"/>
+                  </a:schemeClr>
+                </a:solidFill>
+              </a:rPr>
               <a:t>문제 </a:t>
             </a:r>
             <a:r>
-              <a:rPr lang="en-US" altLang="ko-KR" sz="3200" dirty="0"/>
+              <a:rPr lang="en-US" altLang="ko-KR" sz="3200" dirty="0">
+                <a:solidFill>
+                  <a:schemeClr val="accent3">
+                    <a:lumMod val="25000"/>
+                  </a:schemeClr>
+                </a:solidFill>
+              </a:rPr>
               <a:t>2</a:t>
             </a:r>
-            <a:endParaRPr lang="ko-KR" altLang="en-US" sz="3200" dirty="0"/>
+            <a:endParaRPr lang="ko-KR" altLang="en-US" sz="3200" dirty="0">
+              <a:solidFill>
+                <a:schemeClr val="accent3">
+                  <a:lumMod val="25000"/>
+                </a:schemeClr>
+              </a:solidFill>
+            </a:endParaRPr>
           </a:p>
         </p:txBody>
       </p:sp>
@@ -29179,6 +31054,11 @@
             <a:off x="2998840" y="3559605"/>
             <a:ext cx="4041058" cy="1097280"/>
           </a:xfrm>
+          <a:solidFill>
+            <a:schemeClr val="accent2">
+              <a:lumMod val="90000"/>
+            </a:schemeClr>
+          </a:solidFill>
         </p:spPr>
         <p:txBody>
           <a:bodyPr rtlCol="0"/>
@@ -29267,14 +31147,32 @@
           <a:p>
             <a:pPr rtl="0"/>
             <a:r>
-              <a:rPr lang="ko-KR" altLang="en-US" sz="3200" dirty="0"/>
+              <a:rPr lang="ko-KR" altLang="en-US" sz="3200" dirty="0">
+                <a:solidFill>
+                  <a:schemeClr val="accent3">
+                    <a:lumMod val="25000"/>
+                  </a:schemeClr>
+                </a:solidFill>
+              </a:rPr>
               <a:t>문제 </a:t>
             </a:r>
             <a:r>
-              <a:rPr lang="en-US" altLang="ko-KR" sz="3200" dirty="0"/>
+              <a:rPr lang="en-US" altLang="ko-KR" sz="3200" dirty="0">
+                <a:solidFill>
+                  <a:schemeClr val="accent3">
+                    <a:lumMod val="25000"/>
+                  </a:schemeClr>
+                </a:solidFill>
+              </a:rPr>
               <a:t>3</a:t>
             </a:r>
-            <a:endParaRPr lang="ko-KR" altLang="en-US" sz="3200" dirty="0"/>
+            <a:endParaRPr lang="ko-KR" altLang="en-US" sz="3200" dirty="0">
+              <a:solidFill>
+                <a:schemeClr val="accent3">
+                  <a:lumMod val="25000"/>
+                </a:schemeClr>
+              </a:solidFill>
+            </a:endParaRPr>
           </a:p>
         </p:txBody>
       </p:sp>
@@ -29299,6 +31197,11 @@
             <a:off x="2998840" y="4905756"/>
             <a:ext cx="4041058" cy="1097280"/>
           </a:xfrm>
+          <a:solidFill>
+            <a:schemeClr val="accent2">
+              <a:lumMod val="90000"/>
+            </a:schemeClr>
+          </a:solidFill>
         </p:spPr>
         <p:txBody>
           <a:bodyPr rtlCol="0"/>
@@ -30199,34 +32102,6 @@
 </file>
 
 <file path=customXml/item1.xml><?xml version="1.0" encoding="utf-8"?>
-<p:properties xmlns:p="http://schemas.microsoft.com/office/2006/metadata/properties" xmlns:xsi="http://www.w3.org/2001/XMLSchema-instance" xmlns:pc="http://schemas.microsoft.com/office/infopath/2007/PartnerControls">
-  <documentManagement>
-    <Status xmlns="71af3243-3dd4-4a8d-8c0d-dd76da1f02a5">Not started</Status>
-    <_ip_UnifiedCompliancePolicyUIAction xmlns="http://schemas.microsoft.com/sharepoint/v3" xsi:nil="true"/>
-    <Image xmlns="71af3243-3dd4-4a8d-8c0d-dd76da1f02a5">
-      <Url xsi:nil="true"/>
-      <Description xsi:nil="true"/>
-    </Image>
-    <_ip_UnifiedCompliancePolicyProperties xmlns="http://schemas.microsoft.com/sharepoint/v3" xsi:nil="true"/>
-    <ImageTagsTaxHTField xmlns="71af3243-3dd4-4a8d-8c0d-dd76da1f02a5">
-      <Terms xmlns="http://schemas.microsoft.com/office/infopath/2007/PartnerControls"/>
-    </ImageTagsTaxHTField>
-    <TaxCatchAll xmlns="230e9df3-be65-4c73-a93b-d1236ebd677e"/>
-    <MediaServiceKeyPoints xmlns="71af3243-3dd4-4a8d-8c0d-dd76da1f02a5" xsi:nil="true"/>
-  </documentManagement>
-</p:properties>
-</file>
-
-<file path=customXml/item2.xml><?xml version="1.0" encoding="utf-8"?>
-<?mso-contentType ?>
-<FormTemplates xmlns="http://schemas.microsoft.com/sharepoint/v3/contenttype/forms">
-  <Display>DocumentLibraryForm</Display>
-  <Edit>DocumentLibraryForm</Edit>
-  <New>DocumentLibraryForm</New>
-</FormTemplates>
-</file>
-
-<file path=customXml/item3.xml><?xml version="1.0" encoding="utf-8"?>
 <ct:contentTypeSchema xmlns:ct="http://schemas.microsoft.com/office/2006/metadata/contentType" xmlns:ma="http://schemas.microsoft.com/office/2006/metadata/properties/metaAttributes" ct:_="" ma:_="" ma:contentTypeName="Document" ma:contentTypeID="0x01010079F111ED35F8CC479449609E8A0923A6" ma:contentTypeVersion="20" ma:contentTypeDescription="Create a new document." ma:contentTypeScope="" ma:versionID="1267097ee5f5874adfcc408041ae252e">
   <xsd:schema xmlns:xsd="http://www.w3.org/2001/XMLSchema" xmlns:xs="http://www.w3.org/2001/XMLSchema" xmlns:p="http://schemas.microsoft.com/office/2006/metadata/properties" xmlns:ns1="http://schemas.microsoft.com/sharepoint/v3" xmlns:ns2="71af3243-3dd4-4a8d-8c0d-dd76da1f02a5" xmlns:ns3="16c05727-aa75-4e4a-9b5f-8a80a1165891" xmlns:ns4="230e9df3-be65-4c73-a93b-d1236ebd677e" targetNamespace="http://schemas.microsoft.com/office/2006/metadata/properties" ma:root="true" ma:fieldsID="395891a93df65b14727750f2c06c306c" ns1:_="" ns2:_="" ns3:_="" ns4:_="">
     <xsd:import namespace="http://schemas.microsoft.com/sharepoint/v3"/>
@@ -30502,27 +32377,35 @@
 </ct:contentTypeSchema>
 </file>
 
-<file path=customXml/itemProps1.xml><?xml version="1.0" encoding="utf-8"?>
-<ds:datastoreItem xmlns:ds="http://schemas.openxmlformats.org/officeDocument/2006/customXml" ds:itemID="{DBE6AE0A-D4B0-4A5B-9359-3C20E0AE6F61}">
-  <ds:schemaRefs>
-    <ds:schemaRef ds:uri="http://schemas.microsoft.com/office/2006/metadata/properties"/>
-    <ds:schemaRef ds:uri="http://schemas.microsoft.com/office/infopath/2007/PartnerControls"/>
-    <ds:schemaRef ds:uri="71af3243-3dd4-4a8d-8c0d-dd76da1f02a5"/>
-    <ds:schemaRef ds:uri="http://schemas.microsoft.com/sharepoint/v3"/>
-    <ds:schemaRef ds:uri="230e9df3-be65-4c73-a93b-d1236ebd677e"/>
-  </ds:schemaRefs>
-</ds:datastoreItem>
+<file path=customXml/item2.xml><?xml version="1.0" encoding="utf-8"?>
+<?mso-contentType ?>
+<FormTemplates xmlns="http://schemas.microsoft.com/sharepoint/v3/contenttype/forms">
+  <Display>DocumentLibraryForm</Display>
+  <Edit>DocumentLibraryForm</Edit>
+  <New>DocumentLibraryForm</New>
+</FormTemplates>
 </file>
 
-<file path=customXml/itemProps2.xml><?xml version="1.0" encoding="utf-8"?>
-<ds:datastoreItem xmlns:ds="http://schemas.openxmlformats.org/officeDocument/2006/customXml" ds:itemID="{E0C88140-B977-44ED-8877-83D5BCE76393}">
-  <ds:schemaRefs>
-    <ds:schemaRef ds:uri="http://schemas.microsoft.com/sharepoint/v3/contenttype/forms"/>
-  </ds:schemaRefs>
-</ds:datastoreItem>
+<file path=customXml/item3.xml><?xml version="1.0" encoding="utf-8"?>
+<p:properties xmlns:p="http://schemas.microsoft.com/office/2006/metadata/properties" xmlns:xsi="http://www.w3.org/2001/XMLSchema-instance" xmlns:pc="http://schemas.microsoft.com/office/infopath/2007/PartnerControls">
+  <documentManagement>
+    <Status xmlns="71af3243-3dd4-4a8d-8c0d-dd76da1f02a5">Not started</Status>
+    <_ip_UnifiedCompliancePolicyUIAction xmlns="http://schemas.microsoft.com/sharepoint/v3" xsi:nil="true"/>
+    <Image xmlns="71af3243-3dd4-4a8d-8c0d-dd76da1f02a5">
+      <Url xsi:nil="true"/>
+      <Description xsi:nil="true"/>
+    </Image>
+    <_ip_UnifiedCompliancePolicyProperties xmlns="http://schemas.microsoft.com/sharepoint/v3" xsi:nil="true"/>
+    <ImageTagsTaxHTField xmlns="71af3243-3dd4-4a8d-8c0d-dd76da1f02a5">
+      <Terms xmlns="http://schemas.microsoft.com/office/infopath/2007/PartnerControls"/>
+    </ImageTagsTaxHTField>
+    <TaxCatchAll xmlns="230e9df3-be65-4c73-a93b-d1236ebd677e"/>
+    <MediaServiceKeyPoints xmlns="71af3243-3dd4-4a8d-8c0d-dd76da1f02a5" xsi:nil="true"/>
+  </documentManagement>
+</p:properties>
 </file>
 
-<file path=customXml/itemProps3.xml><?xml version="1.0" encoding="utf-8"?>
+<file path=customXml/itemProps1.xml><?xml version="1.0" encoding="utf-8"?>
 <ds:datastoreItem xmlns:ds="http://schemas.openxmlformats.org/officeDocument/2006/customXml" ds:itemID="{34F12D6A-2BE8-4847-A724-6F141C79A2A0}">
   <ds:schemaRefs>
     <ds:schemaRef ds:uri="http://schemas.microsoft.com/office/2006/metadata/contentType"/>
@@ -30543,6 +32426,26 @@
 </ds:datastoreItem>
 </file>
 
+<file path=customXml/itemProps2.xml><?xml version="1.0" encoding="utf-8"?>
+<ds:datastoreItem xmlns:ds="http://schemas.openxmlformats.org/officeDocument/2006/customXml" ds:itemID="{E0C88140-B977-44ED-8877-83D5BCE76393}">
+  <ds:schemaRefs>
+    <ds:schemaRef ds:uri="http://schemas.microsoft.com/sharepoint/v3/contenttype/forms"/>
+  </ds:schemaRefs>
+</ds:datastoreItem>
+</file>
+
+<file path=customXml/itemProps3.xml><?xml version="1.0" encoding="utf-8"?>
+<ds:datastoreItem xmlns:ds="http://schemas.openxmlformats.org/officeDocument/2006/customXml" ds:itemID="{DBE6AE0A-D4B0-4A5B-9359-3C20E0AE6F61}">
+  <ds:schemaRefs>
+    <ds:schemaRef ds:uri="http://schemas.microsoft.com/office/2006/metadata/properties"/>
+    <ds:schemaRef ds:uri="http://schemas.microsoft.com/office/infopath/2007/PartnerControls"/>
+    <ds:schemaRef ds:uri="71af3243-3dd4-4a8d-8c0d-dd76da1f02a5"/>
+    <ds:schemaRef ds:uri="http://schemas.microsoft.com/sharepoint/v3"/>
+    <ds:schemaRef ds:uri="230e9df3-be65-4c73-a93b-d1236ebd677e"/>
+  </ds:schemaRefs>
+</ds:datastoreItem>
+</file>
+
 <file path=docMetadata/LabelInfo.xml><?xml version="1.0" encoding="utf-8"?>
 <clbl:labelList xmlns:clbl="http://schemas.microsoft.com/office/2020/mipLabelMetadata">
   <clbl:label id="{f42aa342-8706-4288-bd11-ebb85995028c}" enabled="1" method="Standard" siteId="{72f988bf-86f1-41af-91ab-2d7cd011db47}" removed="0"/>

--- a/Project/DA_미니프로젝트.pptx
+++ b/Project/DA_미니프로젝트.pptx
@@ -21250,10 +21250,10 @@
       </p:sp>
       <p:pic>
         <p:nvPicPr>
-          <p:cNvPr id="20" name="그림 19">
-            <a:extLst>
-              <a:ext uri="{FF2B5EF4-FFF2-40B4-BE49-F238E27FC236}">
-                <a16:creationId xmlns:a16="http://schemas.microsoft.com/office/drawing/2014/main" id="{2C8EA806-8BF0-9C2A-AC53-9E3B4E4938AC}"/>
+          <p:cNvPr id="22" name="그림 21">
+            <a:extLst>
+              <a:ext uri="{FF2B5EF4-FFF2-40B4-BE49-F238E27FC236}">
+                <a16:creationId xmlns:a16="http://schemas.microsoft.com/office/drawing/2014/main" id="{6B7BF1CD-7A53-6456-F2CE-817C485A0E57}"/>
               </a:ext>
             </a:extLst>
           </p:cNvPr>
@@ -21270,8 +21270,8 @@
         </p:blipFill>
         <p:spPr>
           <a:xfrm>
-            <a:off x="6173601" y="2109124"/>
-            <a:ext cx="4549534" cy="4077053"/>
+            <a:off x="1468865" y="2046368"/>
+            <a:ext cx="3951385" cy="4328168"/>
           </a:xfrm>
           <a:prstGeom prst="rect">
             <a:avLst/>
@@ -21280,10 +21280,10 @@
       </p:pic>
       <p:pic>
         <p:nvPicPr>
-          <p:cNvPr id="22" name="그림 21">
-            <a:extLst>
-              <a:ext uri="{FF2B5EF4-FFF2-40B4-BE49-F238E27FC236}">
-                <a16:creationId xmlns:a16="http://schemas.microsoft.com/office/drawing/2014/main" id="{6B7BF1CD-7A53-6456-F2CE-817C485A0E57}"/>
+          <p:cNvPr id="23" name="그림 22">
+            <a:extLst>
+              <a:ext uri="{FF2B5EF4-FFF2-40B4-BE49-F238E27FC236}">
+                <a16:creationId xmlns:a16="http://schemas.microsoft.com/office/drawing/2014/main" id="{82C6E5C9-CE71-2719-3168-1869F2BA38C3}"/>
               </a:ext>
             </a:extLst>
           </p:cNvPr>
@@ -21300,20 +21300,144 @@
         </p:blipFill>
         <p:spPr>
           <a:xfrm>
-            <a:off x="1468865" y="2046368"/>
-            <a:ext cx="3951385" cy="4328168"/>
+            <a:off x="4931361" y="483464"/>
+            <a:ext cx="4332294" cy="1013941"/>
           </a:xfrm>
           <a:prstGeom prst="rect">
             <a:avLst/>
           </a:prstGeom>
         </p:spPr>
       </p:pic>
+      <p:sp>
+        <p:nvSpPr>
+          <p:cNvPr id="24" name="TextBox 23">
+            <a:extLst>
+              <a:ext uri="{FF2B5EF4-FFF2-40B4-BE49-F238E27FC236}">
+                <a16:creationId xmlns:a16="http://schemas.microsoft.com/office/drawing/2014/main" id="{4F86CB38-2E52-1668-2D27-9614EDCEE6AB}"/>
+              </a:ext>
+            </a:extLst>
+          </p:cNvPr>
+          <p:cNvSpPr txBox="1"/>
+          <p:nvPr/>
+        </p:nvSpPr>
+        <p:spPr>
+          <a:xfrm>
+            <a:off x="1163912" y="6308209"/>
+            <a:ext cx="4834978" cy="369332"/>
+          </a:xfrm>
+          <a:prstGeom prst="rect">
+            <a:avLst/>
+          </a:prstGeom>
+          <a:noFill/>
+        </p:spPr>
+        <p:txBody>
+          <a:bodyPr wrap="none" rtlCol="0">
+            <a:spAutoFit/>
+          </a:bodyPr>
+          <a:lstStyle/>
+          <a:p>
+            <a:r>
+              <a:rPr lang="en-US" altLang="ko-KR" dirty="0"/>
+              <a:t>&lt;</a:t>
+            </a:r>
+            <a:r>
+              <a:rPr lang="ko-KR" altLang="en-US" dirty="0"/>
+              <a:t>코스당 학습세션 </a:t>
+            </a:r>
+            <a:r>
+              <a:rPr lang="en-US" altLang="ko-KR" dirty="0"/>
+              <a:t>10</a:t>
+            </a:r>
+            <a:r>
+              <a:rPr lang="ko-KR" altLang="en-US" dirty="0"/>
+              <a:t>이상 구독연장</a:t>
+            </a:r>
+            <a:r>
+              <a:rPr lang="en-US" altLang="ko-KR" dirty="0"/>
+              <a:t>, </a:t>
+            </a:r>
+            <a:r>
+              <a:rPr lang="ko-KR" altLang="en-US" dirty="0"/>
+              <a:t>취소 비율</a:t>
+            </a:r>
+            <a:r>
+              <a:rPr lang="en-US" altLang="ko-KR" dirty="0"/>
+              <a:t>&gt;</a:t>
+            </a:r>
+            <a:endParaRPr lang="ko-KR" altLang="en-US" dirty="0"/>
+          </a:p>
+        </p:txBody>
+      </p:sp>
+      <p:sp>
+        <p:nvSpPr>
+          <p:cNvPr id="25" name="TextBox 24">
+            <a:extLst>
+              <a:ext uri="{FF2B5EF4-FFF2-40B4-BE49-F238E27FC236}">
+                <a16:creationId xmlns:a16="http://schemas.microsoft.com/office/drawing/2014/main" id="{FD62F8EB-A862-C35C-9189-B671AC56EE20}"/>
+              </a:ext>
+            </a:extLst>
+          </p:cNvPr>
+          <p:cNvSpPr txBox="1"/>
+          <p:nvPr/>
+        </p:nvSpPr>
+        <p:spPr>
+          <a:xfrm>
+            <a:off x="6096000" y="6308209"/>
+            <a:ext cx="5527475" cy="369332"/>
+          </a:xfrm>
+          <a:prstGeom prst="rect">
+            <a:avLst/>
+          </a:prstGeom>
+          <a:noFill/>
+        </p:spPr>
+        <p:txBody>
+          <a:bodyPr wrap="none" rtlCol="0">
+            <a:spAutoFit/>
+          </a:bodyPr>
+          <a:lstStyle/>
+          <a:p>
+            <a:r>
+              <a:rPr lang="en-US" altLang="ko-KR" dirty="0"/>
+              <a:t>&lt;</a:t>
+            </a:r>
+            <a:r>
+              <a:rPr lang="ko-KR" altLang="en-US" dirty="0"/>
+              <a:t>코스당 학습세션 </a:t>
+            </a:r>
+            <a:r>
+              <a:rPr lang="en-US" altLang="ko-KR" dirty="0"/>
+              <a:t>10</a:t>
+            </a:r>
+            <a:r>
+              <a:rPr lang="ko-KR" altLang="en-US" dirty="0"/>
+              <a:t>이상 구독연장</a:t>
+            </a:r>
+            <a:r>
+              <a:rPr lang="en-US" altLang="ko-KR" dirty="0"/>
+              <a:t>, </a:t>
+            </a:r>
+            <a:r>
+              <a:rPr lang="ko-KR" altLang="en-US" dirty="0" err="1"/>
+              <a:t>취소별</a:t>
+            </a:r>
+            <a:r>
+              <a:rPr lang="ko-KR" altLang="en-US" dirty="0"/>
+              <a:t> 구독타입</a:t>
+            </a:r>
+            <a:r>
+              <a:rPr lang="en-US" altLang="ko-KR" dirty="0"/>
+              <a:t>&gt;</a:t>
+            </a:r>
+            <a:endParaRPr lang="ko-KR" altLang="en-US" dirty="0"/>
+          </a:p>
+        </p:txBody>
+      </p:sp>
       <p:pic>
         <p:nvPicPr>
-          <p:cNvPr id="23" name="그림 22">
-            <a:extLst>
-              <a:ext uri="{FF2B5EF4-FFF2-40B4-BE49-F238E27FC236}">
-                <a16:creationId xmlns:a16="http://schemas.microsoft.com/office/drawing/2014/main" id="{82C6E5C9-CE71-2719-3168-1869F2BA38C3}"/>
+          <p:cNvPr id="3" name="그림 2">
+            <a:extLst>
+              <a:ext uri="{FF2B5EF4-FFF2-40B4-BE49-F238E27FC236}">
+                <a16:creationId xmlns:a16="http://schemas.microsoft.com/office/drawing/2014/main" id="{6791ABB8-9B79-E6E2-D943-DE3D0CFB5218}"/>
               </a:ext>
             </a:extLst>
           </p:cNvPr>
@@ -21330,138 +21454,14 @@
         </p:blipFill>
         <p:spPr>
           <a:xfrm>
-            <a:off x="4931361" y="483464"/>
-            <a:ext cx="4332294" cy="1013941"/>
+            <a:off x="6140701" y="2004269"/>
+            <a:ext cx="4745577" cy="4370267"/>
           </a:xfrm>
           <a:prstGeom prst="rect">
             <a:avLst/>
           </a:prstGeom>
         </p:spPr>
       </p:pic>
-      <p:sp>
-        <p:nvSpPr>
-          <p:cNvPr id="24" name="TextBox 23">
-            <a:extLst>
-              <a:ext uri="{FF2B5EF4-FFF2-40B4-BE49-F238E27FC236}">
-                <a16:creationId xmlns:a16="http://schemas.microsoft.com/office/drawing/2014/main" id="{4F86CB38-2E52-1668-2D27-9614EDCEE6AB}"/>
-              </a:ext>
-            </a:extLst>
-          </p:cNvPr>
-          <p:cNvSpPr txBox="1"/>
-          <p:nvPr/>
-        </p:nvSpPr>
-        <p:spPr>
-          <a:xfrm>
-            <a:off x="1163912" y="6308209"/>
-            <a:ext cx="4834978" cy="369332"/>
-          </a:xfrm>
-          <a:prstGeom prst="rect">
-            <a:avLst/>
-          </a:prstGeom>
-          <a:noFill/>
-        </p:spPr>
-        <p:txBody>
-          <a:bodyPr wrap="none" rtlCol="0">
-            <a:spAutoFit/>
-          </a:bodyPr>
-          <a:lstStyle/>
-          <a:p>
-            <a:r>
-              <a:rPr lang="en-US" altLang="ko-KR" dirty="0"/>
-              <a:t>&lt;</a:t>
-            </a:r>
-            <a:r>
-              <a:rPr lang="ko-KR" altLang="en-US" dirty="0"/>
-              <a:t>코스당 학습세션 </a:t>
-            </a:r>
-            <a:r>
-              <a:rPr lang="en-US" altLang="ko-KR" dirty="0"/>
-              <a:t>10</a:t>
-            </a:r>
-            <a:r>
-              <a:rPr lang="ko-KR" altLang="en-US" dirty="0"/>
-              <a:t>이상 구독연장</a:t>
-            </a:r>
-            <a:r>
-              <a:rPr lang="en-US" altLang="ko-KR" dirty="0"/>
-              <a:t>, </a:t>
-            </a:r>
-            <a:r>
-              <a:rPr lang="ko-KR" altLang="en-US" dirty="0"/>
-              <a:t>취소 비율</a:t>
-            </a:r>
-            <a:r>
-              <a:rPr lang="en-US" altLang="ko-KR" dirty="0"/>
-              <a:t>&gt;</a:t>
-            </a:r>
-            <a:endParaRPr lang="ko-KR" altLang="en-US" dirty="0"/>
-          </a:p>
-        </p:txBody>
-      </p:sp>
-      <p:sp>
-        <p:nvSpPr>
-          <p:cNvPr id="25" name="TextBox 24">
-            <a:extLst>
-              <a:ext uri="{FF2B5EF4-FFF2-40B4-BE49-F238E27FC236}">
-                <a16:creationId xmlns:a16="http://schemas.microsoft.com/office/drawing/2014/main" id="{FD62F8EB-A862-C35C-9189-B671AC56EE20}"/>
-              </a:ext>
-            </a:extLst>
-          </p:cNvPr>
-          <p:cNvSpPr txBox="1"/>
-          <p:nvPr/>
-        </p:nvSpPr>
-        <p:spPr>
-          <a:xfrm>
-            <a:off x="6096000" y="6308209"/>
-            <a:ext cx="5527475" cy="369332"/>
-          </a:xfrm>
-          <a:prstGeom prst="rect">
-            <a:avLst/>
-          </a:prstGeom>
-          <a:noFill/>
-        </p:spPr>
-        <p:txBody>
-          <a:bodyPr wrap="none" rtlCol="0">
-            <a:spAutoFit/>
-          </a:bodyPr>
-          <a:lstStyle/>
-          <a:p>
-            <a:r>
-              <a:rPr lang="en-US" altLang="ko-KR" dirty="0"/>
-              <a:t>&lt;</a:t>
-            </a:r>
-            <a:r>
-              <a:rPr lang="ko-KR" altLang="en-US" dirty="0"/>
-              <a:t>코스당 학습세션 </a:t>
-            </a:r>
-            <a:r>
-              <a:rPr lang="en-US" altLang="ko-KR" dirty="0"/>
-              <a:t>10</a:t>
-            </a:r>
-            <a:r>
-              <a:rPr lang="ko-KR" altLang="en-US" dirty="0"/>
-              <a:t>이상 구독연장</a:t>
-            </a:r>
-            <a:r>
-              <a:rPr lang="en-US" altLang="ko-KR" dirty="0"/>
-              <a:t>, </a:t>
-            </a:r>
-            <a:r>
-              <a:rPr lang="ko-KR" altLang="en-US" dirty="0" err="1"/>
-              <a:t>취소별</a:t>
-            </a:r>
-            <a:r>
-              <a:rPr lang="ko-KR" altLang="en-US" dirty="0"/>
-              <a:t> 구독타입</a:t>
-            </a:r>
-            <a:r>
-              <a:rPr lang="en-US" altLang="ko-KR" dirty="0"/>
-              <a:t>&gt;</a:t>
-            </a:r>
-            <a:endParaRPr lang="ko-KR" altLang="en-US" dirty="0"/>
-          </a:p>
-        </p:txBody>
-      </p:sp>
     </p:spTree>
     <p:extLst>
       <p:ext uri="{BB962C8B-B14F-4D97-AF65-F5344CB8AC3E}">
@@ -23787,36 +23787,6 @@
           </a:prstGeom>
         </p:spPr>
       </p:pic>
-      <p:pic>
-        <p:nvPicPr>
-          <p:cNvPr id="13" name="그림 12">
-            <a:extLst>
-              <a:ext uri="{FF2B5EF4-FFF2-40B4-BE49-F238E27FC236}">
-                <a16:creationId xmlns:a16="http://schemas.microsoft.com/office/drawing/2014/main" id="{4D1DCAFD-B162-AE04-522F-3552A16D49BC}"/>
-              </a:ext>
-            </a:extLst>
-          </p:cNvPr>
-          <p:cNvPicPr>
-            <a:picLocks noChangeAspect="1"/>
-          </p:cNvPicPr>
-          <p:nvPr/>
-        </p:nvPicPr>
-        <p:blipFill>
-          <a:blip r:embed="rId4"/>
-          <a:stretch>
-            <a:fillRect/>
-          </a:stretch>
-        </p:blipFill>
-        <p:spPr>
-          <a:xfrm>
-            <a:off x="9281319" y="3267395"/>
-            <a:ext cx="2550053" cy="1980739"/>
-          </a:xfrm>
-          <a:prstGeom prst="rect">
-            <a:avLst/>
-          </a:prstGeom>
-        </p:spPr>
-      </p:pic>
       <p:sp>
         <p:nvSpPr>
           <p:cNvPr id="14" name="TextBox 13">
@@ -24245,6 +24215,36 @@
           </a:fontRef>
         </p:style>
       </p:cxnSp>
+      <p:pic>
+        <p:nvPicPr>
+          <p:cNvPr id="4" name="그림 3">
+            <a:extLst>
+              <a:ext uri="{FF2B5EF4-FFF2-40B4-BE49-F238E27FC236}">
+                <a16:creationId xmlns:a16="http://schemas.microsoft.com/office/drawing/2014/main" id="{E6AD06CC-F55D-6704-ED33-4E2F45350230}"/>
+              </a:ext>
+            </a:extLst>
+          </p:cNvPr>
+          <p:cNvPicPr>
+            <a:picLocks noChangeAspect="1"/>
+          </p:cNvPicPr>
+          <p:nvPr/>
+        </p:nvPicPr>
+        <p:blipFill>
+          <a:blip r:embed="rId4"/>
+          <a:stretch>
+            <a:fillRect/>
+          </a:stretch>
+        </p:blipFill>
+        <p:spPr>
+          <a:xfrm>
+            <a:off x="9092816" y="3267789"/>
+            <a:ext cx="2696987" cy="2002774"/>
+          </a:xfrm>
+          <a:prstGeom prst="rect">
+            <a:avLst/>
+          </a:prstGeom>
+        </p:spPr>
+      </p:pic>
     </p:spTree>
     <p:extLst>
       <p:ext uri="{BB962C8B-B14F-4D97-AF65-F5344CB8AC3E}">
@@ -32378,15 +32378,6 @@
 </file>
 
 <file path=customXml/item2.xml><?xml version="1.0" encoding="utf-8"?>
-<?mso-contentType ?>
-<FormTemplates xmlns="http://schemas.microsoft.com/sharepoint/v3/contenttype/forms">
-  <Display>DocumentLibraryForm</Display>
-  <Edit>DocumentLibraryForm</Edit>
-  <New>DocumentLibraryForm</New>
-</FormTemplates>
-</file>
-
-<file path=customXml/item3.xml><?xml version="1.0" encoding="utf-8"?>
 <p:properties xmlns:p="http://schemas.microsoft.com/office/2006/metadata/properties" xmlns:xsi="http://www.w3.org/2001/XMLSchema-instance" xmlns:pc="http://schemas.microsoft.com/office/infopath/2007/PartnerControls">
   <documentManagement>
     <Status xmlns="71af3243-3dd4-4a8d-8c0d-dd76da1f02a5">Not started</Status>
@@ -32403,6 +32394,15 @@
     <MediaServiceKeyPoints xmlns="71af3243-3dd4-4a8d-8c0d-dd76da1f02a5" xsi:nil="true"/>
   </documentManagement>
 </p:properties>
+</file>
+
+<file path=customXml/item3.xml><?xml version="1.0" encoding="utf-8"?>
+<?mso-contentType ?>
+<FormTemplates xmlns="http://schemas.microsoft.com/sharepoint/v3/contenttype/forms">
+  <Display>DocumentLibraryForm</Display>
+  <Edit>DocumentLibraryForm</Edit>
+  <New>DocumentLibraryForm</New>
+</FormTemplates>
 </file>
 
 <file path=customXml/itemProps1.xml><?xml version="1.0" encoding="utf-8"?>
@@ -32427,14 +32427,6 @@
 </file>
 
 <file path=customXml/itemProps2.xml><?xml version="1.0" encoding="utf-8"?>
-<ds:datastoreItem xmlns:ds="http://schemas.openxmlformats.org/officeDocument/2006/customXml" ds:itemID="{E0C88140-B977-44ED-8877-83D5BCE76393}">
-  <ds:schemaRefs>
-    <ds:schemaRef ds:uri="http://schemas.microsoft.com/sharepoint/v3/contenttype/forms"/>
-  </ds:schemaRefs>
-</ds:datastoreItem>
-</file>
-
-<file path=customXml/itemProps3.xml><?xml version="1.0" encoding="utf-8"?>
 <ds:datastoreItem xmlns:ds="http://schemas.openxmlformats.org/officeDocument/2006/customXml" ds:itemID="{DBE6AE0A-D4B0-4A5B-9359-3C20E0AE6F61}">
   <ds:schemaRefs>
     <ds:schemaRef ds:uri="http://schemas.microsoft.com/office/2006/metadata/properties"/>
@@ -32446,6 +32438,14 @@
 </ds:datastoreItem>
 </file>
 
+<file path=customXml/itemProps3.xml><?xml version="1.0" encoding="utf-8"?>
+<ds:datastoreItem xmlns:ds="http://schemas.openxmlformats.org/officeDocument/2006/customXml" ds:itemID="{E0C88140-B977-44ED-8877-83D5BCE76393}">
+  <ds:schemaRefs>
+    <ds:schemaRef ds:uri="http://schemas.microsoft.com/sharepoint/v3/contenttype/forms"/>
+  </ds:schemaRefs>
+</ds:datastoreItem>
+</file>
+
 <file path=docMetadata/LabelInfo.xml><?xml version="1.0" encoding="utf-8"?>
 <clbl:labelList xmlns:clbl="http://schemas.microsoft.com/office/2020/mipLabelMetadata">
   <clbl:label id="{f42aa342-8706-4288-bd11-ebb85995028c}" enabled="1" method="Standard" siteId="{72f988bf-86f1-41af-91ab-2d7cd011db47}" removed="0"/>
